--- a/Portfolio/HELPER_BOT_2.pptx
+++ b/Portfolio/HELPER_BOT_2.pptx
@@ -7,16 +7,24 @@
   <p:sldIdLst>
     <p:sldId id="256" r:id="rId2"/>
     <p:sldId id="257" r:id="rId3"/>
-    <p:sldId id="258" r:id="rId4"/>
-    <p:sldId id="259" r:id="rId5"/>
-    <p:sldId id="260" r:id="rId6"/>
-    <p:sldId id="261" r:id="rId7"/>
+    <p:sldId id="259" r:id="rId4"/>
+    <p:sldId id="268" r:id="rId5"/>
+    <p:sldId id="269" r:id="rId6"/>
+    <p:sldId id="270" r:id="rId7"/>
     <p:sldId id="262" r:id="rId8"/>
-    <p:sldId id="263" r:id="rId9"/>
-    <p:sldId id="264" r:id="rId10"/>
-    <p:sldId id="265" r:id="rId11"/>
-    <p:sldId id="266" r:id="rId12"/>
-    <p:sldId id="267" r:id="rId13"/>
+    <p:sldId id="273" r:id="rId9"/>
+    <p:sldId id="274" r:id="rId10"/>
+    <p:sldId id="275" r:id="rId11"/>
+    <p:sldId id="276" r:id="rId12"/>
+    <p:sldId id="258" r:id="rId13"/>
+    <p:sldId id="260" r:id="rId14"/>
+    <p:sldId id="261" r:id="rId15"/>
+    <p:sldId id="263" r:id="rId16"/>
+    <p:sldId id="264" r:id="rId17"/>
+    <p:sldId id="265" r:id="rId18"/>
+    <p:sldId id="266" r:id="rId19"/>
+    <p:sldId id="272" r:id="rId20"/>
+    <p:sldId id="267" r:id="rId21"/>
   </p:sldIdLst>
   <p:sldSz cx="10696575" cy="7562850"/>
   <p:notesSz cx="7562850" cy="10696575"/>
@@ -313,7 +321,7 @@
           <a:p>
             <a:fld id="{F8166F1F-CE9B-4651-A6AA-CD717754106B}" type="datetimeFigureOut">
               <a:rPr lang="en-US" smtClean="0"/>
-              <a:t>9/6/2022</a:t>
+              <a:t>9/7/2022</a:t>
             </a:fld>
             <a:endParaRPr lang="en-US"/>
           </a:p>
@@ -476,7 +484,7 @@
           <a:p>
             <a:fld id="{A76116CE-C4A3-4A05-B2D7-7C2E9A889C0F}" type="datetimeFigureOut">
               <a:rPr lang="en-US" smtClean="0"/>
-              <a:t>9/6/2022</a:t>
+              <a:t>9/7/2022</a:t>
             </a:fld>
             <a:endParaRPr lang="en-US"/>
           </a:p>
@@ -649,7 +657,7 @@
           <a:p>
             <a:fld id="{A76116CE-C4A3-4A05-B2D7-7C2E9A889C0F}" type="datetimeFigureOut">
               <a:rPr lang="en-US" smtClean="0"/>
-              <a:t>9/6/2022</a:t>
+              <a:t>9/7/2022</a:t>
             </a:fld>
             <a:endParaRPr lang="en-US"/>
           </a:p>
@@ -814,7 +822,7 @@
           <a:p>
             <a:fld id="{A76116CE-C4A3-4A05-B2D7-7C2E9A889C0F}" type="datetimeFigureOut">
               <a:rPr lang="en-US" smtClean="0"/>
-              <a:t>9/6/2022</a:t>
+              <a:t>9/7/2022</a:t>
             </a:fld>
             <a:endParaRPr lang="en-US"/>
           </a:p>
@@ -1054,7 +1062,7 @@
           <a:p>
             <a:fld id="{A76116CE-C4A3-4A05-B2D7-7C2E9A889C0F}" type="datetimeFigureOut">
               <a:rPr lang="en-US" smtClean="0"/>
-              <a:t>9/6/2022</a:t>
+              <a:t>9/7/2022</a:t>
             </a:fld>
             <a:endParaRPr lang="en-US"/>
           </a:p>
@@ -1334,7 +1342,7 @@
           <a:p>
             <a:fld id="{A76116CE-C4A3-4A05-B2D7-7C2E9A889C0F}" type="datetimeFigureOut">
               <a:rPr lang="en-US" smtClean="0"/>
-              <a:t>9/6/2022</a:t>
+              <a:t>9/7/2022</a:t>
             </a:fld>
             <a:endParaRPr lang="en-US"/>
           </a:p>
@@ -1748,7 +1756,7 @@
           <a:p>
             <a:fld id="{A76116CE-C4A3-4A05-B2D7-7C2E9A889C0F}" type="datetimeFigureOut">
               <a:rPr lang="en-US" smtClean="0"/>
-              <a:t>9/6/2022</a:t>
+              <a:t>9/7/2022</a:t>
             </a:fld>
             <a:endParaRPr lang="en-US"/>
           </a:p>
@@ -1860,7 +1868,7 @@
           <a:p>
             <a:fld id="{A76116CE-C4A3-4A05-B2D7-7C2E9A889C0F}" type="datetimeFigureOut">
               <a:rPr lang="en-US" smtClean="0"/>
-              <a:t>9/6/2022</a:t>
+              <a:t>9/7/2022</a:t>
             </a:fld>
             <a:endParaRPr lang="en-US"/>
           </a:p>
@@ -1950,7 +1958,7 @@
           <a:p>
             <a:fld id="{A76116CE-C4A3-4A05-B2D7-7C2E9A889C0F}" type="datetimeFigureOut">
               <a:rPr lang="en-US" smtClean="0"/>
-              <a:t>9/6/2022</a:t>
+              <a:t>9/7/2022</a:t>
             </a:fld>
             <a:endParaRPr lang="en-US"/>
           </a:p>
@@ -2220,7 +2228,7 @@
           <a:p>
             <a:fld id="{A76116CE-C4A3-4A05-B2D7-7C2E9A889C0F}" type="datetimeFigureOut">
               <a:rPr lang="en-US" smtClean="0"/>
-              <a:t>9/6/2022</a:t>
+              <a:t>9/7/2022</a:t>
             </a:fld>
             <a:endParaRPr lang="en-US"/>
           </a:p>
@@ -2467,7 +2475,7 @@
           <a:p>
             <a:fld id="{A76116CE-C4A3-4A05-B2D7-7C2E9A889C0F}" type="datetimeFigureOut">
               <a:rPr lang="en-US" smtClean="0"/>
-              <a:t>9/6/2022</a:t>
+              <a:t>9/7/2022</a:t>
             </a:fld>
             <a:endParaRPr lang="en-US"/>
           </a:p>
@@ -2673,7 +2681,7 @@
           <a:p>
             <a:fld id="{F8166F1F-CE9B-4651-A6AA-CD717754106B}" type="datetimeFigureOut">
               <a:rPr lang="en-US" smtClean="0"/>
-              <a:t>9/6/2022</a:t>
+              <a:t>9/7/2022</a:t>
             </a:fld>
             <a:endParaRPr lang="en-US"/>
           </a:p>
@@ -3130,7 +3138,6 @@
                 <a:solidFill>
                   <a:schemeClr val="bg1"/>
                 </a:solidFill>
-                <a:latin typeface="+mj-lt"/>
               </a:rPr>
               <a:t>TEAM : </a:t>
             </a:r>
@@ -3139,7 +3146,6 @@
                 <a:solidFill>
                   <a:schemeClr val="bg1"/>
                 </a:solidFill>
-                <a:latin typeface="+mj-lt"/>
               </a:rPr>
               <a:t>위기탈출 </a:t>
             </a:r>
@@ -3148,7 +3154,6 @@
                 <a:solidFill>
                   <a:schemeClr val="bg1"/>
                 </a:solidFill>
-                <a:latin typeface="+mj-lt"/>
               </a:rPr>
               <a:t>넘버원이조</a:t>
             </a:r>
@@ -3156,7 +3161,6 @@
               <a:solidFill>
                 <a:schemeClr val="bg1"/>
               </a:solidFill>
-              <a:latin typeface="+mj-lt"/>
             </a:endParaRPr>
           </a:p>
         </p:txBody>
@@ -3175,7 +3179,7 @@
         </p:nvSpPr>
         <p:spPr>
           <a:xfrm>
-            <a:off x="273394" y="6448425"/>
+            <a:off x="4898772" y="6524625"/>
             <a:ext cx="1742593" cy="769441"/>
           </a:xfrm>
           <a:prstGeom prst="rect">
@@ -3264,7 +3268,7 @@
         </p:nvSpPr>
         <p:spPr>
           <a:xfrm>
-            <a:off x="2224087" y="6448425"/>
+            <a:off x="6849465" y="6524625"/>
             <a:ext cx="1746247" cy="769441"/>
           </a:xfrm>
           <a:prstGeom prst="rect">
@@ -3353,7 +3357,7 @@
         </p:nvSpPr>
         <p:spPr>
           <a:xfrm>
-            <a:off x="4178434" y="6448425"/>
+            <a:off x="8803812" y="6524625"/>
             <a:ext cx="1649875" cy="769441"/>
           </a:xfrm>
           <a:prstGeom prst="rect">
@@ -3438,867 +3442,7 @@
 
 <file path=ppt/slides/slide10.xml><?xml version="1.0" encoding="utf-8"?>
 <p:sld xmlns:a="http://schemas.openxmlformats.org/drawingml/2006/main" xmlns:r="http://schemas.openxmlformats.org/officeDocument/2006/relationships" xmlns:p="http://schemas.openxmlformats.org/presentationml/2006/main">
-  <p:cSld name="Slide 10">
-    <p:bg>
-      <p:bgPr>
-        <a:solidFill>
-          <a:srgbClr val="668EFD"/>
-        </a:solidFill>
-        <a:effectLst/>
-      </p:bgPr>
-    </p:bg>
-    <p:spTree>
-      <p:nvGrpSpPr>
-        <p:cNvPr id="1" name=""/>
-        <p:cNvGrpSpPr/>
-        <p:nvPr/>
-      </p:nvGrpSpPr>
-      <p:grpSpPr>
-        <a:xfrm>
-          <a:off x="0" y="0"/>
-          <a:ext cx="0" cy="0"/>
-          <a:chOff x="0" y="0"/>
-          <a:chExt cx="0" cy="0"/>
-        </a:xfrm>
-      </p:grpSpPr>
-      <p:pic>
-        <p:nvPicPr>
-          <p:cNvPr id="2" name="Object 1"/>
-          <p:cNvPicPr>
-            <a:picLocks noChangeAspect="1"/>
-          </p:cNvPicPr>
-          <p:nvPr/>
-        </p:nvPicPr>
-        <p:blipFill>
-          <a:blip r:embed="rId2" cstate="print"/>
-          <a:stretch>
-            <a:fillRect/>
-          </a:stretch>
-        </p:blipFill>
-        <p:spPr>
-          <a:xfrm>
-            <a:off x="873519" y="1563809"/>
-            <a:ext cx="2898273" cy="1708575"/>
-          </a:xfrm>
-          <a:prstGeom prst="rect">
-            <a:avLst/>
-          </a:prstGeom>
-        </p:spPr>
-      </p:pic>
-      <p:grpSp>
-        <p:nvGrpSpPr>
-          <p:cNvPr id="1001" name="그룹 1001"/>
-          <p:cNvGrpSpPr/>
-          <p:nvPr/>
-        </p:nvGrpSpPr>
-        <p:grpSpPr>
-          <a:xfrm>
-            <a:off x="7664682" y="4399628"/>
-            <a:ext cx="2023179" cy="45165"/>
-            <a:chOff x="7664682" y="4399628"/>
-            <a:chExt cx="2023179" cy="45165"/>
-          </a:xfrm>
-        </p:grpSpPr>
-        <p:pic>
-          <p:nvPicPr>
-            <p:cNvPr id="4" name="Object 3"/>
-            <p:cNvPicPr>
-              <a:picLocks noChangeAspect="1"/>
-            </p:cNvPicPr>
-            <p:nvPr/>
-          </p:nvPicPr>
-          <p:blipFill>
-            <a:blip r:embed="rId3" cstate="print"/>
-            <a:stretch>
-              <a:fillRect/>
-            </a:stretch>
-          </p:blipFill>
-          <p:spPr>
-            <a:xfrm rot="-10800000">
-              <a:off x="7664682" y="4399628"/>
-              <a:ext cx="2023179" cy="45165"/>
-            </a:xfrm>
-            <a:prstGeom prst="rect">
-              <a:avLst/>
-            </a:prstGeom>
-          </p:spPr>
-        </p:pic>
-      </p:grpSp>
-      <p:pic>
-        <p:nvPicPr>
-          <p:cNvPr id="6" name="Object 5"/>
-          <p:cNvPicPr>
-            <a:picLocks noChangeAspect="1"/>
-          </p:cNvPicPr>
-          <p:nvPr/>
-        </p:nvPicPr>
-        <p:blipFill>
-          <a:blip r:embed="rId4" cstate="print"/>
-          <a:stretch>
-            <a:fillRect/>
-          </a:stretch>
-        </p:blipFill>
-        <p:spPr>
-          <a:xfrm>
-            <a:off x="7549194" y="4716184"/>
-            <a:ext cx="2196822" cy="229608"/>
-          </a:xfrm>
-          <a:prstGeom prst="rect">
-            <a:avLst/>
-          </a:prstGeom>
-        </p:spPr>
-      </p:pic>
-      <p:pic>
-        <p:nvPicPr>
-          <p:cNvPr id="7" name="Object 6"/>
-          <p:cNvPicPr>
-            <a:picLocks noChangeAspect="1"/>
-          </p:cNvPicPr>
-          <p:nvPr/>
-        </p:nvPicPr>
-        <p:blipFill>
-          <a:blip r:embed="rId5" cstate="print"/>
-          <a:stretch>
-            <a:fillRect/>
-          </a:stretch>
-        </p:blipFill>
-        <p:spPr>
-          <a:xfrm>
-            <a:off x="6090340" y="1088724"/>
-            <a:ext cx="5357753" cy="4051612"/>
-          </a:xfrm>
-          <a:prstGeom prst="rect">
-            <a:avLst/>
-          </a:prstGeom>
-        </p:spPr>
-      </p:pic>
-      <p:pic>
-        <p:nvPicPr>
-          <p:cNvPr id="8" name="Object 7"/>
-          <p:cNvPicPr>
-            <a:picLocks noChangeAspect="1"/>
-          </p:cNvPicPr>
-          <p:nvPr/>
-        </p:nvPicPr>
-        <p:blipFill>
-          <a:blip r:embed="rId6" cstate="print"/>
-          <a:stretch>
-            <a:fillRect/>
-          </a:stretch>
-        </p:blipFill>
-        <p:spPr>
-          <a:xfrm>
-            <a:off x="7601368" y="5094658"/>
-            <a:ext cx="2192856" cy="879381"/>
-          </a:xfrm>
-          <a:prstGeom prst="rect">
-            <a:avLst/>
-          </a:prstGeom>
-        </p:spPr>
-      </p:pic>
-    </p:spTree>
-  </p:cSld>
-  <p:clrMapOvr>
-    <a:masterClrMapping/>
-  </p:clrMapOvr>
-</p:sld>
-</file>
-
-<file path=ppt/slides/slide11.xml><?xml version="1.0" encoding="utf-8"?>
-<p:sld xmlns:a="http://schemas.openxmlformats.org/drawingml/2006/main" xmlns:r="http://schemas.openxmlformats.org/officeDocument/2006/relationships" xmlns:p="http://schemas.openxmlformats.org/presentationml/2006/main">
-  <p:cSld name="Slide 11">
-    <p:bg>
-      <p:bgPr>
-        <a:solidFill>
-          <a:srgbClr val="FFFFFF"/>
-        </a:solidFill>
-        <a:effectLst/>
-      </p:bgPr>
-    </p:bg>
-    <p:spTree>
-      <p:nvGrpSpPr>
-        <p:cNvPr id="1" name=""/>
-        <p:cNvGrpSpPr/>
-        <p:nvPr/>
-      </p:nvGrpSpPr>
-      <p:grpSpPr>
-        <a:xfrm>
-          <a:off x="0" y="0"/>
-          <a:ext cx="0" cy="0"/>
-          <a:chOff x="0" y="0"/>
-          <a:chExt cx="0" cy="0"/>
-        </a:xfrm>
-      </p:grpSpPr>
-      <p:grpSp>
-        <p:nvGrpSpPr>
-          <p:cNvPr id="1001" name="그룹 1001"/>
-          <p:cNvGrpSpPr/>
-          <p:nvPr/>
-        </p:nvGrpSpPr>
-        <p:grpSpPr>
-          <a:xfrm>
-            <a:off x="7340694" y="4712379"/>
-            <a:ext cx="2396429" cy="45165"/>
-            <a:chOff x="7340694" y="4712379"/>
-            <a:chExt cx="2396429" cy="45165"/>
-          </a:xfrm>
-        </p:grpSpPr>
-        <p:pic>
-          <p:nvPicPr>
-            <p:cNvPr id="3" name="Object 2"/>
-            <p:cNvPicPr>
-              <a:picLocks noChangeAspect="1"/>
-            </p:cNvPicPr>
-            <p:nvPr/>
-          </p:nvPicPr>
-          <p:blipFill>
-            <a:blip r:embed="rId2" cstate="print"/>
-            <a:stretch>
-              <a:fillRect/>
-            </a:stretch>
-          </p:blipFill>
-          <p:spPr>
-            <a:xfrm rot="-10800000">
-              <a:off x="7340694" y="4712379"/>
-              <a:ext cx="2396429" cy="45165"/>
-            </a:xfrm>
-            <a:prstGeom prst="rect">
-              <a:avLst/>
-            </a:prstGeom>
-          </p:spPr>
-        </p:pic>
-      </p:grpSp>
-      <p:grpSp>
-        <p:nvGrpSpPr>
-          <p:cNvPr id="1002" name="그룹 1002"/>
-          <p:cNvGrpSpPr/>
-          <p:nvPr/>
-        </p:nvGrpSpPr>
-        <p:grpSpPr>
-          <a:xfrm>
-            <a:off x="4387872" y="1630281"/>
-            <a:ext cx="2097748" cy="4454344"/>
-            <a:chOff x="4387872" y="1630281"/>
-            <a:chExt cx="2097748" cy="4454344"/>
-          </a:xfrm>
-        </p:grpSpPr>
-        <p:pic>
-          <p:nvPicPr>
-            <p:cNvPr id="6" name="Object 5"/>
-            <p:cNvPicPr>
-              <a:picLocks noChangeAspect="1"/>
-            </p:cNvPicPr>
-            <p:nvPr/>
-          </p:nvPicPr>
-          <p:blipFill>
-            <a:blip r:embed="rId3" cstate="print"/>
-            <a:stretch>
-              <a:fillRect/>
-            </a:stretch>
-          </p:blipFill>
-          <p:spPr>
-            <a:xfrm>
-              <a:off x="4387872" y="1630281"/>
-              <a:ext cx="2097748" cy="4454344"/>
-            </a:xfrm>
-            <a:prstGeom prst="rect">
-              <a:avLst/>
-            </a:prstGeom>
-          </p:spPr>
-        </p:pic>
-      </p:grpSp>
-      <p:pic>
-        <p:nvPicPr>
-          <p:cNvPr id="8" name="Object 7"/>
-          <p:cNvPicPr>
-            <a:picLocks noChangeAspect="1"/>
-          </p:cNvPicPr>
-          <p:nvPr/>
-        </p:nvPicPr>
-        <p:blipFill>
-          <a:blip r:embed="rId4" cstate="print"/>
-          <a:stretch>
-            <a:fillRect/>
-          </a:stretch>
-        </p:blipFill>
-        <p:spPr>
-          <a:xfrm>
-            <a:off x="7303294" y="1553606"/>
-            <a:ext cx="1643390" cy="445693"/>
-          </a:xfrm>
-          <a:prstGeom prst="rect">
-            <a:avLst/>
-          </a:prstGeom>
-        </p:spPr>
-      </p:pic>
-      <p:pic>
-        <p:nvPicPr>
-          <p:cNvPr id="9" name="Object 8"/>
-          <p:cNvPicPr>
-            <a:picLocks noChangeAspect="1"/>
-          </p:cNvPicPr>
-          <p:nvPr/>
-        </p:nvPicPr>
-        <p:blipFill>
-          <a:blip r:embed="rId5" cstate="print"/>
-          <a:stretch>
-            <a:fillRect/>
-          </a:stretch>
-        </p:blipFill>
-        <p:spPr>
-          <a:xfrm>
-            <a:off x="7315761" y="1943381"/>
-            <a:ext cx="1084124" cy="294136"/>
-          </a:xfrm>
-          <a:prstGeom prst="rect">
-            <a:avLst/>
-          </a:prstGeom>
-        </p:spPr>
-      </p:pic>
-      <p:pic>
-        <p:nvPicPr>
-          <p:cNvPr id="10" name="Object 9"/>
-          <p:cNvPicPr>
-            <a:picLocks noChangeAspect="1"/>
-          </p:cNvPicPr>
-          <p:nvPr/>
-        </p:nvPicPr>
-        <p:blipFill>
-          <a:blip r:embed="rId6" cstate="print"/>
-          <a:stretch>
-            <a:fillRect/>
-          </a:stretch>
-        </p:blipFill>
-        <p:spPr>
-          <a:xfrm>
-            <a:off x="7320641" y="5471742"/>
-            <a:ext cx="454804" cy="235891"/>
-          </a:xfrm>
-          <a:prstGeom prst="rect">
-            <a:avLst/>
-          </a:prstGeom>
-        </p:spPr>
-      </p:pic>
-      <p:grpSp>
-        <p:nvGrpSpPr>
-          <p:cNvPr id="1003" name="그룹 1003"/>
-          <p:cNvGrpSpPr/>
-          <p:nvPr/>
-        </p:nvGrpSpPr>
-        <p:grpSpPr>
-          <a:xfrm>
-            <a:off x="7969415" y="5795397"/>
-            <a:ext cx="1922097" cy="51833"/>
-            <a:chOff x="7969415" y="5795397"/>
-            <a:chExt cx="1922097" cy="51833"/>
-          </a:xfrm>
-        </p:grpSpPr>
-        <p:pic>
-          <p:nvPicPr>
-            <p:cNvPr id="12" name="Object 11"/>
-            <p:cNvPicPr>
-              <a:picLocks noChangeAspect="1"/>
-            </p:cNvPicPr>
-            <p:nvPr/>
-          </p:nvPicPr>
-          <p:blipFill>
-            <a:blip r:embed="rId7" cstate="print"/>
-            <a:stretch>
-              <a:fillRect/>
-            </a:stretch>
-          </p:blipFill>
-          <p:spPr>
-            <a:xfrm>
-              <a:off x="7969415" y="5795397"/>
-              <a:ext cx="1922097" cy="51833"/>
-            </a:xfrm>
-            <a:prstGeom prst="rect">
-              <a:avLst/>
-            </a:prstGeom>
-          </p:spPr>
-        </p:pic>
-      </p:grpSp>
-      <p:grpSp>
-        <p:nvGrpSpPr>
-          <p:cNvPr id="1004" name="그룹 1004"/>
-          <p:cNvGrpSpPr/>
-          <p:nvPr/>
-        </p:nvGrpSpPr>
-        <p:grpSpPr>
-          <a:xfrm>
-            <a:off x="7969415" y="5990992"/>
-            <a:ext cx="1922097" cy="51833"/>
-            <a:chOff x="7969415" y="5990992"/>
-            <a:chExt cx="1922097" cy="51833"/>
-          </a:xfrm>
-        </p:grpSpPr>
-        <p:pic>
-          <p:nvPicPr>
-            <p:cNvPr id="15" name="Object 14"/>
-            <p:cNvPicPr>
-              <a:picLocks noChangeAspect="1"/>
-            </p:cNvPicPr>
-            <p:nvPr/>
-          </p:nvPicPr>
-          <p:blipFill>
-            <a:blip r:embed="rId7" cstate="print"/>
-            <a:stretch>
-              <a:fillRect/>
-            </a:stretch>
-          </p:blipFill>
-          <p:spPr>
-            <a:xfrm>
-              <a:off x="7969415" y="5990992"/>
-              <a:ext cx="1922097" cy="51833"/>
-            </a:xfrm>
-            <a:prstGeom prst="rect">
-              <a:avLst/>
-            </a:prstGeom>
-          </p:spPr>
-        </p:pic>
-      </p:grpSp>
-      <p:pic>
-        <p:nvPicPr>
-          <p:cNvPr id="17" name="Object 16"/>
-          <p:cNvPicPr>
-            <a:picLocks noChangeAspect="1"/>
-          </p:cNvPicPr>
-          <p:nvPr/>
-        </p:nvPicPr>
-        <p:blipFill>
-          <a:blip r:embed="rId8" cstate="print"/>
-          <a:stretch>
-            <a:fillRect/>
-          </a:stretch>
-        </p:blipFill>
-        <p:spPr>
-          <a:xfrm>
-            <a:off x="9171919" y="5926418"/>
-            <a:ext cx="209621" cy="204096"/>
-          </a:xfrm>
-          <a:prstGeom prst="rect">
-            <a:avLst/>
-          </a:prstGeom>
-        </p:spPr>
-      </p:pic>
-      <p:pic>
-        <p:nvPicPr>
-          <p:cNvPr id="18" name="Object 17"/>
-          <p:cNvPicPr>
-            <a:picLocks noChangeAspect="1"/>
-          </p:cNvPicPr>
-          <p:nvPr/>
-        </p:nvPicPr>
-        <p:blipFill>
-          <a:blip r:embed="rId9" cstate="print"/>
-          <a:stretch>
-            <a:fillRect/>
-          </a:stretch>
-        </p:blipFill>
-        <p:spPr>
-          <a:xfrm>
-            <a:off x="7320641" y="5080387"/>
-            <a:ext cx="528866" cy="229608"/>
-          </a:xfrm>
-          <a:prstGeom prst="rect">
-            <a:avLst/>
-          </a:prstGeom>
-        </p:spPr>
-      </p:pic>
-      <p:pic>
-        <p:nvPicPr>
-          <p:cNvPr id="19" name="Object 18"/>
-          <p:cNvPicPr>
-            <a:picLocks noChangeAspect="1"/>
-          </p:cNvPicPr>
-          <p:nvPr/>
-        </p:nvPicPr>
-        <p:blipFill>
-          <a:blip r:embed="rId10" cstate="print"/>
-          <a:stretch>
-            <a:fillRect/>
-          </a:stretch>
-        </p:blipFill>
-        <p:spPr>
-          <a:xfrm>
-            <a:off x="7949362" y="5080387"/>
-            <a:ext cx="1411201" cy="236559"/>
-          </a:xfrm>
-          <a:prstGeom prst="rect">
-            <a:avLst/>
-          </a:prstGeom>
-        </p:spPr>
-      </p:pic>
-      <p:pic>
-        <p:nvPicPr>
-          <p:cNvPr id="20" name="Object 19"/>
-          <p:cNvPicPr>
-            <a:picLocks noChangeAspect="1"/>
-          </p:cNvPicPr>
-          <p:nvPr/>
-        </p:nvPicPr>
-        <p:blipFill>
-          <a:blip r:embed="rId11" cstate="print"/>
-          <a:stretch>
-            <a:fillRect/>
-          </a:stretch>
-        </p:blipFill>
-        <p:spPr>
-          <a:xfrm>
-            <a:off x="7322869" y="5724986"/>
-            <a:ext cx="283179" cy="210275"/>
-          </a:xfrm>
-          <a:prstGeom prst="rect">
-            <a:avLst/>
-          </a:prstGeom>
-        </p:spPr>
-      </p:pic>
-      <p:pic>
-        <p:nvPicPr>
-          <p:cNvPr id="21" name="Object 20"/>
-          <p:cNvPicPr>
-            <a:picLocks noChangeAspect="1"/>
-          </p:cNvPicPr>
-          <p:nvPr/>
-        </p:nvPicPr>
-        <p:blipFill>
-          <a:blip r:embed="rId8" cstate="print"/>
-          <a:stretch>
-            <a:fillRect/>
-          </a:stretch>
-        </p:blipFill>
-        <p:spPr>
-          <a:xfrm>
-            <a:off x="9171919" y="5707089"/>
-            <a:ext cx="209621" cy="204096"/>
-          </a:xfrm>
-          <a:prstGeom prst="rect">
-            <a:avLst/>
-          </a:prstGeom>
-        </p:spPr>
-      </p:pic>
-      <p:pic>
-        <p:nvPicPr>
-          <p:cNvPr id="22" name="Object 21"/>
-          <p:cNvPicPr>
-            <a:picLocks noChangeAspect="1"/>
-          </p:cNvPicPr>
-          <p:nvPr/>
-        </p:nvPicPr>
-        <p:blipFill>
-          <a:blip r:embed="rId12" cstate="print"/>
-          <a:stretch>
-            <a:fillRect/>
-          </a:stretch>
-        </p:blipFill>
-        <p:spPr>
-          <a:xfrm>
-            <a:off x="7328775" y="5927175"/>
-            <a:ext cx="296845" cy="209681"/>
-          </a:xfrm>
-          <a:prstGeom prst="rect">
-            <a:avLst/>
-          </a:prstGeom>
-        </p:spPr>
-      </p:pic>
-      <p:pic>
-        <p:nvPicPr>
-          <p:cNvPr id="23" name="Object 22"/>
-          <p:cNvPicPr>
-            <a:picLocks noChangeAspect="1"/>
-          </p:cNvPicPr>
-          <p:nvPr/>
-        </p:nvPicPr>
-        <p:blipFill>
-          <a:blip r:embed="rId13" cstate="print"/>
-          <a:stretch>
-            <a:fillRect/>
-          </a:stretch>
-        </p:blipFill>
-        <p:spPr>
-          <a:xfrm>
-            <a:off x="7321755" y="2458889"/>
-            <a:ext cx="2466810" cy="1981715"/>
-          </a:xfrm>
-          <a:prstGeom prst="rect">
-            <a:avLst/>
-          </a:prstGeom>
-        </p:spPr>
-      </p:pic>
-      <p:grpSp>
-        <p:nvGrpSpPr>
-          <p:cNvPr id="1005" name="그룹 1005"/>
-          <p:cNvGrpSpPr/>
-          <p:nvPr/>
-        </p:nvGrpSpPr>
-        <p:grpSpPr>
-          <a:xfrm>
-            <a:off x="868988" y="1641905"/>
-            <a:ext cx="3030317" cy="4478631"/>
-            <a:chOff x="868988" y="1641905"/>
-            <a:chExt cx="3030317" cy="4478631"/>
-          </a:xfrm>
-        </p:grpSpPr>
-        <p:pic>
-          <p:nvPicPr>
-            <p:cNvPr id="25" name="Object 24"/>
-            <p:cNvPicPr>
-              <a:picLocks noChangeAspect="1"/>
-            </p:cNvPicPr>
-            <p:nvPr/>
-          </p:nvPicPr>
-          <p:blipFill>
-            <a:blip r:embed="rId14" cstate="print"/>
-            <a:stretch>
-              <a:fillRect/>
-            </a:stretch>
-          </p:blipFill>
-          <p:spPr>
-            <a:xfrm>
-              <a:off x="868988" y="1641905"/>
-              <a:ext cx="3030317" cy="4478631"/>
-            </a:xfrm>
-            <a:prstGeom prst="rect">
-              <a:avLst/>
-            </a:prstGeom>
-          </p:spPr>
-        </p:pic>
-      </p:grpSp>
-      <p:pic>
-        <p:nvPicPr>
-          <p:cNvPr id="27" name="Object 26"/>
-          <p:cNvPicPr>
-            <a:picLocks noChangeAspect="1"/>
-          </p:cNvPicPr>
-          <p:nvPr/>
-        </p:nvPicPr>
-        <p:blipFill>
-          <a:blip r:embed="rId15" cstate="print"/>
-          <a:stretch>
-            <a:fillRect/>
-          </a:stretch>
-        </p:blipFill>
-        <p:spPr>
-          <a:xfrm>
-            <a:off x="1165634" y="3269937"/>
-            <a:ext cx="2466810" cy="2735109"/>
-          </a:xfrm>
-          <a:prstGeom prst="rect">
-            <a:avLst/>
-          </a:prstGeom>
-        </p:spPr>
-      </p:pic>
-      <p:pic>
-        <p:nvPicPr>
-          <p:cNvPr id="28" name="Object 27"/>
-          <p:cNvPicPr>
-            <a:picLocks noChangeAspect="1"/>
-          </p:cNvPicPr>
-          <p:nvPr/>
-        </p:nvPicPr>
-        <p:blipFill>
-          <a:blip r:embed="rId16" cstate="print"/>
-          <a:stretch>
-            <a:fillRect/>
-          </a:stretch>
-        </p:blipFill>
-        <p:spPr>
-          <a:xfrm>
-            <a:off x="1153363" y="2497663"/>
-            <a:ext cx="1767135" cy="372549"/>
-          </a:xfrm>
-          <a:prstGeom prst="rect">
-            <a:avLst/>
-          </a:prstGeom>
-        </p:spPr>
-      </p:pic>
-      <p:pic>
-        <p:nvPicPr>
-          <p:cNvPr id="29" name="Object 28"/>
-          <p:cNvPicPr>
-            <a:picLocks noChangeAspect="1"/>
-          </p:cNvPicPr>
-          <p:nvPr/>
-        </p:nvPicPr>
-        <p:blipFill>
-          <a:blip r:embed="rId17" cstate="print"/>
-          <a:stretch>
-            <a:fillRect/>
-          </a:stretch>
-        </p:blipFill>
-        <p:spPr>
-          <a:xfrm>
-            <a:off x="1164520" y="2824496"/>
-            <a:ext cx="1133667" cy="237629"/>
-          </a:xfrm>
-          <a:prstGeom prst="rect">
-            <a:avLst/>
-          </a:prstGeom>
-        </p:spPr>
-      </p:pic>
-    </p:spTree>
-  </p:cSld>
-  <p:clrMapOvr>
-    <a:masterClrMapping/>
-  </p:clrMapOvr>
-</p:sld>
-</file>
-
-<file path=ppt/slides/slide12.xml><?xml version="1.0" encoding="utf-8"?>
-<p:sld xmlns:a="http://schemas.openxmlformats.org/drawingml/2006/main" xmlns:r="http://schemas.openxmlformats.org/officeDocument/2006/relationships" xmlns:p="http://schemas.openxmlformats.org/presentationml/2006/main">
-  <p:cSld name="Slide 12">
-    <p:bg>
-      <p:bgPr>
-        <a:solidFill>
-          <a:srgbClr val="668EFD"/>
-        </a:solidFill>
-        <a:effectLst/>
-      </p:bgPr>
-    </p:bg>
-    <p:spTree>
-      <p:nvGrpSpPr>
-        <p:cNvPr id="1" name=""/>
-        <p:cNvGrpSpPr/>
-        <p:nvPr/>
-      </p:nvGrpSpPr>
-      <p:grpSpPr>
-        <a:xfrm>
-          <a:off x="0" y="0"/>
-          <a:ext cx="0" cy="0"/>
-          <a:chOff x="0" y="0"/>
-          <a:chExt cx="0" cy="0"/>
-        </a:xfrm>
-      </p:grpSpPr>
-      <p:pic>
-        <p:nvPicPr>
-          <p:cNvPr id="2" name="Object 1"/>
-          <p:cNvPicPr>
-            <a:picLocks noChangeAspect="1"/>
-          </p:cNvPicPr>
-          <p:nvPr/>
-        </p:nvPicPr>
-        <p:blipFill>
-          <a:blip r:embed="rId2" cstate="print"/>
-          <a:stretch>
-            <a:fillRect/>
-          </a:stretch>
-        </p:blipFill>
-        <p:spPr>
-          <a:xfrm>
-            <a:off x="1090544" y="5321691"/>
-            <a:ext cx="1600502" cy="660053"/>
-          </a:xfrm>
-          <a:prstGeom prst="rect">
-            <a:avLst/>
-          </a:prstGeom>
-        </p:spPr>
-      </p:pic>
-      <p:grpSp>
-        <p:nvGrpSpPr>
-          <p:cNvPr id="1001" name="그룹 1001"/>
-          <p:cNvGrpSpPr/>
-          <p:nvPr/>
-        </p:nvGrpSpPr>
-        <p:grpSpPr>
-          <a:xfrm>
-            <a:off x="9424474" y="5321068"/>
-            <a:ext cx="479796" cy="642916"/>
-            <a:chOff x="9424474" y="5321068"/>
-            <a:chExt cx="479796" cy="642916"/>
-          </a:xfrm>
-        </p:grpSpPr>
-        <p:pic>
-          <p:nvPicPr>
-            <p:cNvPr id="4" name="Object 3"/>
-            <p:cNvPicPr>
-              <a:picLocks noChangeAspect="1"/>
-            </p:cNvPicPr>
-            <p:nvPr/>
-          </p:nvPicPr>
-          <p:blipFill>
-            <a:blip r:embed="rId3" cstate="print"/>
-            <a:stretch>
-              <a:fillRect/>
-            </a:stretch>
-          </p:blipFill>
-          <p:spPr>
-            <a:xfrm>
-              <a:off x="9424474" y="5321068"/>
-              <a:ext cx="479796" cy="642916"/>
-            </a:xfrm>
-            <a:prstGeom prst="rect">
-              <a:avLst/>
-            </a:prstGeom>
-          </p:spPr>
-        </p:pic>
-      </p:grpSp>
-      <p:pic>
-        <p:nvPicPr>
-          <p:cNvPr id="6" name="Object 5"/>
-          <p:cNvPicPr>
-            <a:picLocks noChangeAspect="1"/>
-          </p:cNvPicPr>
-          <p:nvPr/>
-        </p:nvPicPr>
-        <p:blipFill>
-          <a:blip r:embed="rId4" cstate="print"/>
-          <a:stretch>
-            <a:fillRect/>
-          </a:stretch>
-        </p:blipFill>
-        <p:spPr>
-          <a:xfrm>
-            <a:off x="951476" y="1743189"/>
-            <a:ext cx="4692854" cy="1999326"/>
-          </a:xfrm>
-          <a:prstGeom prst="rect">
-            <a:avLst/>
-          </a:prstGeom>
-        </p:spPr>
-      </p:pic>
-      <p:pic>
-        <p:nvPicPr>
-          <p:cNvPr id="7" name="Object 6"/>
-          <p:cNvPicPr>
-            <a:picLocks noChangeAspect="1"/>
-          </p:cNvPicPr>
-          <p:nvPr/>
-        </p:nvPicPr>
-        <p:blipFill>
-          <a:blip r:embed="rId5" cstate="print"/>
-          <a:stretch>
-            <a:fillRect/>
-          </a:stretch>
-        </p:blipFill>
-        <p:spPr>
-          <a:xfrm>
-            <a:off x="1083776" y="3779359"/>
-            <a:ext cx="2340129" cy="331123"/>
-          </a:xfrm>
-          <a:prstGeom prst="rect">
-            <a:avLst/>
-          </a:prstGeom>
-        </p:spPr>
-      </p:pic>
-    </p:spTree>
-  </p:cSld>
-  <p:clrMapOvr>
-    <a:masterClrMapping/>
-  </p:clrMapOvr>
-</p:sld>
-</file>
-
-<file path=ppt/slides/slide2.xml><?xml version="1.0" encoding="utf-8"?>
-<p:sld xmlns:a="http://schemas.openxmlformats.org/drawingml/2006/main" xmlns:r="http://schemas.openxmlformats.org/officeDocument/2006/relationships" xmlns:p="http://schemas.openxmlformats.org/presentationml/2006/main">
-  <p:cSld name="Slide 2">
-    <p:bg>
-      <p:bgPr>
-        <a:solidFill>
-          <a:srgbClr val="FFFFFF"/>
-        </a:solidFill>
-        <a:effectLst/>
-      </p:bgPr>
-    </p:bg>
+  <p:cSld>
     <p:spTree>
       <p:nvGrpSpPr>
         <p:cNvPr id="1" name=""/>
@@ -4352,125 +3496,219 @@
           </p:spPr>
         </p:pic>
       </p:grpSp>
-      <p:pic>
-        <p:nvPicPr>
-          <p:cNvPr id="14" name="Object 13"/>
-          <p:cNvPicPr>
-            <a:picLocks noChangeAspect="1"/>
-          </p:cNvPicPr>
-          <p:nvPr/>
-        </p:nvPicPr>
-        <p:blipFill>
-          <a:blip r:embed="rId3" cstate="print"/>
-          <a:stretch>
-            <a:fillRect/>
-          </a:stretch>
-        </p:blipFill>
-        <p:spPr>
-          <a:xfrm>
-            <a:off x="5207513" y="3840674"/>
-            <a:ext cx="1945586" cy="647766"/>
+      <p:sp>
+        <p:nvSpPr>
+          <p:cNvPr id="2" name="TextBox 1">
+            <a:extLst>
+              <a:ext uri="{FF2B5EF4-FFF2-40B4-BE49-F238E27FC236}">
+                <a16:creationId xmlns:a16="http://schemas.microsoft.com/office/drawing/2014/main" id="{BAC651EF-B1AA-85ED-91A4-413C2122BA8B}"/>
+              </a:ext>
+            </a:extLst>
+          </p:cNvPr>
+          <p:cNvSpPr txBox="1"/>
+          <p:nvPr/>
+        </p:nvSpPr>
+        <p:spPr>
+          <a:xfrm>
+            <a:off x="395287" y="200025"/>
+            <a:ext cx="5143652" cy="861774"/>
           </a:xfrm>
           <a:prstGeom prst="rect">
             <a:avLst/>
           </a:prstGeom>
-        </p:spPr>
-      </p:pic>
+          <a:noFill/>
+        </p:spPr>
+        <p:txBody>
+          <a:bodyPr wrap="none" rtlCol="0">
+            <a:spAutoFit/>
+          </a:bodyPr>
+          <a:lstStyle/>
+          <a:p>
+            <a:r>
+              <a:rPr lang="en-US" altLang="ko-KR" sz="5000" dirty="0">
+                <a:solidFill>
+                  <a:srgbClr val="7D9FFD"/>
+                </a:solidFill>
+                <a:latin typeface="+mj-lt"/>
+              </a:rPr>
+              <a:t>PROJECT SCOPE (3)</a:t>
+            </a:r>
+            <a:endParaRPr lang="ko-KR" altLang="en-US" sz="5000" dirty="0">
+              <a:solidFill>
+                <a:srgbClr val="7D9FFD"/>
+              </a:solidFill>
+              <a:latin typeface="+mj-lt"/>
+            </a:endParaRPr>
+          </a:p>
+        </p:txBody>
+      </p:sp>
+      <p:sp>
+        <p:nvSpPr>
+          <p:cNvPr id="4" name="TextBox 3">
+            <a:extLst>
+              <a:ext uri="{FF2B5EF4-FFF2-40B4-BE49-F238E27FC236}">
+                <a16:creationId xmlns:a16="http://schemas.microsoft.com/office/drawing/2014/main" id="{29CCE29E-C2D8-7BA6-E4A0-FA55920AF409}"/>
+              </a:ext>
+            </a:extLst>
+          </p:cNvPr>
+          <p:cNvSpPr txBox="1"/>
+          <p:nvPr/>
+        </p:nvSpPr>
+        <p:spPr>
+          <a:xfrm>
+            <a:off x="715680" y="1317450"/>
+            <a:ext cx="3012748" cy="998543"/>
+          </a:xfrm>
+          <a:prstGeom prst="rect">
+            <a:avLst/>
+          </a:prstGeom>
+          <a:noFill/>
+        </p:spPr>
+        <p:txBody>
+          <a:bodyPr wrap="none" rtlCol="0">
+            <a:spAutoFit/>
+          </a:bodyPr>
+          <a:lstStyle/>
+          <a:p>
+            <a:pPr marL="342900" indent="-342900">
+              <a:lnSpc>
+                <a:spcPct val="150000"/>
+              </a:lnSpc>
+              <a:buFont typeface="Arial" panose="020B0604020202020204" pitchFamily="34" charset="0"/>
+              <a:buChar char="•"/>
+            </a:pPr>
+            <a:r>
+              <a:rPr lang="en-US" altLang="ko-KR" sz="2500" b="1" dirty="0">
+                <a:solidFill>
+                  <a:srgbClr val="7D9FFD"/>
+                </a:solidFill>
+                <a:ea typeface="Cambria" panose="02040503050406030204" pitchFamily="18" charset="0"/>
+                <a:cs typeface="Aldhabi" panose="01000000000000000000" pitchFamily="2" charset="-78"/>
+              </a:rPr>
+              <a:t>Statement of work</a:t>
+            </a:r>
+          </a:p>
+          <a:p>
+            <a:pPr>
+              <a:lnSpc>
+                <a:spcPct val="150000"/>
+              </a:lnSpc>
+            </a:pPr>
+            <a:r>
+              <a:rPr lang="en-US" altLang="ko-KR" sz="1600" dirty="0">
+                <a:solidFill>
+                  <a:schemeClr val="bg1">
+                    <a:lumMod val="50000"/>
+                  </a:schemeClr>
+                </a:solidFill>
+              </a:rPr>
+              <a:t>  2-2. S/W</a:t>
+            </a:r>
+            <a:r>
+              <a:rPr lang="ko-KR" altLang="en-US" sz="1600" dirty="0">
+                <a:solidFill>
+                  <a:schemeClr val="bg1">
+                    <a:lumMod val="50000"/>
+                  </a:schemeClr>
+                </a:solidFill>
+              </a:rPr>
+              <a:t> 개발</a:t>
+            </a:r>
+            <a:endParaRPr lang="en-US" altLang="ko-KR" sz="1600" dirty="0">
+              <a:solidFill>
+                <a:schemeClr val="bg1">
+                  <a:lumMod val="50000"/>
+                </a:schemeClr>
+              </a:solidFill>
+            </a:endParaRPr>
+          </a:p>
+        </p:txBody>
+      </p:sp>
+      <p:cxnSp>
+        <p:nvCxnSpPr>
+          <p:cNvPr id="8" name="직선 연결선 7">
+            <a:extLst>
+              <a:ext uri="{FF2B5EF4-FFF2-40B4-BE49-F238E27FC236}">
+                <a16:creationId xmlns:a16="http://schemas.microsoft.com/office/drawing/2014/main" id="{4E09D352-0290-E016-F5E8-13E40E18819F}"/>
+              </a:ext>
+            </a:extLst>
+          </p:cNvPr>
+          <p:cNvCxnSpPr/>
+          <p:nvPr/>
+        </p:nvCxnSpPr>
+        <p:spPr>
+          <a:xfrm>
+            <a:off x="242887" y="1061799"/>
+            <a:ext cx="10058400" cy="0"/>
+          </a:xfrm>
+          <a:prstGeom prst="line">
+            <a:avLst/>
+          </a:prstGeom>
+          <a:ln w="19050">
+            <a:solidFill>
+              <a:srgbClr val="7D9FFD"/>
+            </a:solidFill>
+          </a:ln>
+        </p:spPr>
+        <p:style>
+          <a:lnRef idx="1">
+            <a:schemeClr val="accent1"/>
+          </a:lnRef>
+          <a:fillRef idx="0">
+            <a:schemeClr val="accent1"/>
+          </a:fillRef>
+          <a:effectRef idx="0">
+            <a:schemeClr val="accent1"/>
+          </a:effectRef>
+          <a:fontRef idx="minor">
+            <a:schemeClr val="tx1"/>
+          </a:fontRef>
+        </p:style>
+      </p:cxnSp>
       <p:grpSp>
         <p:nvGrpSpPr>
-          <p:cNvPr id="1004" name="그룹 1004"/>
+          <p:cNvPr id="10" name="그룹 1003">
+            <a:extLst>
+              <a:ext uri="{FF2B5EF4-FFF2-40B4-BE49-F238E27FC236}">
+                <a16:creationId xmlns:a16="http://schemas.microsoft.com/office/drawing/2014/main" id="{097CB6F3-FC9A-4489-CEE7-3E80A3CD19E7}"/>
+              </a:ext>
+            </a:extLst>
+          </p:cNvPr>
           <p:cNvGrpSpPr/>
           <p:nvPr/>
         </p:nvGrpSpPr>
         <p:grpSpPr>
           <a:xfrm>
-            <a:off x="5225338" y="4653108"/>
-            <a:ext cx="2055156" cy="45165"/>
-            <a:chOff x="5225338" y="4653108"/>
-            <a:chExt cx="2055156" cy="45165"/>
+            <a:off x="1233639" y="3202306"/>
+            <a:ext cx="8610600" cy="45719"/>
+            <a:chOff x="4840240" y="3769812"/>
+            <a:chExt cx="5149435" cy="50865"/>
           </a:xfrm>
         </p:grpSpPr>
         <p:pic>
           <p:nvPicPr>
-            <p:cNvPr id="16" name="Object 15"/>
+            <p:cNvPr id="11" name="Object 12">
+              <a:extLst>
+                <a:ext uri="{FF2B5EF4-FFF2-40B4-BE49-F238E27FC236}">
+                  <a16:creationId xmlns:a16="http://schemas.microsoft.com/office/drawing/2014/main" id="{0214DC9B-2903-2011-2C02-84F9F74F3974}"/>
+                </a:ext>
+              </a:extLst>
+            </p:cNvPr>
             <p:cNvPicPr>
               <a:picLocks noChangeAspect="1"/>
             </p:cNvPicPr>
             <p:nvPr/>
           </p:nvPicPr>
           <p:blipFill>
-            <a:blip r:embed="rId4" cstate="print"/>
-            <a:stretch>
-              <a:fillRect/>
-            </a:stretch>
-          </p:blipFill>
-          <p:spPr>
-            <a:xfrm rot="-10800000">
-              <a:off x="5225338" y="4653108"/>
-              <a:ext cx="2055156" cy="45165"/>
-            </a:xfrm>
-            <a:prstGeom prst="rect">
-              <a:avLst/>
-            </a:prstGeom>
-          </p:spPr>
-        </p:pic>
-      </p:grpSp>
-      <p:pic>
-        <p:nvPicPr>
-          <p:cNvPr id="18" name="Object 17"/>
-          <p:cNvPicPr>
-            <a:picLocks noChangeAspect="1"/>
-          </p:cNvPicPr>
-          <p:nvPr/>
-        </p:nvPicPr>
-        <p:blipFill>
-          <a:blip r:embed="rId5" cstate="print"/>
-          <a:stretch>
-            <a:fillRect/>
-          </a:stretch>
-        </p:blipFill>
-        <p:spPr>
-          <a:xfrm>
-            <a:off x="5205285" y="4907469"/>
-            <a:ext cx="433622" cy="268841"/>
-          </a:xfrm>
-          <a:prstGeom prst="rect">
-            <a:avLst/>
-          </a:prstGeom>
-        </p:spPr>
-      </p:pic>
-      <p:grpSp>
-        <p:nvGrpSpPr>
-          <p:cNvPr id="1005" name="그룹 1005"/>
-          <p:cNvGrpSpPr/>
-          <p:nvPr/>
-        </p:nvGrpSpPr>
-        <p:grpSpPr>
-          <a:xfrm>
-            <a:off x="5854059" y="5231124"/>
-            <a:ext cx="1922097" cy="51833"/>
-            <a:chOff x="5854059" y="5231124"/>
-            <a:chExt cx="1922097" cy="51833"/>
-          </a:xfrm>
-        </p:grpSpPr>
-        <p:pic>
-          <p:nvPicPr>
-            <p:cNvPr id="20" name="Object 19"/>
-            <p:cNvPicPr>
-              <a:picLocks noChangeAspect="1"/>
-            </p:cNvPicPr>
-            <p:nvPr/>
-          </p:nvPicPr>
-          <p:blipFill>
-            <a:blip r:embed="rId6" cstate="print"/>
+            <a:blip r:embed="rId3" cstate="print"/>
             <a:stretch>
               <a:fillRect/>
             </a:stretch>
           </p:blipFill>
           <p:spPr>
             <a:xfrm>
-              <a:off x="5854059" y="5231124"/>
-              <a:ext cx="1922097" cy="51833"/>
+              <a:off x="4840240" y="3769812"/>
+              <a:ext cx="5149435" cy="50865"/>
             </a:xfrm>
             <a:prstGeom prst="rect">
               <a:avLst/>
@@ -4480,162 +3718,33 @@
       </p:grpSp>
       <p:grpSp>
         <p:nvGrpSpPr>
-          <p:cNvPr id="1006" name="그룹 1006"/>
+          <p:cNvPr id="12" name="그룹 1001">
+            <a:extLst>
+              <a:ext uri="{FF2B5EF4-FFF2-40B4-BE49-F238E27FC236}">
+                <a16:creationId xmlns:a16="http://schemas.microsoft.com/office/drawing/2014/main" id="{2A54CF6E-4406-9729-DC1F-B77F1454B59D}"/>
+              </a:ext>
+            </a:extLst>
+          </p:cNvPr>
           <p:cNvGrpSpPr/>
           <p:nvPr/>
         </p:nvGrpSpPr>
         <p:grpSpPr>
           <a:xfrm>
-            <a:off x="5854059" y="5426719"/>
-            <a:ext cx="1922097" cy="51833"/>
-            <a:chOff x="5854059" y="5426719"/>
-            <a:chExt cx="1922097" cy="51833"/>
+            <a:off x="242887" y="4772025"/>
+            <a:ext cx="4256350" cy="45165"/>
+            <a:chOff x="2715395" y="3768437"/>
+            <a:chExt cx="4256350" cy="45165"/>
           </a:xfrm>
         </p:grpSpPr>
         <p:pic>
           <p:nvPicPr>
-            <p:cNvPr id="23" name="Object 22"/>
-            <p:cNvPicPr>
-              <a:picLocks noChangeAspect="1"/>
-            </p:cNvPicPr>
-            <p:nvPr/>
-          </p:nvPicPr>
-          <p:blipFill>
-            <a:blip r:embed="rId6" cstate="print"/>
-            <a:stretch>
-              <a:fillRect/>
-            </a:stretch>
-          </p:blipFill>
-          <p:spPr>
-            <a:xfrm>
-              <a:off x="5854059" y="5426719"/>
-              <a:ext cx="1922097" cy="51833"/>
-            </a:xfrm>
-            <a:prstGeom prst="rect">
-              <a:avLst/>
-            </a:prstGeom>
-          </p:spPr>
-        </p:pic>
-      </p:grpSp>
-      <p:grpSp>
-        <p:nvGrpSpPr>
-          <p:cNvPr id="1007" name="그룹 1007"/>
-          <p:cNvGrpSpPr/>
-          <p:nvPr/>
-        </p:nvGrpSpPr>
-        <p:grpSpPr>
-          <a:xfrm>
-            <a:off x="5854059" y="5627389"/>
-            <a:ext cx="1813009" cy="51833"/>
-            <a:chOff x="5854059" y="5627389"/>
-            <a:chExt cx="1813009" cy="51833"/>
-          </a:xfrm>
-        </p:grpSpPr>
-        <p:pic>
-          <p:nvPicPr>
-            <p:cNvPr id="26" name="Object 25"/>
-            <p:cNvPicPr>
-              <a:picLocks noChangeAspect="1"/>
-            </p:cNvPicPr>
-            <p:nvPr/>
-          </p:nvPicPr>
-          <p:blipFill>
-            <a:blip r:embed="rId7" cstate="print"/>
-            <a:stretch>
-              <a:fillRect/>
-            </a:stretch>
-          </p:blipFill>
-          <p:spPr>
-            <a:xfrm>
-              <a:off x="5854059" y="5627389"/>
-              <a:ext cx="1813009" cy="51833"/>
-            </a:xfrm>
-            <a:prstGeom prst="rect">
-              <a:avLst/>
-            </a:prstGeom>
-          </p:spPr>
-        </p:pic>
-      </p:grpSp>
-      <p:grpSp>
-        <p:nvGrpSpPr>
-          <p:cNvPr id="1008" name="그룹 1008"/>
-          <p:cNvGrpSpPr/>
-          <p:nvPr/>
-        </p:nvGrpSpPr>
-        <p:grpSpPr>
-          <a:xfrm>
-            <a:off x="5854059" y="5815013"/>
-            <a:ext cx="1531132" cy="51833"/>
-            <a:chOff x="5854059" y="5815013"/>
-            <a:chExt cx="1531132" cy="51833"/>
-          </a:xfrm>
-        </p:grpSpPr>
-        <p:pic>
-          <p:nvPicPr>
-            <p:cNvPr id="29" name="Object 28"/>
-            <p:cNvPicPr>
-              <a:picLocks noChangeAspect="1"/>
-            </p:cNvPicPr>
-            <p:nvPr/>
-          </p:nvPicPr>
-          <p:blipFill>
-            <a:blip r:embed="rId8" cstate="print"/>
-            <a:stretch>
-              <a:fillRect/>
-            </a:stretch>
-          </p:blipFill>
-          <p:spPr>
-            <a:xfrm>
-              <a:off x="5854059" y="5815013"/>
-              <a:ext cx="1531132" cy="51833"/>
-            </a:xfrm>
-            <a:prstGeom prst="rect">
-              <a:avLst/>
-            </a:prstGeom>
-          </p:spPr>
-        </p:pic>
-      </p:grpSp>
-      <p:pic>
-        <p:nvPicPr>
-          <p:cNvPr id="31" name="Object 30"/>
-          <p:cNvPicPr>
-            <a:picLocks noChangeAspect="1"/>
-          </p:cNvPicPr>
-          <p:nvPr/>
-        </p:nvPicPr>
-        <p:blipFill>
-          <a:blip r:embed="rId9" cstate="print"/>
-          <a:stretch>
-            <a:fillRect/>
-          </a:stretch>
-        </p:blipFill>
-        <p:spPr>
-          <a:xfrm>
-            <a:off x="7038227" y="4933386"/>
-            <a:ext cx="226203" cy="1088127"/>
-          </a:xfrm>
-          <a:prstGeom prst="rect">
-            <a:avLst/>
-          </a:prstGeom>
-        </p:spPr>
-      </p:pic>
-      <p:grpSp>
-        <p:nvGrpSpPr>
-          <p:cNvPr id="1009" name="그룹 1009"/>
-          <p:cNvGrpSpPr/>
-          <p:nvPr/>
-        </p:nvGrpSpPr>
-        <p:grpSpPr>
-          <a:xfrm>
-            <a:off x="5556579" y="3758370"/>
-            <a:ext cx="4256350" cy="45165"/>
-            <a:chOff x="5556579" y="3758370"/>
-            <a:chExt cx="4256350" cy="45165"/>
-          </a:xfrm>
-        </p:grpSpPr>
-        <p:pic>
-          <p:nvPicPr>
-            <p:cNvPr id="33" name="Object 32"/>
+            <p:cNvPr id="13" name="Object 3">
+              <a:extLst>
+                <a:ext uri="{FF2B5EF4-FFF2-40B4-BE49-F238E27FC236}">
+                  <a16:creationId xmlns:a16="http://schemas.microsoft.com/office/drawing/2014/main" id="{136BDF1A-3E21-78FE-EB61-5EB2F4573743}"/>
+                </a:ext>
+              </a:extLst>
+            </p:cNvPr>
             <p:cNvPicPr>
               <a:picLocks noChangeAspect="1"/>
             </p:cNvPicPr>
@@ -4649,7 +3758,7 @@
           </p:blipFill>
           <p:spPr>
             <a:xfrm rot="-5400000">
-              <a:off x="5556579" y="3758370"/>
+              <a:off x="2715395" y="3768437"/>
               <a:ext cx="4256350" cy="45165"/>
             </a:xfrm>
             <a:prstGeom prst="rect">
@@ -4658,62 +3767,257 @@
           </p:spPr>
         </p:pic>
       </p:grpSp>
-      <p:pic>
-        <p:nvPicPr>
-          <p:cNvPr id="35" name="Object 34"/>
-          <p:cNvPicPr>
-            <a:picLocks noChangeAspect="1"/>
-          </p:cNvPicPr>
-          <p:nvPr/>
-        </p:nvPicPr>
-        <p:blipFill>
-          <a:blip r:embed="rId10" cstate="print"/>
-          <a:stretch>
-            <a:fillRect/>
-          </a:stretch>
-        </p:blipFill>
-        <p:spPr>
-          <a:xfrm>
-            <a:off x="8016976" y="1621067"/>
-            <a:ext cx="671098" cy="268841"/>
+      <p:sp>
+        <p:nvSpPr>
+          <p:cNvPr id="14" name="TextBox 13">
+            <a:extLst>
+              <a:ext uri="{FF2B5EF4-FFF2-40B4-BE49-F238E27FC236}">
+                <a16:creationId xmlns:a16="http://schemas.microsoft.com/office/drawing/2014/main" id="{0051E796-83A5-11AB-1D47-423DBC965A72}"/>
+              </a:ext>
+            </a:extLst>
+          </p:cNvPr>
+          <p:cNvSpPr txBox="1"/>
+          <p:nvPr/>
+        </p:nvSpPr>
+        <p:spPr>
+          <a:xfrm>
+            <a:off x="1441444" y="2754916"/>
+            <a:ext cx="699230" cy="369332"/>
           </a:xfrm>
           <a:prstGeom prst="rect">
             <a:avLst/>
           </a:prstGeom>
-        </p:spPr>
-      </p:pic>
+          <a:noFill/>
+        </p:spPr>
+        <p:txBody>
+          <a:bodyPr wrap="none" rtlCol="0">
+            <a:spAutoFit/>
+          </a:bodyPr>
+          <a:lstStyle/>
+          <a:p>
+            <a:r>
+              <a:rPr lang="ko-KR" altLang="en-US" dirty="0">
+                <a:solidFill>
+                  <a:schemeClr val="tx1">
+                    <a:lumMod val="50000"/>
+                    <a:lumOff val="50000"/>
+                  </a:schemeClr>
+                </a:solidFill>
+              </a:rPr>
+              <a:t>업 무</a:t>
+            </a:r>
+          </a:p>
+        </p:txBody>
+      </p:sp>
+      <p:sp>
+        <p:nvSpPr>
+          <p:cNvPr id="16" name="TextBox 15">
+            <a:extLst>
+              <a:ext uri="{FF2B5EF4-FFF2-40B4-BE49-F238E27FC236}">
+                <a16:creationId xmlns:a16="http://schemas.microsoft.com/office/drawing/2014/main" id="{D58A5C8F-CD68-2501-14F5-51173CF09FC6}"/>
+              </a:ext>
+            </a:extLst>
+          </p:cNvPr>
+          <p:cNvSpPr txBox="1"/>
+          <p:nvPr/>
+        </p:nvSpPr>
+        <p:spPr>
+          <a:xfrm>
+            <a:off x="5375712" y="2754916"/>
+            <a:ext cx="1319592" cy="369332"/>
+          </a:xfrm>
+          <a:prstGeom prst="rect">
+            <a:avLst/>
+          </a:prstGeom>
+          <a:noFill/>
+        </p:spPr>
+        <p:txBody>
+          <a:bodyPr wrap="none" rtlCol="0">
+            <a:spAutoFit/>
+          </a:bodyPr>
+          <a:lstStyle/>
+          <a:p>
+            <a:r>
+              <a:rPr lang="ko-KR" altLang="en-US" dirty="0">
+                <a:solidFill>
+                  <a:schemeClr val="tx1">
+                    <a:lumMod val="50000"/>
+                    <a:lumOff val="50000"/>
+                  </a:schemeClr>
+                </a:solidFill>
+              </a:rPr>
+              <a:t>업 무  범 위</a:t>
+            </a:r>
+          </a:p>
+        </p:txBody>
+      </p:sp>
+      <p:sp>
+        <p:nvSpPr>
+          <p:cNvPr id="19" name="TextBox 18">
+            <a:extLst>
+              <a:ext uri="{FF2B5EF4-FFF2-40B4-BE49-F238E27FC236}">
+                <a16:creationId xmlns:a16="http://schemas.microsoft.com/office/drawing/2014/main" id="{7157613D-4608-339C-C6D0-BB093F0A0B94}"/>
+              </a:ext>
+            </a:extLst>
+          </p:cNvPr>
+          <p:cNvSpPr txBox="1"/>
+          <p:nvPr/>
+        </p:nvSpPr>
+        <p:spPr>
+          <a:xfrm>
+            <a:off x="1441444" y="4885240"/>
+            <a:ext cx="785664" cy="369332"/>
+          </a:xfrm>
+          <a:prstGeom prst="rect">
+            <a:avLst/>
+          </a:prstGeom>
+          <a:noFill/>
+        </p:spPr>
+        <p:txBody>
+          <a:bodyPr wrap="none" rtlCol="0">
+            <a:spAutoFit/>
+          </a:bodyPr>
+          <a:lstStyle/>
+          <a:p>
+            <a:r>
+              <a:rPr lang="en-US" altLang="ko-KR" dirty="0">
+                <a:solidFill>
+                  <a:schemeClr val="tx1">
+                    <a:lumMod val="50000"/>
+                    <a:lumOff val="50000"/>
+                  </a:schemeClr>
+                </a:solidFill>
+              </a:rPr>
+              <a:t>Server</a:t>
+            </a:r>
+            <a:endParaRPr lang="ko-KR" altLang="en-US" dirty="0">
+              <a:solidFill>
+                <a:schemeClr val="tx1">
+                  <a:lumMod val="50000"/>
+                  <a:lumOff val="50000"/>
+                </a:schemeClr>
+              </a:solidFill>
+            </a:endParaRPr>
+          </a:p>
+        </p:txBody>
+      </p:sp>
+      <p:sp>
+        <p:nvSpPr>
+          <p:cNvPr id="20" name="TextBox 19">
+            <a:extLst>
+              <a:ext uri="{FF2B5EF4-FFF2-40B4-BE49-F238E27FC236}">
+                <a16:creationId xmlns:a16="http://schemas.microsoft.com/office/drawing/2014/main" id="{C99E98C2-13F9-D37E-2D3A-D6337515E7EF}"/>
+              </a:ext>
+            </a:extLst>
+          </p:cNvPr>
+          <p:cNvSpPr txBox="1"/>
+          <p:nvPr/>
+        </p:nvSpPr>
+        <p:spPr>
+          <a:xfrm>
+            <a:off x="2553296" y="3324225"/>
+            <a:ext cx="1472967" cy="464871"/>
+          </a:xfrm>
+          <a:prstGeom prst="rect">
+            <a:avLst/>
+          </a:prstGeom>
+          <a:noFill/>
+        </p:spPr>
+        <p:txBody>
+          <a:bodyPr wrap="none" rtlCol="0">
+            <a:spAutoFit/>
+          </a:bodyPr>
+          <a:lstStyle/>
+          <a:p>
+            <a:pPr>
+              <a:lnSpc>
+                <a:spcPct val="150000"/>
+              </a:lnSpc>
+            </a:pPr>
+            <a:r>
+              <a:rPr lang="en-US" altLang="ko-KR" dirty="0">
+                <a:solidFill>
+                  <a:schemeClr val="tx1">
+                    <a:lumMod val="50000"/>
+                    <a:lumOff val="50000"/>
+                  </a:schemeClr>
+                </a:solidFill>
+              </a:rPr>
+              <a:t>Ubuntu 20.04</a:t>
+            </a:r>
+            <a:endParaRPr lang="ko-KR" altLang="en-US" dirty="0">
+              <a:solidFill>
+                <a:schemeClr val="tx1">
+                  <a:lumMod val="50000"/>
+                  <a:lumOff val="50000"/>
+                </a:schemeClr>
+              </a:solidFill>
+            </a:endParaRPr>
+          </a:p>
+        </p:txBody>
+      </p:sp>
+    </p:spTree>
+    <p:extLst>
+      <p:ext uri="{BB962C8B-B14F-4D97-AF65-F5344CB8AC3E}">
+        <p14:creationId xmlns:p14="http://schemas.microsoft.com/office/powerpoint/2010/main" val="1337804776"/>
+      </p:ext>
+    </p:extLst>
+  </p:cSld>
+  <p:clrMapOvr>
+    <a:masterClrMapping/>
+  </p:clrMapOvr>
+</p:sld>
+</file>
+
+<file path=ppt/slides/slide11.xml><?xml version="1.0" encoding="utf-8"?>
+<p:sld xmlns:a="http://schemas.openxmlformats.org/drawingml/2006/main" xmlns:r="http://schemas.openxmlformats.org/officeDocument/2006/relationships" xmlns:p="http://schemas.openxmlformats.org/presentationml/2006/main">
+  <p:cSld>
+    <p:spTree>
+      <p:nvGrpSpPr>
+        <p:cNvPr id="1" name=""/>
+        <p:cNvGrpSpPr/>
+        <p:nvPr/>
+      </p:nvGrpSpPr>
+      <p:grpSpPr>
+        <a:xfrm>
+          <a:off x="0" y="0"/>
+          <a:ext cx="0" cy="0"/>
+          <a:chOff x="0" y="0"/>
+          <a:chExt cx="0" cy="0"/>
+        </a:xfrm>
+      </p:grpSpPr>
       <p:grpSp>
         <p:nvGrpSpPr>
-          <p:cNvPr id="1010" name="그룹 1010"/>
+          <p:cNvPr id="1002" name="그룹 1002"/>
           <p:cNvGrpSpPr/>
           <p:nvPr/>
         </p:nvGrpSpPr>
         <p:grpSpPr>
           <a:xfrm>
-            <a:off x="8037029" y="2706752"/>
-            <a:ext cx="2055156" cy="45165"/>
-            <a:chOff x="8037029" y="2706752"/>
-            <a:chExt cx="2055156" cy="45165"/>
+            <a:off x="545052" y="1266825"/>
+            <a:ext cx="45719" cy="5822234"/>
+            <a:chOff x="3180972" y="785539"/>
+            <a:chExt cx="45165" cy="4256350"/>
           </a:xfrm>
         </p:grpSpPr>
         <p:pic>
           <p:nvPicPr>
-            <p:cNvPr id="37" name="Object 36"/>
+            <p:cNvPr id="7" name="Object 6"/>
             <p:cNvPicPr>
               <a:picLocks noChangeAspect="1"/>
             </p:cNvPicPr>
             <p:nvPr/>
           </p:nvPicPr>
           <p:blipFill>
-            <a:blip r:embed="rId4" cstate="print"/>
+            <a:blip r:embed="rId2" cstate="print"/>
             <a:stretch>
               <a:fillRect/>
             </a:stretch>
           </p:blipFill>
           <p:spPr>
-            <a:xfrm rot="-10800000">
-              <a:off x="8037029" y="2706752"/>
-              <a:ext cx="2055156" cy="45165"/>
+            <a:xfrm rot="16200000">
+              <a:off x="1075380" y="2891131"/>
+              <a:ext cx="4256350" cy="45165"/>
             </a:xfrm>
             <a:prstGeom prst="rect">
               <a:avLst/>
@@ -4721,213 +4025,6 @@
           </p:spPr>
         </p:pic>
       </p:grpSp>
-      <p:pic>
-        <p:nvPicPr>
-          <p:cNvPr id="39" name="Object 38"/>
-          <p:cNvPicPr>
-            <a:picLocks noChangeAspect="1"/>
-          </p:cNvPicPr>
-          <p:nvPr/>
-        </p:nvPicPr>
-        <p:blipFill>
-          <a:blip r:embed="rId11" cstate="print"/>
-          <a:stretch>
-            <a:fillRect/>
-          </a:stretch>
-        </p:blipFill>
-        <p:spPr>
-          <a:xfrm>
-            <a:off x="8016976" y="3041853"/>
-            <a:ext cx="679850" cy="268841"/>
-          </a:xfrm>
-          <a:prstGeom prst="rect">
-            <a:avLst/>
-          </a:prstGeom>
-        </p:spPr>
-      </p:pic>
-      <p:grpSp>
-        <p:nvGrpSpPr>
-          <p:cNvPr id="1011" name="그룹 1011"/>
-          <p:cNvGrpSpPr/>
-          <p:nvPr/>
-        </p:nvGrpSpPr>
-        <p:grpSpPr>
-          <a:xfrm>
-            <a:off x="8037029" y="4399628"/>
-            <a:ext cx="2055156" cy="45165"/>
-            <a:chOff x="8037029" y="4399628"/>
-            <a:chExt cx="2055156" cy="45165"/>
-          </a:xfrm>
-        </p:grpSpPr>
-        <p:pic>
-          <p:nvPicPr>
-            <p:cNvPr id="41" name="Object 40"/>
-            <p:cNvPicPr>
-              <a:picLocks noChangeAspect="1"/>
-            </p:cNvPicPr>
-            <p:nvPr/>
-          </p:nvPicPr>
-          <p:blipFill>
-            <a:blip r:embed="rId4" cstate="print"/>
-            <a:stretch>
-              <a:fillRect/>
-            </a:stretch>
-          </p:blipFill>
-          <p:spPr>
-            <a:xfrm rot="-10800000">
-              <a:off x="8037029" y="4399628"/>
-              <a:ext cx="2055156" cy="45165"/>
-            </a:xfrm>
-            <a:prstGeom prst="rect">
-              <a:avLst/>
-            </a:prstGeom>
-          </p:spPr>
-        </p:pic>
-      </p:grpSp>
-      <p:pic>
-        <p:nvPicPr>
-          <p:cNvPr id="43" name="Object 42"/>
-          <p:cNvPicPr>
-            <a:picLocks noChangeAspect="1"/>
-          </p:cNvPicPr>
-          <p:nvPr/>
-        </p:nvPicPr>
-        <p:blipFill>
-          <a:blip r:embed="rId12" cstate="print"/>
-          <a:stretch>
-            <a:fillRect/>
-          </a:stretch>
-        </p:blipFill>
-        <p:spPr>
-          <a:xfrm>
-            <a:off x="8016976" y="4716184"/>
-            <a:ext cx="527488" cy="268841"/>
-          </a:xfrm>
-          <a:prstGeom prst="rect">
-            <a:avLst/>
-          </a:prstGeom>
-        </p:spPr>
-      </p:pic>
-      <p:pic>
-        <p:nvPicPr>
-          <p:cNvPr id="44" name="Object 43"/>
-          <p:cNvPicPr>
-            <a:picLocks noChangeAspect="1"/>
-          </p:cNvPicPr>
-          <p:nvPr/>
-        </p:nvPicPr>
-        <p:blipFill>
-          <a:blip r:embed="rId13" cstate="print"/>
-          <a:stretch>
-            <a:fillRect/>
-          </a:stretch>
-        </p:blipFill>
-        <p:spPr>
-          <a:xfrm>
-            <a:off x="5207513" y="5167112"/>
-            <a:ext cx="587366" cy="835805"/>
-          </a:xfrm>
-          <a:prstGeom prst="rect">
-            <a:avLst/>
-          </a:prstGeom>
-        </p:spPr>
-      </p:pic>
-      <p:pic>
-        <p:nvPicPr>
-          <p:cNvPr id="45" name="Object 44"/>
-          <p:cNvPicPr>
-            <a:picLocks noChangeAspect="1"/>
-          </p:cNvPicPr>
-          <p:nvPr/>
-        </p:nvPicPr>
-        <p:blipFill>
-          <a:blip r:embed="rId14" cstate="print"/>
-          <a:stretch>
-            <a:fillRect/>
-          </a:stretch>
-        </p:blipFill>
-        <p:spPr>
-          <a:xfrm>
-            <a:off x="5205285" y="3570244"/>
-            <a:ext cx="936127" cy="268841"/>
-          </a:xfrm>
-          <a:prstGeom prst="rect">
-            <a:avLst/>
-          </a:prstGeom>
-        </p:spPr>
-      </p:pic>
-      <p:pic>
-        <p:nvPicPr>
-          <p:cNvPr id="46" name="Object 45"/>
-          <p:cNvPicPr>
-            <a:picLocks noChangeAspect="1"/>
-          </p:cNvPicPr>
-          <p:nvPr/>
-        </p:nvPicPr>
-        <p:blipFill>
-          <a:blip r:embed="rId15" cstate="print"/>
-          <a:stretch>
-            <a:fillRect/>
-          </a:stretch>
-        </p:blipFill>
-        <p:spPr>
-          <a:xfrm>
-            <a:off x="8019204" y="1858868"/>
-            <a:ext cx="1797166" cy="647766"/>
-          </a:xfrm>
-          <a:prstGeom prst="rect">
-            <a:avLst/>
-          </a:prstGeom>
-        </p:spPr>
-      </p:pic>
-      <p:pic>
-        <p:nvPicPr>
-          <p:cNvPr id="47" name="Object 46"/>
-          <p:cNvPicPr>
-            <a:picLocks noChangeAspect="1"/>
-          </p:cNvPicPr>
-          <p:nvPr/>
-        </p:nvPicPr>
-        <p:blipFill>
-          <a:blip r:embed="rId16" cstate="print"/>
-          <a:stretch>
-            <a:fillRect/>
-          </a:stretch>
-        </p:blipFill>
-        <p:spPr>
-          <a:xfrm>
-            <a:off x="8019204" y="3286493"/>
-            <a:ext cx="1261138" cy="835805"/>
-          </a:xfrm>
-          <a:prstGeom prst="rect">
-            <a:avLst/>
-          </a:prstGeom>
-        </p:spPr>
-      </p:pic>
-      <p:pic>
-        <p:nvPicPr>
-          <p:cNvPr id="48" name="Object 47"/>
-          <p:cNvPicPr>
-            <a:picLocks noChangeAspect="1"/>
-          </p:cNvPicPr>
-          <p:nvPr/>
-        </p:nvPicPr>
-        <p:blipFill>
-          <a:blip r:embed="rId17" cstate="print"/>
-          <a:stretch>
-            <a:fillRect/>
-          </a:stretch>
-        </p:blipFill>
-        <p:spPr>
-          <a:xfrm>
-            <a:off x="8019204" y="4962697"/>
-            <a:ext cx="2035643" cy="1033976"/>
-          </a:xfrm>
-          <a:prstGeom prst="rect">
-            <a:avLst/>
-          </a:prstGeom>
-        </p:spPr>
-      </p:pic>
       <p:sp>
         <p:nvSpPr>
           <p:cNvPr id="2" name="TextBox 1">
@@ -4943,7 +4040,7 @@
         <p:spPr>
           <a:xfrm>
             <a:off x="395287" y="200025"/>
-            <a:ext cx="4128631" cy="1169551"/>
+            <a:ext cx="5143652" cy="861774"/>
           </a:xfrm>
           <a:prstGeom prst="rect">
             <a:avLst/>
@@ -4957,15 +4054,15 @@
           <a:lstStyle/>
           <a:p>
             <a:r>
-              <a:rPr lang="en-US" altLang="ko-KR" sz="7000" dirty="0">
+              <a:rPr lang="en-US" altLang="ko-KR" sz="5000" dirty="0">
                 <a:solidFill>
                   <a:srgbClr val="7D9FFD"/>
                 </a:solidFill>
                 <a:latin typeface="+mj-lt"/>
               </a:rPr>
-              <a:t>CONTENTS</a:t>
-            </a:r>
-            <a:endParaRPr lang="ko-KR" altLang="en-US" sz="7000" dirty="0">
+              <a:t>PROJECT SCOPE (4)</a:t>
+            </a:r>
+            <a:endParaRPr lang="ko-KR" altLang="en-US" sz="5000" dirty="0">
               <a:solidFill>
                 <a:srgbClr val="7D9FFD"/>
               </a:solidFill>
@@ -4989,7 +4086,7 @@
         <p:spPr>
           <a:xfrm>
             <a:off x="715680" y="1317450"/>
-            <a:ext cx="2369559" cy="1261884"/>
+            <a:ext cx="3012748" cy="998543"/>
           </a:xfrm>
           <a:prstGeom prst="rect">
             <a:avLst/>
@@ -5002,77 +4099,482 @@
           </a:bodyPr>
           <a:lstStyle/>
           <a:p>
-            <a:r>
-              <a:rPr lang="en-US" altLang="ko-KR" sz="2000" dirty="0">
+            <a:pPr marL="342900" indent="-342900">
+              <a:lnSpc>
+                <a:spcPct val="150000"/>
+              </a:lnSpc>
+              <a:buFont typeface="Arial" panose="020B0604020202020204" pitchFamily="34" charset="0"/>
+              <a:buChar char="•"/>
+            </a:pPr>
+            <a:r>
+              <a:rPr lang="en-US" altLang="ko-KR" sz="2500" b="1" dirty="0">
                 <a:solidFill>
                   <a:srgbClr val="7D9FFD"/>
                 </a:solidFill>
-              </a:rPr>
-              <a:t>PROJECT</a:t>
-            </a:r>
-            <a:r>
-              <a:rPr lang="ko-KR" altLang="en-US" sz="2000" dirty="0">
-                <a:solidFill>
-                  <a:srgbClr val="7D9FFD"/>
-                </a:solidFill>
-              </a:rPr>
-              <a:t> </a:t>
-            </a:r>
-            <a:r>
-              <a:rPr lang="en-US" altLang="ko-KR" sz="2000" dirty="0">
-                <a:solidFill>
-                  <a:srgbClr val="7D9FFD"/>
-                </a:solidFill>
-              </a:rPr>
-              <a:t>SUMMARY</a:t>
-            </a:r>
-          </a:p>
+                <a:ea typeface="Cambria" panose="02040503050406030204" pitchFamily="18" charset="0"/>
+                <a:cs typeface="Aldhabi" panose="01000000000000000000" pitchFamily="2" charset="-78"/>
+              </a:rPr>
+              <a:t>Statement of work</a:t>
+            </a:r>
+          </a:p>
+          <a:p>
+            <a:pPr>
+              <a:lnSpc>
+                <a:spcPct val="150000"/>
+              </a:lnSpc>
+            </a:pPr>
+            <a:r>
+              <a:rPr lang="en-US" altLang="ko-KR" sz="1600" dirty="0">
+                <a:solidFill>
+                  <a:schemeClr val="bg1">
+                    <a:lumMod val="50000"/>
+                  </a:schemeClr>
+                </a:solidFill>
+              </a:rPr>
+              <a:t>  3. Testing and stabilization</a:t>
+            </a:r>
+          </a:p>
+        </p:txBody>
+      </p:sp>
+      <p:cxnSp>
+        <p:nvCxnSpPr>
+          <p:cNvPr id="8" name="직선 연결선 7">
+            <a:extLst>
+              <a:ext uri="{FF2B5EF4-FFF2-40B4-BE49-F238E27FC236}">
+                <a16:creationId xmlns:a16="http://schemas.microsoft.com/office/drawing/2014/main" id="{4E09D352-0290-E016-F5E8-13E40E18819F}"/>
+              </a:ext>
+            </a:extLst>
+          </p:cNvPr>
+          <p:cNvCxnSpPr/>
+          <p:nvPr/>
+        </p:nvCxnSpPr>
+        <p:spPr>
+          <a:xfrm>
+            <a:off x="242887" y="1061799"/>
+            <a:ext cx="10058400" cy="0"/>
+          </a:xfrm>
+          <a:prstGeom prst="line">
+            <a:avLst/>
+          </a:prstGeom>
+          <a:ln w="19050">
+            <a:solidFill>
+              <a:srgbClr val="7D9FFD"/>
+            </a:solidFill>
+          </a:ln>
+        </p:spPr>
+        <p:style>
+          <a:lnRef idx="1">
+            <a:schemeClr val="accent1"/>
+          </a:lnRef>
+          <a:fillRef idx="0">
+            <a:schemeClr val="accent1"/>
+          </a:fillRef>
+          <a:effectRef idx="0">
+            <a:schemeClr val="accent1"/>
+          </a:effectRef>
+          <a:fontRef idx="minor">
+            <a:schemeClr val="tx1"/>
+          </a:fontRef>
+        </p:style>
+      </p:cxnSp>
+      <p:grpSp>
+        <p:nvGrpSpPr>
+          <p:cNvPr id="10" name="그룹 1003">
+            <a:extLst>
+              <a:ext uri="{FF2B5EF4-FFF2-40B4-BE49-F238E27FC236}">
+                <a16:creationId xmlns:a16="http://schemas.microsoft.com/office/drawing/2014/main" id="{097CB6F3-FC9A-4489-CEE7-3E80A3CD19E7}"/>
+              </a:ext>
+            </a:extLst>
+          </p:cNvPr>
+          <p:cNvGrpSpPr/>
+          <p:nvPr/>
+        </p:nvGrpSpPr>
+        <p:grpSpPr>
+          <a:xfrm>
+            <a:off x="1233639" y="3202306"/>
+            <a:ext cx="8610600" cy="45719"/>
+            <a:chOff x="4840240" y="3769812"/>
+            <a:chExt cx="5149435" cy="50865"/>
+          </a:xfrm>
+        </p:grpSpPr>
+        <p:pic>
+          <p:nvPicPr>
+            <p:cNvPr id="11" name="Object 12">
+              <a:extLst>
+                <a:ext uri="{FF2B5EF4-FFF2-40B4-BE49-F238E27FC236}">
+                  <a16:creationId xmlns:a16="http://schemas.microsoft.com/office/drawing/2014/main" id="{0214DC9B-2903-2011-2C02-84F9F74F3974}"/>
+                </a:ext>
+              </a:extLst>
+            </p:cNvPr>
+            <p:cNvPicPr>
+              <a:picLocks noChangeAspect="1"/>
+            </p:cNvPicPr>
+            <p:nvPr/>
+          </p:nvPicPr>
+          <p:blipFill>
+            <a:blip r:embed="rId3" cstate="print"/>
+            <a:stretch>
+              <a:fillRect/>
+            </a:stretch>
+          </p:blipFill>
+          <p:spPr>
+            <a:xfrm>
+              <a:off x="4840240" y="3769812"/>
+              <a:ext cx="5149435" cy="50865"/>
+            </a:xfrm>
+            <a:prstGeom prst="rect">
+              <a:avLst/>
+            </a:prstGeom>
+          </p:spPr>
+        </p:pic>
+      </p:grpSp>
+      <p:grpSp>
+        <p:nvGrpSpPr>
+          <p:cNvPr id="12" name="그룹 1001">
+            <a:extLst>
+              <a:ext uri="{FF2B5EF4-FFF2-40B4-BE49-F238E27FC236}">
+                <a16:creationId xmlns:a16="http://schemas.microsoft.com/office/drawing/2014/main" id="{2A54CF6E-4406-9729-DC1F-B77F1454B59D}"/>
+              </a:ext>
+            </a:extLst>
+          </p:cNvPr>
+          <p:cNvGrpSpPr/>
+          <p:nvPr/>
+        </p:nvGrpSpPr>
+        <p:grpSpPr>
+          <a:xfrm>
+            <a:off x="242887" y="4772025"/>
+            <a:ext cx="4256350" cy="45165"/>
+            <a:chOff x="2715395" y="3768437"/>
+            <a:chExt cx="4256350" cy="45165"/>
+          </a:xfrm>
+        </p:grpSpPr>
+        <p:pic>
+          <p:nvPicPr>
+            <p:cNvPr id="13" name="Object 3">
+              <a:extLst>
+                <a:ext uri="{FF2B5EF4-FFF2-40B4-BE49-F238E27FC236}">
+                  <a16:creationId xmlns:a16="http://schemas.microsoft.com/office/drawing/2014/main" id="{136BDF1A-3E21-78FE-EB61-5EB2F4573743}"/>
+                </a:ext>
+              </a:extLst>
+            </p:cNvPr>
+            <p:cNvPicPr>
+              <a:picLocks noChangeAspect="1"/>
+            </p:cNvPicPr>
+            <p:nvPr/>
+          </p:nvPicPr>
+          <p:blipFill>
+            <a:blip r:embed="rId2" cstate="print"/>
+            <a:stretch>
+              <a:fillRect/>
+            </a:stretch>
+          </p:blipFill>
+          <p:spPr>
+            <a:xfrm rot="-5400000">
+              <a:off x="2715395" y="3768437"/>
+              <a:ext cx="4256350" cy="45165"/>
+            </a:xfrm>
+            <a:prstGeom prst="rect">
+              <a:avLst/>
+            </a:prstGeom>
+          </p:spPr>
+        </p:pic>
+      </p:grpSp>
+      <p:sp>
+        <p:nvSpPr>
+          <p:cNvPr id="14" name="TextBox 13">
+            <a:extLst>
+              <a:ext uri="{FF2B5EF4-FFF2-40B4-BE49-F238E27FC236}">
+                <a16:creationId xmlns:a16="http://schemas.microsoft.com/office/drawing/2014/main" id="{0051E796-83A5-11AB-1D47-423DBC965A72}"/>
+              </a:ext>
+            </a:extLst>
+          </p:cNvPr>
+          <p:cNvSpPr txBox="1"/>
+          <p:nvPr/>
+        </p:nvSpPr>
+        <p:spPr>
+          <a:xfrm>
+            <a:off x="1441444" y="2754916"/>
+            <a:ext cx="699230" cy="369332"/>
+          </a:xfrm>
+          <a:prstGeom prst="rect">
+            <a:avLst/>
+          </a:prstGeom>
+          <a:noFill/>
+        </p:spPr>
+        <p:txBody>
+          <a:bodyPr wrap="none" rtlCol="0">
+            <a:spAutoFit/>
+          </a:bodyPr>
+          <a:lstStyle/>
+          <a:p>
+            <a:r>
+              <a:rPr lang="ko-KR" altLang="en-US" dirty="0">
+                <a:solidFill>
+                  <a:schemeClr val="tx1">
+                    <a:lumMod val="50000"/>
+                    <a:lumOff val="50000"/>
+                  </a:schemeClr>
+                </a:solidFill>
+              </a:rPr>
+              <a:t>업 무</a:t>
+            </a:r>
+          </a:p>
+        </p:txBody>
+      </p:sp>
+      <p:sp>
+        <p:nvSpPr>
+          <p:cNvPr id="16" name="TextBox 15">
+            <a:extLst>
+              <a:ext uri="{FF2B5EF4-FFF2-40B4-BE49-F238E27FC236}">
+                <a16:creationId xmlns:a16="http://schemas.microsoft.com/office/drawing/2014/main" id="{D58A5C8F-CD68-2501-14F5-51173CF09FC6}"/>
+              </a:ext>
+            </a:extLst>
+          </p:cNvPr>
+          <p:cNvSpPr txBox="1"/>
+          <p:nvPr/>
+        </p:nvSpPr>
+        <p:spPr>
+          <a:xfrm>
+            <a:off x="5375712" y="2754916"/>
+            <a:ext cx="1319592" cy="369332"/>
+          </a:xfrm>
+          <a:prstGeom prst="rect">
+            <a:avLst/>
+          </a:prstGeom>
+          <a:noFill/>
+        </p:spPr>
+        <p:txBody>
+          <a:bodyPr wrap="none" rtlCol="0">
+            <a:spAutoFit/>
+          </a:bodyPr>
+          <a:lstStyle/>
+          <a:p>
+            <a:r>
+              <a:rPr lang="ko-KR" altLang="en-US" dirty="0">
+                <a:solidFill>
+                  <a:schemeClr val="tx1">
+                    <a:lumMod val="50000"/>
+                    <a:lumOff val="50000"/>
+                  </a:schemeClr>
+                </a:solidFill>
+              </a:rPr>
+              <a:t>업 무  범 위</a:t>
+            </a:r>
+          </a:p>
+        </p:txBody>
+      </p:sp>
+      <p:sp>
+        <p:nvSpPr>
+          <p:cNvPr id="19" name="TextBox 18">
+            <a:extLst>
+              <a:ext uri="{FF2B5EF4-FFF2-40B4-BE49-F238E27FC236}">
+                <a16:creationId xmlns:a16="http://schemas.microsoft.com/office/drawing/2014/main" id="{7157613D-4608-339C-C6D0-BB093F0A0B94}"/>
+              </a:ext>
+            </a:extLst>
+          </p:cNvPr>
+          <p:cNvSpPr txBox="1"/>
+          <p:nvPr/>
+        </p:nvSpPr>
+        <p:spPr>
+          <a:xfrm>
+            <a:off x="1441444" y="3937837"/>
+            <a:ext cx="623889" cy="369332"/>
+          </a:xfrm>
+          <a:prstGeom prst="rect">
+            <a:avLst/>
+          </a:prstGeom>
+          <a:noFill/>
+        </p:spPr>
+        <p:txBody>
+          <a:bodyPr wrap="none" rtlCol="0">
+            <a:spAutoFit/>
+          </a:bodyPr>
+          <a:lstStyle/>
           <a:p>
             <a:r>
               <a:rPr lang="en-US" altLang="ko-KR" dirty="0">
                 <a:solidFill>
-                  <a:srgbClr val="7D9FFD"/>
-                </a:solidFill>
-              </a:rPr>
-              <a:t>  - name, period, object</a:t>
-            </a:r>
-          </a:p>
+                  <a:schemeClr val="tx1">
+                    <a:lumMod val="50000"/>
+                    <a:lumOff val="50000"/>
+                  </a:schemeClr>
+                </a:solidFill>
+              </a:rPr>
+              <a:t>H/W</a:t>
+            </a:r>
+            <a:endParaRPr lang="ko-KR" altLang="en-US" dirty="0">
+              <a:solidFill>
+                <a:schemeClr val="tx1">
+                  <a:lumMod val="50000"/>
+                  <a:lumOff val="50000"/>
+                </a:schemeClr>
+              </a:solidFill>
+            </a:endParaRPr>
+          </a:p>
+        </p:txBody>
+      </p:sp>
+      <p:sp>
+        <p:nvSpPr>
+          <p:cNvPr id="20" name="TextBox 19">
+            <a:extLst>
+              <a:ext uri="{FF2B5EF4-FFF2-40B4-BE49-F238E27FC236}">
+                <a16:creationId xmlns:a16="http://schemas.microsoft.com/office/drawing/2014/main" id="{C99E98C2-13F9-D37E-2D3A-D6337515E7EF}"/>
+              </a:ext>
+            </a:extLst>
+          </p:cNvPr>
+          <p:cNvSpPr txBox="1"/>
+          <p:nvPr/>
+        </p:nvSpPr>
+        <p:spPr>
+          <a:xfrm>
+            <a:off x="2553296" y="3324225"/>
+            <a:ext cx="2039404" cy="464871"/>
+          </a:xfrm>
+          <a:prstGeom prst="rect">
+            <a:avLst/>
+          </a:prstGeom>
+          <a:noFill/>
+        </p:spPr>
+        <p:txBody>
+          <a:bodyPr wrap="none" rtlCol="0">
+            <a:spAutoFit/>
+          </a:bodyPr>
+          <a:lstStyle/>
+          <a:p>
+            <a:pPr>
+              <a:lnSpc>
+                <a:spcPct val="150000"/>
+              </a:lnSpc>
+            </a:pPr>
+            <a:r>
+              <a:rPr lang="en-US" altLang="ko-KR">
+                <a:solidFill>
+                  <a:schemeClr val="tx1">
+                    <a:lumMod val="50000"/>
+                    <a:lumOff val="50000"/>
+                  </a:schemeClr>
+                </a:solidFill>
+              </a:rPr>
+              <a:t>Program Debugging</a:t>
+            </a:r>
+            <a:endParaRPr lang="ko-KR" altLang="en-US" dirty="0">
+              <a:solidFill>
+                <a:schemeClr val="tx1">
+                  <a:lumMod val="50000"/>
+                  <a:lumOff val="50000"/>
+                </a:schemeClr>
+              </a:solidFill>
+            </a:endParaRPr>
+          </a:p>
+        </p:txBody>
+      </p:sp>
+      <p:grpSp>
+        <p:nvGrpSpPr>
+          <p:cNvPr id="5" name="그룹 1003">
+            <a:extLst>
+              <a:ext uri="{FF2B5EF4-FFF2-40B4-BE49-F238E27FC236}">
+                <a16:creationId xmlns:a16="http://schemas.microsoft.com/office/drawing/2014/main" id="{5E741618-297A-957E-3267-569EECEB4D83}"/>
+              </a:ext>
+            </a:extLst>
+          </p:cNvPr>
+          <p:cNvGrpSpPr/>
+          <p:nvPr/>
+        </p:nvGrpSpPr>
+        <p:grpSpPr>
+          <a:xfrm>
+            <a:off x="1233639" y="4998840"/>
+            <a:ext cx="8610600" cy="45719"/>
+            <a:chOff x="4840240" y="3769812"/>
+            <a:chExt cx="5149435" cy="50865"/>
+          </a:xfrm>
+        </p:grpSpPr>
+        <p:pic>
+          <p:nvPicPr>
+            <p:cNvPr id="6" name="Object 12">
+              <a:extLst>
+                <a:ext uri="{FF2B5EF4-FFF2-40B4-BE49-F238E27FC236}">
+                  <a16:creationId xmlns:a16="http://schemas.microsoft.com/office/drawing/2014/main" id="{1193AA81-3725-1BDE-8446-3E3657B33575}"/>
+                </a:ext>
+              </a:extLst>
+            </p:cNvPr>
+            <p:cNvPicPr>
+              <a:picLocks noChangeAspect="1"/>
+            </p:cNvPicPr>
+            <p:nvPr/>
+          </p:nvPicPr>
+          <p:blipFill>
+            <a:blip r:embed="rId3" cstate="print"/>
+            <a:stretch>
+              <a:fillRect/>
+            </a:stretch>
+          </p:blipFill>
+          <p:spPr>
+            <a:xfrm>
+              <a:off x="4840240" y="3769812"/>
+              <a:ext cx="5149435" cy="50865"/>
+            </a:xfrm>
+            <a:prstGeom prst="rect">
+              <a:avLst/>
+            </a:prstGeom>
+          </p:spPr>
+        </p:pic>
+      </p:grpSp>
+      <p:sp>
+        <p:nvSpPr>
+          <p:cNvPr id="9" name="TextBox 8">
+            <a:extLst>
+              <a:ext uri="{FF2B5EF4-FFF2-40B4-BE49-F238E27FC236}">
+                <a16:creationId xmlns:a16="http://schemas.microsoft.com/office/drawing/2014/main" id="{41E09C66-BC5A-FF2A-85EB-875FA8CDF421}"/>
+              </a:ext>
+            </a:extLst>
+          </p:cNvPr>
+          <p:cNvSpPr txBox="1"/>
+          <p:nvPr/>
+        </p:nvSpPr>
+        <p:spPr>
+          <a:xfrm>
+            <a:off x="1441444" y="5731304"/>
+            <a:ext cx="585417" cy="369332"/>
+          </a:xfrm>
+          <a:prstGeom prst="rect">
+            <a:avLst/>
+          </a:prstGeom>
+          <a:noFill/>
+        </p:spPr>
+        <p:txBody>
+          <a:bodyPr wrap="none" rtlCol="0">
+            <a:spAutoFit/>
+          </a:bodyPr>
+          <a:lstStyle/>
           <a:p>
             <a:r>
               <a:rPr lang="en-US" altLang="ko-KR" dirty="0">
                 <a:solidFill>
-                  <a:srgbClr val="7D9FFD"/>
-                </a:solidFill>
-              </a:rPr>
-              <a:t>  - market</a:t>
-            </a:r>
-            <a:r>
-              <a:rPr lang="ko-KR" altLang="en-US" dirty="0">
-                <a:solidFill>
-                  <a:srgbClr val="7D9FFD"/>
-                </a:solidFill>
-              </a:rPr>
-              <a:t> </a:t>
-            </a:r>
-            <a:r>
-              <a:rPr lang="en-US" altLang="ko-KR" dirty="0">
-                <a:solidFill>
-                  <a:srgbClr val="7D9FFD"/>
-                </a:solidFill>
-              </a:rPr>
-              <a:t>research</a:t>
-            </a:r>
-          </a:p>
-          <a:p>
-            <a:endParaRPr lang="ko-KR" altLang="en-US" sz="2000" dirty="0">
+                  <a:schemeClr val="tx1">
+                    <a:lumMod val="50000"/>
+                    <a:lumOff val="50000"/>
+                  </a:schemeClr>
+                </a:solidFill>
+              </a:rPr>
+              <a:t>S/W</a:t>
+            </a:r>
+            <a:endParaRPr lang="ko-KR" altLang="en-US" dirty="0">
               <a:solidFill>
-                <a:srgbClr val="7D9FFD"/>
+                <a:schemeClr val="tx1">
+                  <a:lumMod val="50000"/>
+                  <a:lumOff val="50000"/>
+                </a:schemeClr>
               </a:solidFill>
             </a:endParaRPr>
           </a:p>
         </p:txBody>
       </p:sp>
     </p:spTree>
+    <p:extLst>
+      <p:ext uri="{BB962C8B-B14F-4D97-AF65-F5344CB8AC3E}">
+        <p14:creationId xmlns:p14="http://schemas.microsoft.com/office/powerpoint/2010/main" val="3212509645"/>
+      </p:ext>
+    </p:extLst>
   </p:cSld>
   <p:clrMapOvr>
     <a:masterClrMapping/>
@@ -5080,7 +4582,7 @@
 </p:sld>
 </file>
 
-<file path=ppt/slides/slide3.xml><?xml version="1.0" encoding="utf-8"?>
+<file path=ppt/slides/slide12.xml><?xml version="1.0" encoding="utf-8"?>
 <p:sld xmlns:a="http://schemas.openxmlformats.org/drawingml/2006/main" xmlns:r="http://schemas.openxmlformats.org/officeDocument/2006/relationships" xmlns:p="http://schemas.openxmlformats.org/presentationml/2006/main">
   <p:cSld name="Slide 3">
     <p:bg>
@@ -5617,175 +5119,7 @@
 </p:sld>
 </file>
 
-<file path=ppt/slides/slide4.xml><?xml version="1.0" encoding="utf-8"?>
-<p:sld xmlns:a="http://schemas.openxmlformats.org/drawingml/2006/main" xmlns:r="http://schemas.openxmlformats.org/officeDocument/2006/relationships" xmlns:p="http://schemas.openxmlformats.org/presentationml/2006/main">
-  <p:cSld name="Slide 4">
-    <p:bg>
-      <p:bgPr>
-        <a:solidFill>
-          <a:srgbClr val="668EFD"/>
-        </a:solidFill>
-        <a:effectLst/>
-      </p:bgPr>
-    </p:bg>
-    <p:spTree>
-      <p:nvGrpSpPr>
-        <p:cNvPr id="1" name=""/>
-        <p:cNvGrpSpPr/>
-        <p:nvPr/>
-      </p:nvGrpSpPr>
-      <p:grpSpPr>
-        <a:xfrm>
-          <a:off x="0" y="0"/>
-          <a:ext cx="0" cy="0"/>
-          <a:chOff x="0" y="0"/>
-          <a:chExt cx="0" cy="0"/>
-        </a:xfrm>
-      </p:grpSpPr>
-      <p:pic>
-        <p:nvPicPr>
-          <p:cNvPr id="2" name="Object 1"/>
-          <p:cNvPicPr>
-            <a:picLocks noChangeAspect="1"/>
-          </p:cNvPicPr>
-          <p:nvPr/>
-        </p:nvPicPr>
-        <p:blipFill>
-          <a:blip r:embed="rId2" cstate="print"/>
-          <a:stretch>
-            <a:fillRect/>
-          </a:stretch>
-        </p:blipFill>
-        <p:spPr>
-          <a:xfrm>
-            <a:off x="873519" y="1563809"/>
-            <a:ext cx="2898273" cy="1708575"/>
-          </a:xfrm>
-          <a:prstGeom prst="rect">
-            <a:avLst/>
-          </a:prstGeom>
-        </p:spPr>
-      </p:pic>
-      <p:grpSp>
-        <p:nvGrpSpPr>
-          <p:cNvPr id="1001" name="그룹 1001"/>
-          <p:cNvGrpSpPr/>
-          <p:nvPr/>
-        </p:nvGrpSpPr>
-        <p:grpSpPr>
-          <a:xfrm>
-            <a:off x="7664682" y="4399628"/>
-            <a:ext cx="2023179" cy="45165"/>
-            <a:chOff x="7664682" y="4399628"/>
-            <a:chExt cx="2023179" cy="45165"/>
-          </a:xfrm>
-        </p:grpSpPr>
-        <p:pic>
-          <p:nvPicPr>
-            <p:cNvPr id="4" name="Object 3"/>
-            <p:cNvPicPr>
-              <a:picLocks noChangeAspect="1"/>
-            </p:cNvPicPr>
-            <p:nvPr/>
-          </p:nvPicPr>
-          <p:blipFill>
-            <a:blip r:embed="rId3" cstate="print"/>
-            <a:stretch>
-              <a:fillRect/>
-            </a:stretch>
-          </p:blipFill>
-          <p:spPr>
-            <a:xfrm rot="-10800000">
-              <a:off x="7664682" y="4399628"/>
-              <a:ext cx="2023179" cy="45165"/>
-            </a:xfrm>
-            <a:prstGeom prst="rect">
-              <a:avLst/>
-            </a:prstGeom>
-          </p:spPr>
-        </p:pic>
-      </p:grpSp>
-      <p:pic>
-        <p:nvPicPr>
-          <p:cNvPr id="6" name="Object 5"/>
-          <p:cNvPicPr>
-            <a:picLocks noChangeAspect="1"/>
-          </p:cNvPicPr>
-          <p:nvPr/>
-        </p:nvPicPr>
-        <p:blipFill>
-          <a:blip r:embed="rId4" cstate="print"/>
-          <a:stretch>
-            <a:fillRect/>
-          </a:stretch>
-        </p:blipFill>
-        <p:spPr>
-          <a:xfrm>
-            <a:off x="7549194" y="4716184"/>
-            <a:ext cx="2196822" cy="229608"/>
-          </a:xfrm>
-          <a:prstGeom prst="rect">
-            <a:avLst/>
-          </a:prstGeom>
-        </p:spPr>
-      </p:pic>
-      <p:pic>
-        <p:nvPicPr>
-          <p:cNvPr id="7" name="Object 6"/>
-          <p:cNvPicPr>
-            <a:picLocks noChangeAspect="1"/>
-          </p:cNvPicPr>
-          <p:nvPr/>
-        </p:nvPicPr>
-        <p:blipFill>
-          <a:blip r:embed="rId5" cstate="print"/>
-          <a:stretch>
-            <a:fillRect/>
-          </a:stretch>
-        </p:blipFill>
-        <p:spPr>
-          <a:xfrm>
-            <a:off x="6278057" y="1088724"/>
-            <a:ext cx="5177880" cy="4051612"/>
-          </a:xfrm>
-          <a:prstGeom prst="rect">
-            <a:avLst/>
-          </a:prstGeom>
-        </p:spPr>
-      </p:pic>
-      <p:pic>
-        <p:nvPicPr>
-          <p:cNvPr id="8" name="Object 7"/>
-          <p:cNvPicPr>
-            <a:picLocks noChangeAspect="1"/>
-          </p:cNvPicPr>
-          <p:nvPr/>
-        </p:nvPicPr>
-        <p:blipFill>
-          <a:blip r:embed="rId6" cstate="print"/>
-          <a:stretch>
-            <a:fillRect/>
-          </a:stretch>
-        </p:blipFill>
-        <p:spPr>
-          <a:xfrm>
-            <a:off x="7601368" y="5094658"/>
-            <a:ext cx="2192856" cy="879381"/>
-          </a:xfrm>
-          <a:prstGeom prst="rect">
-            <a:avLst/>
-          </a:prstGeom>
-        </p:spPr>
-      </p:pic>
-    </p:spTree>
-  </p:cSld>
-  <p:clrMapOvr>
-    <a:masterClrMapping/>
-  </p:clrMapOvr>
-</p:sld>
-</file>
-
-<file path=ppt/slides/slide5.xml><?xml version="1.0" encoding="utf-8"?>
+<file path=ppt/slides/slide13.xml><?xml version="1.0" encoding="utf-8"?>
 <p:sld xmlns:a="http://schemas.openxmlformats.org/drawingml/2006/main" xmlns:r="http://schemas.openxmlformats.org/officeDocument/2006/relationships" xmlns:p="http://schemas.openxmlformats.org/presentationml/2006/main">
   <p:cSld name="Slide 5">
     <p:bg>
@@ -6433,7 +5767,7 @@
 </p:sld>
 </file>
 
-<file path=ppt/slides/slide6.xml><?xml version="1.0" encoding="utf-8"?>
+<file path=ppt/slides/slide14.xml><?xml version="1.0" encoding="utf-8"?>
 <p:sld xmlns:a="http://schemas.openxmlformats.org/drawingml/2006/main" xmlns:r="http://schemas.openxmlformats.org/officeDocument/2006/relationships" xmlns:p="http://schemas.openxmlformats.org/presentationml/2006/main">
   <p:cSld name="Slide 6">
     <p:bg>
@@ -6772,175 +6106,7 @@
 </p:sld>
 </file>
 
-<file path=ppt/slides/slide7.xml><?xml version="1.0" encoding="utf-8"?>
-<p:sld xmlns:a="http://schemas.openxmlformats.org/drawingml/2006/main" xmlns:r="http://schemas.openxmlformats.org/officeDocument/2006/relationships" xmlns:p="http://schemas.openxmlformats.org/presentationml/2006/main">
-  <p:cSld name="Slide 7">
-    <p:bg>
-      <p:bgPr>
-        <a:solidFill>
-          <a:srgbClr val="668EFD"/>
-        </a:solidFill>
-        <a:effectLst/>
-      </p:bgPr>
-    </p:bg>
-    <p:spTree>
-      <p:nvGrpSpPr>
-        <p:cNvPr id="1" name=""/>
-        <p:cNvGrpSpPr/>
-        <p:nvPr/>
-      </p:nvGrpSpPr>
-      <p:grpSpPr>
-        <a:xfrm>
-          <a:off x="0" y="0"/>
-          <a:ext cx="0" cy="0"/>
-          <a:chOff x="0" y="0"/>
-          <a:chExt cx="0" cy="0"/>
-        </a:xfrm>
-      </p:grpSpPr>
-      <p:pic>
-        <p:nvPicPr>
-          <p:cNvPr id="2" name="Object 1"/>
-          <p:cNvPicPr>
-            <a:picLocks noChangeAspect="1"/>
-          </p:cNvPicPr>
-          <p:nvPr/>
-        </p:nvPicPr>
-        <p:blipFill>
-          <a:blip r:embed="rId2" cstate="print"/>
-          <a:stretch>
-            <a:fillRect/>
-          </a:stretch>
-        </p:blipFill>
-        <p:spPr>
-          <a:xfrm>
-            <a:off x="343166" y="1088724"/>
-            <a:ext cx="4159240" cy="4051612"/>
-          </a:xfrm>
-          <a:prstGeom prst="rect">
-            <a:avLst/>
-          </a:prstGeom>
-        </p:spPr>
-      </p:pic>
-      <p:pic>
-        <p:nvPicPr>
-          <p:cNvPr id="3" name="Object 2"/>
-          <p:cNvPicPr>
-            <a:picLocks noChangeAspect="1"/>
-          </p:cNvPicPr>
-          <p:nvPr/>
-        </p:nvPicPr>
-        <p:blipFill>
-          <a:blip r:embed="rId3" cstate="print"/>
-          <a:stretch>
-            <a:fillRect/>
-          </a:stretch>
-        </p:blipFill>
-        <p:spPr>
-          <a:xfrm>
-            <a:off x="6043124" y="1563809"/>
-            <a:ext cx="3904115" cy="1708575"/>
-          </a:xfrm>
-          <a:prstGeom prst="rect">
-            <a:avLst/>
-          </a:prstGeom>
-        </p:spPr>
-      </p:pic>
-      <p:grpSp>
-        <p:nvGrpSpPr>
-          <p:cNvPr id="1001" name="그룹 1001"/>
-          <p:cNvGrpSpPr/>
-          <p:nvPr/>
-        </p:nvGrpSpPr>
-        <p:grpSpPr>
-          <a:xfrm>
-            <a:off x="948930" y="4399628"/>
-            <a:ext cx="2023179" cy="45165"/>
-            <a:chOff x="948930" y="4399628"/>
-            <a:chExt cx="2023179" cy="45165"/>
-          </a:xfrm>
-        </p:grpSpPr>
-        <p:pic>
-          <p:nvPicPr>
-            <p:cNvPr id="5" name="Object 4"/>
-            <p:cNvPicPr>
-              <a:picLocks noChangeAspect="1"/>
-            </p:cNvPicPr>
-            <p:nvPr/>
-          </p:nvPicPr>
-          <p:blipFill>
-            <a:blip r:embed="rId4" cstate="print"/>
-            <a:stretch>
-              <a:fillRect/>
-            </a:stretch>
-          </p:blipFill>
-          <p:spPr>
-            <a:xfrm rot="-10800000">
-              <a:off x="948930" y="4399628"/>
-              <a:ext cx="2023179" cy="45165"/>
-            </a:xfrm>
-            <a:prstGeom prst="rect">
-              <a:avLst/>
-            </a:prstGeom>
-          </p:spPr>
-        </p:pic>
-      </p:grpSp>
-      <p:pic>
-        <p:nvPicPr>
-          <p:cNvPr id="7" name="Object 6"/>
-          <p:cNvPicPr>
-            <a:picLocks noChangeAspect="1"/>
-          </p:cNvPicPr>
-          <p:nvPr/>
-        </p:nvPicPr>
-        <p:blipFill>
-          <a:blip r:embed="rId5" cstate="print"/>
-          <a:stretch>
-            <a:fillRect/>
-          </a:stretch>
-        </p:blipFill>
-        <p:spPr>
-          <a:xfrm>
-            <a:off x="928877" y="4716184"/>
-            <a:ext cx="1163880" cy="229608"/>
-          </a:xfrm>
-          <a:prstGeom prst="rect">
-            <a:avLst/>
-          </a:prstGeom>
-        </p:spPr>
-      </p:pic>
-      <p:pic>
-        <p:nvPicPr>
-          <p:cNvPr id="8" name="Object 7"/>
-          <p:cNvPicPr>
-            <a:picLocks noChangeAspect="1"/>
-          </p:cNvPicPr>
-          <p:nvPr/>
-        </p:nvPicPr>
-        <p:blipFill>
-          <a:blip r:embed="rId6" cstate="print"/>
-          <a:stretch>
-            <a:fillRect/>
-          </a:stretch>
-        </p:blipFill>
-        <p:spPr>
-          <a:xfrm>
-            <a:off x="933333" y="5094658"/>
-            <a:ext cx="1793012" cy="879381"/>
-          </a:xfrm>
-          <a:prstGeom prst="rect">
-            <a:avLst/>
-          </a:prstGeom>
-        </p:spPr>
-      </p:pic>
-    </p:spTree>
-  </p:cSld>
-  <p:clrMapOvr>
-    <a:masterClrMapping/>
-  </p:clrMapOvr>
-</p:sld>
-</file>
-
-<file path=ppt/slides/slide8.xml><?xml version="1.0" encoding="utf-8"?>
+<file path=ppt/slides/slide15.xml><?xml version="1.0" encoding="utf-8"?>
 <p:sld xmlns:a="http://schemas.openxmlformats.org/drawingml/2006/main" xmlns:r="http://schemas.openxmlformats.org/officeDocument/2006/relationships" xmlns:p="http://schemas.openxmlformats.org/presentationml/2006/main">
   <p:cSld name="Slide 8">
     <p:bg>
@@ -7759,7 +6925,7 @@
 </p:sld>
 </file>
 
-<file path=ppt/slides/slide9.xml><?xml version="1.0" encoding="utf-8"?>
+<file path=ppt/slides/slide16.xml><?xml version="1.0" encoding="utf-8"?>
 <p:sld xmlns:a="http://schemas.openxmlformats.org/drawingml/2006/main" xmlns:r="http://schemas.openxmlformats.org/officeDocument/2006/relationships" xmlns:p="http://schemas.openxmlformats.org/presentationml/2006/main">
   <p:cSld name="Slide 9">
     <p:bg>
@@ -8091,6 +7257,5893 @@
         </p:spPr>
       </p:pic>
     </p:spTree>
+  </p:cSld>
+  <p:clrMapOvr>
+    <a:masterClrMapping/>
+  </p:clrMapOvr>
+</p:sld>
+</file>
+
+<file path=ppt/slides/slide17.xml><?xml version="1.0" encoding="utf-8"?>
+<p:sld xmlns:a="http://schemas.openxmlformats.org/drawingml/2006/main" xmlns:r="http://schemas.openxmlformats.org/officeDocument/2006/relationships" xmlns:p="http://schemas.openxmlformats.org/presentationml/2006/main">
+  <p:cSld name="Slide 10">
+    <p:bg>
+      <p:bgPr>
+        <a:solidFill>
+          <a:srgbClr val="668EFD"/>
+        </a:solidFill>
+        <a:effectLst/>
+      </p:bgPr>
+    </p:bg>
+    <p:spTree>
+      <p:nvGrpSpPr>
+        <p:cNvPr id="1" name=""/>
+        <p:cNvGrpSpPr/>
+        <p:nvPr/>
+      </p:nvGrpSpPr>
+      <p:grpSpPr>
+        <a:xfrm>
+          <a:off x="0" y="0"/>
+          <a:ext cx="0" cy="0"/>
+          <a:chOff x="0" y="0"/>
+          <a:chExt cx="0" cy="0"/>
+        </a:xfrm>
+      </p:grpSpPr>
+      <p:pic>
+        <p:nvPicPr>
+          <p:cNvPr id="2" name="Object 1"/>
+          <p:cNvPicPr>
+            <a:picLocks noChangeAspect="1"/>
+          </p:cNvPicPr>
+          <p:nvPr/>
+        </p:nvPicPr>
+        <p:blipFill>
+          <a:blip r:embed="rId2" cstate="print"/>
+          <a:stretch>
+            <a:fillRect/>
+          </a:stretch>
+        </p:blipFill>
+        <p:spPr>
+          <a:xfrm>
+            <a:off x="873519" y="1563809"/>
+            <a:ext cx="2898273" cy="1708575"/>
+          </a:xfrm>
+          <a:prstGeom prst="rect">
+            <a:avLst/>
+          </a:prstGeom>
+        </p:spPr>
+      </p:pic>
+      <p:grpSp>
+        <p:nvGrpSpPr>
+          <p:cNvPr id="1001" name="그룹 1001"/>
+          <p:cNvGrpSpPr/>
+          <p:nvPr/>
+        </p:nvGrpSpPr>
+        <p:grpSpPr>
+          <a:xfrm>
+            <a:off x="7664682" y="4399628"/>
+            <a:ext cx="2023179" cy="45165"/>
+            <a:chOff x="7664682" y="4399628"/>
+            <a:chExt cx="2023179" cy="45165"/>
+          </a:xfrm>
+        </p:grpSpPr>
+        <p:pic>
+          <p:nvPicPr>
+            <p:cNvPr id="4" name="Object 3"/>
+            <p:cNvPicPr>
+              <a:picLocks noChangeAspect="1"/>
+            </p:cNvPicPr>
+            <p:nvPr/>
+          </p:nvPicPr>
+          <p:blipFill>
+            <a:blip r:embed="rId3" cstate="print"/>
+            <a:stretch>
+              <a:fillRect/>
+            </a:stretch>
+          </p:blipFill>
+          <p:spPr>
+            <a:xfrm rot="-10800000">
+              <a:off x="7664682" y="4399628"/>
+              <a:ext cx="2023179" cy="45165"/>
+            </a:xfrm>
+            <a:prstGeom prst="rect">
+              <a:avLst/>
+            </a:prstGeom>
+          </p:spPr>
+        </p:pic>
+      </p:grpSp>
+      <p:pic>
+        <p:nvPicPr>
+          <p:cNvPr id="6" name="Object 5"/>
+          <p:cNvPicPr>
+            <a:picLocks noChangeAspect="1"/>
+          </p:cNvPicPr>
+          <p:nvPr/>
+        </p:nvPicPr>
+        <p:blipFill>
+          <a:blip r:embed="rId4" cstate="print"/>
+          <a:stretch>
+            <a:fillRect/>
+          </a:stretch>
+        </p:blipFill>
+        <p:spPr>
+          <a:xfrm>
+            <a:off x="7549194" y="4716184"/>
+            <a:ext cx="2196822" cy="229608"/>
+          </a:xfrm>
+          <a:prstGeom prst="rect">
+            <a:avLst/>
+          </a:prstGeom>
+        </p:spPr>
+      </p:pic>
+      <p:pic>
+        <p:nvPicPr>
+          <p:cNvPr id="7" name="Object 6"/>
+          <p:cNvPicPr>
+            <a:picLocks noChangeAspect="1"/>
+          </p:cNvPicPr>
+          <p:nvPr/>
+        </p:nvPicPr>
+        <p:blipFill>
+          <a:blip r:embed="rId5" cstate="print"/>
+          <a:stretch>
+            <a:fillRect/>
+          </a:stretch>
+        </p:blipFill>
+        <p:spPr>
+          <a:xfrm>
+            <a:off x="6090340" y="1088724"/>
+            <a:ext cx="5357753" cy="4051612"/>
+          </a:xfrm>
+          <a:prstGeom prst="rect">
+            <a:avLst/>
+          </a:prstGeom>
+        </p:spPr>
+      </p:pic>
+      <p:pic>
+        <p:nvPicPr>
+          <p:cNvPr id="8" name="Object 7"/>
+          <p:cNvPicPr>
+            <a:picLocks noChangeAspect="1"/>
+          </p:cNvPicPr>
+          <p:nvPr/>
+        </p:nvPicPr>
+        <p:blipFill>
+          <a:blip r:embed="rId6" cstate="print"/>
+          <a:stretch>
+            <a:fillRect/>
+          </a:stretch>
+        </p:blipFill>
+        <p:spPr>
+          <a:xfrm>
+            <a:off x="7601368" y="5094658"/>
+            <a:ext cx="2192856" cy="879381"/>
+          </a:xfrm>
+          <a:prstGeom prst="rect">
+            <a:avLst/>
+          </a:prstGeom>
+        </p:spPr>
+      </p:pic>
+    </p:spTree>
+  </p:cSld>
+  <p:clrMapOvr>
+    <a:masterClrMapping/>
+  </p:clrMapOvr>
+</p:sld>
+</file>
+
+<file path=ppt/slides/slide18.xml><?xml version="1.0" encoding="utf-8"?>
+<p:sld xmlns:a="http://schemas.openxmlformats.org/drawingml/2006/main" xmlns:r="http://schemas.openxmlformats.org/officeDocument/2006/relationships" xmlns:p="http://schemas.openxmlformats.org/presentationml/2006/main">
+  <p:cSld name="Slide 11">
+    <p:bg>
+      <p:bgPr>
+        <a:solidFill>
+          <a:srgbClr val="FFFFFF"/>
+        </a:solidFill>
+        <a:effectLst/>
+      </p:bgPr>
+    </p:bg>
+    <p:spTree>
+      <p:nvGrpSpPr>
+        <p:cNvPr id="1" name=""/>
+        <p:cNvGrpSpPr/>
+        <p:nvPr/>
+      </p:nvGrpSpPr>
+      <p:grpSpPr>
+        <a:xfrm>
+          <a:off x="0" y="0"/>
+          <a:ext cx="0" cy="0"/>
+          <a:chOff x="0" y="0"/>
+          <a:chExt cx="0" cy="0"/>
+        </a:xfrm>
+      </p:grpSpPr>
+      <p:grpSp>
+        <p:nvGrpSpPr>
+          <p:cNvPr id="1001" name="그룹 1001"/>
+          <p:cNvGrpSpPr/>
+          <p:nvPr/>
+        </p:nvGrpSpPr>
+        <p:grpSpPr>
+          <a:xfrm>
+            <a:off x="7340694" y="4712379"/>
+            <a:ext cx="2396429" cy="45165"/>
+            <a:chOff x="7340694" y="4712379"/>
+            <a:chExt cx="2396429" cy="45165"/>
+          </a:xfrm>
+        </p:grpSpPr>
+        <p:pic>
+          <p:nvPicPr>
+            <p:cNvPr id="3" name="Object 2"/>
+            <p:cNvPicPr>
+              <a:picLocks noChangeAspect="1"/>
+            </p:cNvPicPr>
+            <p:nvPr/>
+          </p:nvPicPr>
+          <p:blipFill>
+            <a:blip r:embed="rId2" cstate="print"/>
+            <a:stretch>
+              <a:fillRect/>
+            </a:stretch>
+          </p:blipFill>
+          <p:spPr>
+            <a:xfrm rot="-10800000">
+              <a:off x="7340694" y="4712379"/>
+              <a:ext cx="2396429" cy="45165"/>
+            </a:xfrm>
+            <a:prstGeom prst="rect">
+              <a:avLst/>
+            </a:prstGeom>
+          </p:spPr>
+        </p:pic>
+      </p:grpSp>
+      <p:grpSp>
+        <p:nvGrpSpPr>
+          <p:cNvPr id="1002" name="그룹 1002"/>
+          <p:cNvGrpSpPr/>
+          <p:nvPr/>
+        </p:nvGrpSpPr>
+        <p:grpSpPr>
+          <a:xfrm>
+            <a:off x="4387872" y="1630281"/>
+            <a:ext cx="2097748" cy="4454344"/>
+            <a:chOff x="4387872" y="1630281"/>
+            <a:chExt cx="2097748" cy="4454344"/>
+          </a:xfrm>
+        </p:grpSpPr>
+        <p:pic>
+          <p:nvPicPr>
+            <p:cNvPr id="6" name="Object 5"/>
+            <p:cNvPicPr>
+              <a:picLocks noChangeAspect="1"/>
+            </p:cNvPicPr>
+            <p:nvPr/>
+          </p:nvPicPr>
+          <p:blipFill>
+            <a:blip r:embed="rId3" cstate="print"/>
+            <a:stretch>
+              <a:fillRect/>
+            </a:stretch>
+          </p:blipFill>
+          <p:spPr>
+            <a:xfrm>
+              <a:off x="4387872" y="1630281"/>
+              <a:ext cx="2097748" cy="4454344"/>
+            </a:xfrm>
+            <a:prstGeom prst="rect">
+              <a:avLst/>
+            </a:prstGeom>
+          </p:spPr>
+        </p:pic>
+      </p:grpSp>
+      <p:pic>
+        <p:nvPicPr>
+          <p:cNvPr id="8" name="Object 7"/>
+          <p:cNvPicPr>
+            <a:picLocks noChangeAspect="1"/>
+          </p:cNvPicPr>
+          <p:nvPr/>
+        </p:nvPicPr>
+        <p:blipFill>
+          <a:blip r:embed="rId4" cstate="print"/>
+          <a:stretch>
+            <a:fillRect/>
+          </a:stretch>
+        </p:blipFill>
+        <p:spPr>
+          <a:xfrm>
+            <a:off x="7303294" y="1553606"/>
+            <a:ext cx="1643390" cy="445693"/>
+          </a:xfrm>
+          <a:prstGeom prst="rect">
+            <a:avLst/>
+          </a:prstGeom>
+        </p:spPr>
+      </p:pic>
+      <p:pic>
+        <p:nvPicPr>
+          <p:cNvPr id="9" name="Object 8"/>
+          <p:cNvPicPr>
+            <a:picLocks noChangeAspect="1"/>
+          </p:cNvPicPr>
+          <p:nvPr/>
+        </p:nvPicPr>
+        <p:blipFill>
+          <a:blip r:embed="rId5" cstate="print"/>
+          <a:stretch>
+            <a:fillRect/>
+          </a:stretch>
+        </p:blipFill>
+        <p:spPr>
+          <a:xfrm>
+            <a:off x="7315761" y="1943381"/>
+            <a:ext cx="1084124" cy="294136"/>
+          </a:xfrm>
+          <a:prstGeom prst="rect">
+            <a:avLst/>
+          </a:prstGeom>
+        </p:spPr>
+      </p:pic>
+      <p:pic>
+        <p:nvPicPr>
+          <p:cNvPr id="10" name="Object 9"/>
+          <p:cNvPicPr>
+            <a:picLocks noChangeAspect="1"/>
+          </p:cNvPicPr>
+          <p:nvPr/>
+        </p:nvPicPr>
+        <p:blipFill>
+          <a:blip r:embed="rId6" cstate="print"/>
+          <a:stretch>
+            <a:fillRect/>
+          </a:stretch>
+        </p:blipFill>
+        <p:spPr>
+          <a:xfrm>
+            <a:off x="7320641" y="5471742"/>
+            <a:ext cx="454804" cy="235891"/>
+          </a:xfrm>
+          <a:prstGeom prst="rect">
+            <a:avLst/>
+          </a:prstGeom>
+        </p:spPr>
+      </p:pic>
+      <p:grpSp>
+        <p:nvGrpSpPr>
+          <p:cNvPr id="1003" name="그룹 1003"/>
+          <p:cNvGrpSpPr/>
+          <p:nvPr/>
+        </p:nvGrpSpPr>
+        <p:grpSpPr>
+          <a:xfrm>
+            <a:off x="7969415" y="5795397"/>
+            <a:ext cx="1922097" cy="51833"/>
+            <a:chOff x="7969415" y="5795397"/>
+            <a:chExt cx="1922097" cy="51833"/>
+          </a:xfrm>
+        </p:grpSpPr>
+        <p:pic>
+          <p:nvPicPr>
+            <p:cNvPr id="12" name="Object 11"/>
+            <p:cNvPicPr>
+              <a:picLocks noChangeAspect="1"/>
+            </p:cNvPicPr>
+            <p:nvPr/>
+          </p:nvPicPr>
+          <p:blipFill>
+            <a:blip r:embed="rId7" cstate="print"/>
+            <a:stretch>
+              <a:fillRect/>
+            </a:stretch>
+          </p:blipFill>
+          <p:spPr>
+            <a:xfrm>
+              <a:off x="7969415" y="5795397"/>
+              <a:ext cx="1922097" cy="51833"/>
+            </a:xfrm>
+            <a:prstGeom prst="rect">
+              <a:avLst/>
+            </a:prstGeom>
+          </p:spPr>
+        </p:pic>
+      </p:grpSp>
+      <p:grpSp>
+        <p:nvGrpSpPr>
+          <p:cNvPr id="1004" name="그룹 1004"/>
+          <p:cNvGrpSpPr/>
+          <p:nvPr/>
+        </p:nvGrpSpPr>
+        <p:grpSpPr>
+          <a:xfrm>
+            <a:off x="7969415" y="5990992"/>
+            <a:ext cx="1922097" cy="51833"/>
+            <a:chOff x="7969415" y="5990992"/>
+            <a:chExt cx="1922097" cy="51833"/>
+          </a:xfrm>
+        </p:grpSpPr>
+        <p:pic>
+          <p:nvPicPr>
+            <p:cNvPr id="15" name="Object 14"/>
+            <p:cNvPicPr>
+              <a:picLocks noChangeAspect="1"/>
+            </p:cNvPicPr>
+            <p:nvPr/>
+          </p:nvPicPr>
+          <p:blipFill>
+            <a:blip r:embed="rId7" cstate="print"/>
+            <a:stretch>
+              <a:fillRect/>
+            </a:stretch>
+          </p:blipFill>
+          <p:spPr>
+            <a:xfrm>
+              <a:off x="7969415" y="5990992"/>
+              <a:ext cx="1922097" cy="51833"/>
+            </a:xfrm>
+            <a:prstGeom prst="rect">
+              <a:avLst/>
+            </a:prstGeom>
+          </p:spPr>
+        </p:pic>
+      </p:grpSp>
+      <p:pic>
+        <p:nvPicPr>
+          <p:cNvPr id="17" name="Object 16"/>
+          <p:cNvPicPr>
+            <a:picLocks noChangeAspect="1"/>
+          </p:cNvPicPr>
+          <p:nvPr/>
+        </p:nvPicPr>
+        <p:blipFill>
+          <a:blip r:embed="rId8" cstate="print"/>
+          <a:stretch>
+            <a:fillRect/>
+          </a:stretch>
+        </p:blipFill>
+        <p:spPr>
+          <a:xfrm>
+            <a:off x="9171919" y="5926418"/>
+            <a:ext cx="209621" cy="204096"/>
+          </a:xfrm>
+          <a:prstGeom prst="rect">
+            <a:avLst/>
+          </a:prstGeom>
+        </p:spPr>
+      </p:pic>
+      <p:pic>
+        <p:nvPicPr>
+          <p:cNvPr id="18" name="Object 17"/>
+          <p:cNvPicPr>
+            <a:picLocks noChangeAspect="1"/>
+          </p:cNvPicPr>
+          <p:nvPr/>
+        </p:nvPicPr>
+        <p:blipFill>
+          <a:blip r:embed="rId9" cstate="print"/>
+          <a:stretch>
+            <a:fillRect/>
+          </a:stretch>
+        </p:blipFill>
+        <p:spPr>
+          <a:xfrm>
+            <a:off x="7320641" y="5080387"/>
+            <a:ext cx="528866" cy="229608"/>
+          </a:xfrm>
+          <a:prstGeom prst="rect">
+            <a:avLst/>
+          </a:prstGeom>
+        </p:spPr>
+      </p:pic>
+      <p:pic>
+        <p:nvPicPr>
+          <p:cNvPr id="19" name="Object 18"/>
+          <p:cNvPicPr>
+            <a:picLocks noChangeAspect="1"/>
+          </p:cNvPicPr>
+          <p:nvPr/>
+        </p:nvPicPr>
+        <p:blipFill>
+          <a:blip r:embed="rId10" cstate="print"/>
+          <a:stretch>
+            <a:fillRect/>
+          </a:stretch>
+        </p:blipFill>
+        <p:spPr>
+          <a:xfrm>
+            <a:off x="7949362" y="5080387"/>
+            <a:ext cx="1411201" cy="236559"/>
+          </a:xfrm>
+          <a:prstGeom prst="rect">
+            <a:avLst/>
+          </a:prstGeom>
+        </p:spPr>
+      </p:pic>
+      <p:pic>
+        <p:nvPicPr>
+          <p:cNvPr id="20" name="Object 19"/>
+          <p:cNvPicPr>
+            <a:picLocks noChangeAspect="1"/>
+          </p:cNvPicPr>
+          <p:nvPr/>
+        </p:nvPicPr>
+        <p:blipFill>
+          <a:blip r:embed="rId11" cstate="print"/>
+          <a:stretch>
+            <a:fillRect/>
+          </a:stretch>
+        </p:blipFill>
+        <p:spPr>
+          <a:xfrm>
+            <a:off x="7322869" y="5724986"/>
+            <a:ext cx="283179" cy="210275"/>
+          </a:xfrm>
+          <a:prstGeom prst="rect">
+            <a:avLst/>
+          </a:prstGeom>
+        </p:spPr>
+      </p:pic>
+      <p:pic>
+        <p:nvPicPr>
+          <p:cNvPr id="21" name="Object 20"/>
+          <p:cNvPicPr>
+            <a:picLocks noChangeAspect="1"/>
+          </p:cNvPicPr>
+          <p:nvPr/>
+        </p:nvPicPr>
+        <p:blipFill>
+          <a:blip r:embed="rId8" cstate="print"/>
+          <a:stretch>
+            <a:fillRect/>
+          </a:stretch>
+        </p:blipFill>
+        <p:spPr>
+          <a:xfrm>
+            <a:off x="9171919" y="5707089"/>
+            <a:ext cx="209621" cy="204096"/>
+          </a:xfrm>
+          <a:prstGeom prst="rect">
+            <a:avLst/>
+          </a:prstGeom>
+        </p:spPr>
+      </p:pic>
+      <p:pic>
+        <p:nvPicPr>
+          <p:cNvPr id="22" name="Object 21"/>
+          <p:cNvPicPr>
+            <a:picLocks noChangeAspect="1"/>
+          </p:cNvPicPr>
+          <p:nvPr/>
+        </p:nvPicPr>
+        <p:blipFill>
+          <a:blip r:embed="rId12" cstate="print"/>
+          <a:stretch>
+            <a:fillRect/>
+          </a:stretch>
+        </p:blipFill>
+        <p:spPr>
+          <a:xfrm>
+            <a:off x="7328775" y="5927175"/>
+            <a:ext cx="296845" cy="209681"/>
+          </a:xfrm>
+          <a:prstGeom prst="rect">
+            <a:avLst/>
+          </a:prstGeom>
+        </p:spPr>
+      </p:pic>
+      <p:pic>
+        <p:nvPicPr>
+          <p:cNvPr id="23" name="Object 22"/>
+          <p:cNvPicPr>
+            <a:picLocks noChangeAspect="1"/>
+          </p:cNvPicPr>
+          <p:nvPr/>
+        </p:nvPicPr>
+        <p:blipFill>
+          <a:blip r:embed="rId13" cstate="print"/>
+          <a:stretch>
+            <a:fillRect/>
+          </a:stretch>
+        </p:blipFill>
+        <p:spPr>
+          <a:xfrm>
+            <a:off x="7321755" y="2458889"/>
+            <a:ext cx="2466810" cy="1981715"/>
+          </a:xfrm>
+          <a:prstGeom prst="rect">
+            <a:avLst/>
+          </a:prstGeom>
+        </p:spPr>
+      </p:pic>
+      <p:grpSp>
+        <p:nvGrpSpPr>
+          <p:cNvPr id="1005" name="그룹 1005"/>
+          <p:cNvGrpSpPr/>
+          <p:nvPr/>
+        </p:nvGrpSpPr>
+        <p:grpSpPr>
+          <a:xfrm>
+            <a:off x="868988" y="1641905"/>
+            <a:ext cx="3030317" cy="4478631"/>
+            <a:chOff x="868988" y="1641905"/>
+            <a:chExt cx="3030317" cy="4478631"/>
+          </a:xfrm>
+        </p:grpSpPr>
+        <p:pic>
+          <p:nvPicPr>
+            <p:cNvPr id="25" name="Object 24"/>
+            <p:cNvPicPr>
+              <a:picLocks noChangeAspect="1"/>
+            </p:cNvPicPr>
+            <p:nvPr/>
+          </p:nvPicPr>
+          <p:blipFill>
+            <a:blip r:embed="rId14" cstate="print"/>
+            <a:stretch>
+              <a:fillRect/>
+            </a:stretch>
+          </p:blipFill>
+          <p:spPr>
+            <a:xfrm>
+              <a:off x="868988" y="1641905"/>
+              <a:ext cx="3030317" cy="4478631"/>
+            </a:xfrm>
+            <a:prstGeom prst="rect">
+              <a:avLst/>
+            </a:prstGeom>
+          </p:spPr>
+        </p:pic>
+      </p:grpSp>
+      <p:pic>
+        <p:nvPicPr>
+          <p:cNvPr id="27" name="Object 26"/>
+          <p:cNvPicPr>
+            <a:picLocks noChangeAspect="1"/>
+          </p:cNvPicPr>
+          <p:nvPr/>
+        </p:nvPicPr>
+        <p:blipFill>
+          <a:blip r:embed="rId15" cstate="print"/>
+          <a:stretch>
+            <a:fillRect/>
+          </a:stretch>
+        </p:blipFill>
+        <p:spPr>
+          <a:xfrm>
+            <a:off x="1165634" y="3269937"/>
+            <a:ext cx="2466810" cy="2735109"/>
+          </a:xfrm>
+          <a:prstGeom prst="rect">
+            <a:avLst/>
+          </a:prstGeom>
+        </p:spPr>
+      </p:pic>
+      <p:pic>
+        <p:nvPicPr>
+          <p:cNvPr id="28" name="Object 27"/>
+          <p:cNvPicPr>
+            <a:picLocks noChangeAspect="1"/>
+          </p:cNvPicPr>
+          <p:nvPr/>
+        </p:nvPicPr>
+        <p:blipFill>
+          <a:blip r:embed="rId16" cstate="print"/>
+          <a:stretch>
+            <a:fillRect/>
+          </a:stretch>
+        </p:blipFill>
+        <p:spPr>
+          <a:xfrm>
+            <a:off x="1153363" y="2497663"/>
+            <a:ext cx="1767135" cy="372549"/>
+          </a:xfrm>
+          <a:prstGeom prst="rect">
+            <a:avLst/>
+          </a:prstGeom>
+        </p:spPr>
+      </p:pic>
+      <p:pic>
+        <p:nvPicPr>
+          <p:cNvPr id="29" name="Object 28"/>
+          <p:cNvPicPr>
+            <a:picLocks noChangeAspect="1"/>
+          </p:cNvPicPr>
+          <p:nvPr/>
+        </p:nvPicPr>
+        <p:blipFill>
+          <a:blip r:embed="rId17" cstate="print"/>
+          <a:stretch>
+            <a:fillRect/>
+          </a:stretch>
+        </p:blipFill>
+        <p:spPr>
+          <a:xfrm>
+            <a:off x="1164520" y="2824496"/>
+            <a:ext cx="1133667" cy="237629"/>
+          </a:xfrm>
+          <a:prstGeom prst="rect">
+            <a:avLst/>
+          </a:prstGeom>
+        </p:spPr>
+      </p:pic>
+    </p:spTree>
+  </p:cSld>
+  <p:clrMapOvr>
+    <a:masterClrMapping/>
+  </p:clrMapOvr>
+</p:sld>
+</file>
+
+<file path=ppt/slides/slide19.xml><?xml version="1.0" encoding="utf-8"?>
+<p:sld xmlns:a="http://schemas.openxmlformats.org/drawingml/2006/main" xmlns:r="http://schemas.openxmlformats.org/officeDocument/2006/relationships" xmlns:p="http://schemas.openxmlformats.org/presentationml/2006/main">
+  <p:cSld>
+    <p:spTree>
+      <p:nvGrpSpPr>
+        <p:cNvPr id="1" name=""/>
+        <p:cNvGrpSpPr/>
+        <p:nvPr/>
+      </p:nvGrpSpPr>
+      <p:grpSpPr>
+        <a:xfrm>
+          <a:off x="0" y="0"/>
+          <a:ext cx="0" cy="0"/>
+          <a:chOff x="0" y="0"/>
+          <a:chExt cx="0" cy="0"/>
+        </a:xfrm>
+      </p:grpSpPr>
+      <p:sp>
+        <p:nvSpPr>
+          <p:cNvPr id="4" name="직사각형 3">
+            <a:extLst>
+              <a:ext uri="{FF2B5EF4-FFF2-40B4-BE49-F238E27FC236}">
+                <a16:creationId xmlns:a16="http://schemas.microsoft.com/office/drawing/2014/main" id="{412C7D6B-F30D-12E2-B51B-C37152CD48C4}"/>
+              </a:ext>
+            </a:extLst>
+          </p:cNvPr>
+          <p:cNvSpPr/>
+          <p:nvPr/>
+        </p:nvSpPr>
+        <p:spPr>
+          <a:xfrm>
+            <a:off x="-1" y="0"/>
+            <a:ext cx="10696575" cy="7562850"/>
+          </a:xfrm>
+          <a:prstGeom prst="rect">
+            <a:avLst/>
+          </a:prstGeom>
+          <a:solidFill>
+            <a:srgbClr val="668EFD"/>
+          </a:solidFill>
+          <a:ln>
+            <a:solidFill>
+              <a:srgbClr val="668EFD"/>
+            </a:solidFill>
+          </a:ln>
+        </p:spPr>
+        <p:style>
+          <a:lnRef idx="2">
+            <a:schemeClr val="accent1">
+              <a:shade val="50000"/>
+            </a:schemeClr>
+          </a:lnRef>
+          <a:fillRef idx="1">
+            <a:schemeClr val="accent1"/>
+          </a:fillRef>
+          <a:effectRef idx="0">
+            <a:schemeClr val="accent1"/>
+          </a:effectRef>
+          <a:fontRef idx="minor">
+            <a:schemeClr val="lt1"/>
+          </a:fontRef>
+        </p:style>
+        <p:txBody>
+          <a:bodyPr rtlCol="0" anchor="ctr"/>
+          <a:lstStyle/>
+          <a:p>
+            <a:pPr algn="ctr"/>
+            <a:endParaRPr lang="ko-KR" altLang="en-US" dirty="0"/>
+          </a:p>
+        </p:txBody>
+      </p:sp>
+      <p:pic>
+        <p:nvPicPr>
+          <p:cNvPr id="7" name="Object 6"/>
+          <p:cNvPicPr>
+            <a:picLocks noChangeAspect="1"/>
+          </p:cNvPicPr>
+          <p:nvPr/>
+        </p:nvPicPr>
+        <p:blipFill>
+          <a:blip r:embed="rId2" cstate="print"/>
+          <a:stretch>
+            <a:fillRect/>
+          </a:stretch>
+        </p:blipFill>
+        <p:spPr>
+          <a:xfrm>
+            <a:off x="6278057" y="1253813"/>
+            <a:ext cx="5177880" cy="4051612"/>
+          </a:xfrm>
+          <a:prstGeom prst="rect">
+            <a:avLst/>
+          </a:prstGeom>
+        </p:spPr>
+      </p:pic>
+      <p:sp>
+        <p:nvSpPr>
+          <p:cNvPr id="3" name="TextBox 2">
+            <a:extLst>
+              <a:ext uri="{FF2B5EF4-FFF2-40B4-BE49-F238E27FC236}">
+                <a16:creationId xmlns:a16="http://schemas.microsoft.com/office/drawing/2014/main" id="{2BD92EC0-FF6C-31A3-ED5F-1E9D065E0635}"/>
+              </a:ext>
+            </a:extLst>
+          </p:cNvPr>
+          <p:cNvSpPr txBox="1"/>
+          <p:nvPr/>
+        </p:nvSpPr>
+        <p:spPr>
+          <a:xfrm>
+            <a:off x="623887" y="2081467"/>
+            <a:ext cx="4892814" cy="861774"/>
+          </a:xfrm>
+          <a:prstGeom prst="rect">
+            <a:avLst/>
+          </a:prstGeom>
+          <a:noFill/>
+        </p:spPr>
+        <p:txBody>
+          <a:bodyPr wrap="none" rtlCol="0">
+            <a:spAutoFit/>
+          </a:bodyPr>
+          <a:lstStyle/>
+          <a:p>
+            <a:r>
+              <a:rPr lang="en-US" altLang="ko-KR" sz="5000" dirty="0">
+                <a:solidFill>
+                  <a:schemeClr val="bg1"/>
+                </a:solidFill>
+              </a:rPr>
+              <a:t>PROJECT OUTLINE</a:t>
+            </a:r>
+            <a:endParaRPr lang="ko-KR" altLang="en-US" sz="5000" dirty="0">
+              <a:solidFill>
+                <a:schemeClr val="bg1"/>
+              </a:solidFill>
+            </a:endParaRPr>
+          </a:p>
+        </p:txBody>
+      </p:sp>
+      <p:sp>
+        <p:nvSpPr>
+          <p:cNvPr id="5" name="TextBox 4">
+            <a:extLst>
+              <a:ext uri="{FF2B5EF4-FFF2-40B4-BE49-F238E27FC236}">
+                <a16:creationId xmlns:a16="http://schemas.microsoft.com/office/drawing/2014/main" id="{4219128E-6744-5F23-51FC-F704A009A1FC}"/>
+              </a:ext>
+            </a:extLst>
+          </p:cNvPr>
+          <p:cNvSpPr txBox="1"/>
+          <p:nvPr/>
+        </p:nvSpPr>
+        <p:spPr>
+          <a:xfrm>
+            <a:off x="776287" y="3020675"/>
+            <a:ext cx="2714974" cy="1785104"/>
+          </a:xfrm>
+          <a:prstGeom prst="rect">
+            <a:avLst/>
+          </a:prstGeom>
+          <a:noFill/>
+        </p:spPr>
+        <p:txBody>
+          <a:bodyPr wrap="none" rtlCol="0">
+            <a:spAutoFit/>
+          </a:bodyPr>
+          <a:lstStyle/>
+          <a:p>
+            <a:pPr marL="285750" indent="-285750">
+              <a:buFontTx/>
+              <a:buChar char="-"/>
+            </a:pPr>
+            <a:r>
+              <a:rPr lang="en-US" altLang="ko-KR" sz="2200" dirty="0">
+                <a:solidFill>
+                  <a:schemeClr val="bg1"/>
+                </a:solidFill>
+              </a:rPr>
+              <a:t>Name</a:t>
+            </a:r>
+          </a:p>
+          <a:p>
+            <a:pPr marL="285750" indent="-285750">
+              <a:buFontTx/>
+              <a:buChar char="-"/>
+            </a:pPr>
+            <a:r>
+              <a:rPr lang="en-US" altLang="ko-KR" sz="2200" dirty="0">
+                <a:solidFill>
+                  <a:schemeClr val="bg1"/>
+                </a:solidFill>
+              </a:rPr>
+              <a:t>Period</a:t>
+            </a:r>
+          </a:p>
+          <a:p>
+            <a:pPr marL="285750" indent="-285750">
+              <a:buFontTx/>
+              <a:buChar char="-"/>
+            </a:pPr>
+            <a:r>
+              <a:rPr lang="en-US" altLang="ko-KR" sz="2200" dirty="0">
+                <a:solidFill>
+                  <a:schemeClr val="bg1"/>
+                </a:solidFill>
+              </a:rPr>
+              <a:t>Purpose</a:t>
+            </a:r>
+          </a:p>
+          <a:p>
+            <a:pPr marL="285750" indent="-285750">
+              <a:buFontTx/>
+              <a:buChar char="-"/>
+            </a:pPr>
+            <a:r>
+              <a:rPr lang="en-US" altLang="ko-KR" sz="2200" dirty="0">
+                <a:solidFill>
+                  <a:schemeClr val="bg1"/>
+                </a:solidFill>
+              </a:rPr>
+              <a:t>Market research</a:t>
+            </a:r>
+          </a:p>
+          <a:p>
+            <a:pPr marL="285750" indent="-285750">
+              <a:buFontTx/>
+              <a:buChar char="-"/>
+            </a:pPr>
+            <a:r>
+              <a:rPr lang="en-US" altLang="ko-KR" sz="2200" dirty="0">
+                <a:solidFill>
+                  <a:schemeClr val="bg1"/>
+                </a:solidFill>
+              </a:rPr>
+              <a:t>Expected outcomes</a:t>
+            </a:r>
+            <a:endParaRPr lang="ko-KR" altLang="en-US" sz="2200" dirty="0">
+              <a:solidFill>
+                <a:schemeClr val="bg1"/>
+              </a:solidFill>
+            </a:endParaRPr>
+          </a:p>
+        </p:txBody>
+      </p:sp>
+      <p:cxnSp>
+        <p:nvCxnSpPr>
+          <p:cNvPr id="10" name="직선 연결선 9">
+            <a:extLst>
+              <a:ext uri="{FF2B5EF4-FFF2-40B4-BE49-F238E27FC236}">
+                <a16:creationId xmlns:a16="http://schemas.microsoft.com/office/drawing/2014/main" id="{BF3B258B-E08D-9E81-9E4E-2F0F54B75F25}"/>
+              </a:ext>
+            </a:extLst>
+          </p:cNvPr>
+          <p:cNvCxnSpPr/>
+          <p:nvPr/>
+        </p:nvCxnSpPr>
+        <p:spPr>
+          <a:xfrm>
+            <a:off x="684073" y="2943241"/>
+            <a:ext cx="4740414" cy="0"/>
+          </a:xfrm>
+          <a:prstGeom prst="line">
+            <a:avLst/>
+          </a:prstGeom>
+          <a:ln w="12700">
+            <a:solidFill>
+              <a:schemeClr val="bg1"/>
+            </a:solidFill>
+          </a:ln>
+        </p:spPr>
+        <p:style>
+          <a:lnRef idx="1">
+            <a:schemeClr val="accent1"/>
+          </a:lnRef>
+          <a:fillRef idx="0">
+            <a:schemeClr val="accent1"/>
+          </a:fillRef>
+          <a:effectRef idx="0">
+            <a:schemeClr val="accent1"/>
+          </a:effectRef>
+          <a:fontRef idx="minor">
+            <a:schemeClr val="tx1"/>
+          </a:fontRef>
+        </p:style>
+      </p:cxnSp>
+    </p:spTree>
+    <p:extLst>
+      <p:ext uri="{BB962C8B-B14F-4D97-AF65-F5344CB8AC3E}">
+        <p14:creationId xmlns:p14="http://schemas.microsoft.com/office/powerpoint/2010/main" val="3092428005"/>
+      </p:ext>
+    </p:extLst>
+  </p:cSld>
+  <p:clrMapOvr>
+    <a:masterClrMapping/>
+  </p:clrMapOvr>
+</p:sld>
+</file>
+
+<file path=ppt/slides/slide2.xml><?xml version="1.0" encoding="utf-8"?>
+<p:sld xmlns:a="http://schemas.openxmlformats.org/drawingml/2006/main" xmlns:r="http://schemas.openxmlformats.org/officeDocument/2006/relationships" xmlns:p="http://schemas.openxmlformats.org/presentationml/2006/main">
+  <p:cSld name="Slide 2">
+    <p:bg>
+      <p:bgPr>
+        <a:solidFill>
+          <a:srgbClr val="FFFFFF"/>
+        </a:solidFill>
+        <a:effectLst/>
+      </p:bgPr>
+    </p:bg>
+    <p:spTree>
+      <p:nvGrpSpPr>
+        <p:cNvPr id="1" name=""/>
+        <p:cNvGrpSpPr/>
+        <p:nvPr/>
+      </p:nvGrpSpPr>
+      <p:grpSpPr>
+        <a:xfrm>
+          <a:off x="0" y="0"/>
+          <a:ext cx="0" cy="0"/>
+          <a:chOff x="0" y="0"/>
+          <a:chExt cx="0" cy="0"/>
+        </a:xfrm>
+      </p:grpSpPr>
+      <p:grpSp>
+        <p:nvGrpSpPr>
+          <p:cNvPr id="1002" name="그룹 1002"/>
+          <p:cNvGrpSpPr/>
+          <p:nvPr/>
+        </p:nvGrpSpPr>
+        <p:grpSpPr>
+          <a:xfrm>
+            <a:off x="545052" y="1266825"/>
+            <a:ext cx="45719" cy="5822234"/>
+            <a:chOff x="3180972" y="785539"/>
+            <a:chExt cx="45165" cy="4256350"/>
+          </a:xfrm>
+        </p:grpSpPr>
+        <p:pic>
+          <p:nvPicPr>
+            <p:cNvPr id="7" name="Object 6"/>
+            <p:cNvPicPr>
+              <a:picLocks noChangeAspect="1"/>
+            </p:cNvPicPr>
+            <p:nvPr/>
+          </p:nvPicPr>
+          <p:blipFill>
+            <a:blip r:embed="rId2" cstate="print"/>
+            <a:stretch>
+              <a:fillRect/>
+            </a:stretch>
+          </p:blipFill>
+          <p:spPr>
+            <a:xfrm rot="16200000">
+              <a:off x="1075380" y="2891131"/>
+              <a:ext cx="4256350" cy="45165"/>
+            </a:xfrm>
+            <a:prstGeom prst="rect">
+              <a:avLst/>
+            </a:prstGeom>
+          </p:spPr>
+        </p:pic>
+      </p:grpSp>
+      <p:grpSp>
+        <p:nvGrpSpPr>
+          <p:cNvPr id="1010" name="그룹 1010"/>
+          <p:cNvGrpSpPr/>
+          <p:nvPr/>
+        </p:nvGrpSpPr>
+        <p:grpSpPr>
+          <a:xfrm>
+            <a:off x="630611" y="2638425"/>
+            <a:ext cx="4574674" cy="45719"/>
+            <a:chOff x="8037029" y="2706752"/>
+            <a:chExt cx="2055156" cy="45165"/>
+          </a:xfrm>
+        </p:grpSpPr>
+        <p:pic>
+          <p:nvPicPr>
+            <p:cNvPr id="37" name="Object 36"/>
+            <p:cNvPicPr>
+              <a:picLocks noChangeAspect="1"/>
+            </p:cNvPicPr>
+            <p:nvPr/>
+          </p:nvPicPr>
+          <p:blipFill>
+            <a:blip r:embed="rId3" cstate="print"/>
+            <a:stretch>
+              <a:fillRect/>
+            </a:stretch>
+          </p:blipFill>
+          <p:spPr>
+            <a:xfrm rot="-10800000">
+              <a:off x="8037029" y="2706752"/>
+              <a:ext cx="2055156" cy="45165"/>
+            </a:xfrm>
+            <a:prstGeom prst="rect">
+              <a:avLst/>
+            </a:prstGeom>
+          </p:spPr>
+        </p:pic>
+      </p:grpSp>
+      <p:sp>
+        <p:nvSpPr>
+          <p:cNvPr id="2" name="TextBox 1">
+            <a:extLst>
+              <a:ext uri="{FF2B5EF4-FFF2-40B4-BE49-F238E27FC236}">
+                <a16:creationId xmlns:a16="http://schemas.microsoft.com/office/drawing/2014/main" id="{BAC651EF-B1AA-85ED-91A4-413C2122BA8B}"/>
+              </a:ext>
+            </a:extLst>
+          </p:cNvPr>
+          <p:cNvSpPr txBox="1"/>
+          <p:nvPr/>
+        </p:nvSpPr>
+        <p:spPr>
+          <a:xfrm>
+            <a:off x="395287" y="200025"/>
+            <a:ext cx="3001976" cy="861774"/>
+          </a:xfrm>
+          <a:prstGeom prst="rect">
+            <a:avLst/>
+          </a:prstGeom>
+          <a:noFill/>
+        </p:spPr>
+        <p:txBody>
+          <a:bodyPr wrap="none" rtlCol="0">
+            <a:spAutoFit/>
+          </a:bodyPr>
+          <a:lstStyle/>
+          <a:p>
+            <a:r>
+              <a:rPr lang="en-US" altLang="ko-KR" sz="5000" dirty="0">
+                <a:solidFill>
+                  <a:srgbClr val="7D9FFD"/>
+                </a:solidFill>
+                <a:latin typeface="+mj-lt"/>
+              </a:rPr>
+              <a:t>CONTENTS</a:t>
+            </a:r>
+            <a:endParaRPr lang="ko-KR" altLang="en-US" sz="5000" dirty="0">
+              <a:solidFill>
+                <a:srgbClr val="7D9FFD"/>
+              </a:solidFill>
+              <a:latin typeface="+mj-lt"/>
+            </a:endParaRPr>
+          </a:p>
+        </p:txBody>
+      </p:sp>
+      <p:sp>
+        <p:nvSpPr>
+          <p:cNvPr id="4" name="TextBox 3">
+            <a:extLst>
+              <a:ext uri="{FF2B5EF4-FFF2-40B4-BE49-F238E27FC236}">
+                <a16:creationId xmlns:a16="http://schemas.microsoft.com/office/drawing/2014/main" id="{29CCE29E-C2D8-7BA6-E4A0-FA55920AF409}"/>
+              </a:ext>
+            </a:extLst>
+          </p:cNvPr>
+          <p:cNvSpPr txBox="1"/>
+          <p:nvPr/>
+        </p:nvSpPr>
+        <p:spPr>
+          <a:xfrm>
+            <a:off x="715680" y="1317450"/>
+            <a:ext cx="4124014" cy="5509200"/>
+          </a:xfrm>
+          <a:prstGeom prst="rect">
+            <a:avLst/>
+          </a:prstGeom>
+          <a:noFill/>
+        </p:spPr>
+        <p:txBody>
+          <a:bodyPr wrap="none" rtlCol="0">
+            <a:spAutoFit/>
+          </a:bodyPr>
+          <a:lstStyle/>
+          <a:p>
+            <a:pPr marL="342900" indent="-342900">
+              <a:buFont typeface="Arial" panose="020B0604020202020204" pitchFamily="34" charset="0"/>
+              <a:buChar char="•"/>
+            </a:pPr>
+            <a:r>
+              <a:rPr lang="en-US" altLang="ko-KR" sz="2000" b="1" dirty="0">
+                <a:solidFill>
+                  <a:srgbClr val="7D9FFD"/>
+                </a:solidFill>
+                <a:ea typeface="Cambria" panose="02040503050406030204" pitchFamily="18" charset="0"/>
+                <a:cs typeface="Aldhabi" panose="01000000000000000000" pitchFamily="2" charset="-78"/>
+              </a:rPr>
+              <a:t>PROJECT</a:t>
+            </a:r>
+            <a:r>
+              <a:rPr lang="ko-KR" altLang="en-US" sz="2000" b="1" dirty="0">
+                <a:solidFill>
+                  <a:srgbClr val="7D9FFD"/>
+                </a:solidFill>
+                <a:cs typeface="Aldhabi" panose="01000000000000000000" pitchFamily="2" charset="-78"/>
+              </a:rPr>
+              <a:t> </a:t>
+            </a:r>
+            <a:r>
+              <a:rPr lang="en-US" altLang="ko-KR" sz="2000" b="1" dirty="0">
+                <a:solidFill>
+                  <a:srgbClr val="7D9FFD"/>
+                </a:solidFill>
+                <a:ea typeface="Cambria" panose="02040503050406030204" pitchFamily="18" charset="0"/>
+                <a:cs typeface="Aldhabi" panose="01000000000000000000" pitchFamily="2" charset="-78"/>
+              </a:rPr>
+              <a:t>OUTLINE</a:t>
+            </a:r>
+          </a:p>
+          <a:p>
+            <a:r>
+              <a:rPr lang="en-US" altLang="ko-KR" dirty="0">
+                <a:solidFill>
+                  <a:schemeClr val="tx1">
+                    <a:lumMod val="50000"/>
+                    <a:lumOff val="50000"/>
+                  </a:schemeClr>
+                </a:solidFill>
+              </a:rPr>
+              <a:t>  - Name, Period, Purpose</a:t>
+            </a:r>
+          </a:p>
+          <a:p>
+            <a:r>
+              <a:rPr lang="en-US" altLang="ko-KR" dirty="0">
+                <a:solidFill>
+                  <a:schemeClr val="tx1">
+                    <a:lumMod val="50000"/>
+                    <a:lumOff val="50000"/>
+                  </a:schemeClr>
+                </a:solidFill>
+              </a:rPr>
+              <a:t>  - Market</a:t>
+            </a:r>
+            <a:r>
+              <a:rPr lang="ko-KR" altLang="en-US" dirty="0">
+                <a:solidFill>
+                  <a:schemeClr val="tx1">
+                    <a:lumMod val="50000"/>
+                    <a:lumOff val="50000"/>
+                  </a:schemeClr>
+                </a:solidFill>
+              </a:rPr>
+              <a:t> </a:t>
+            </a:r>
+            <a:r>
+              <a:rPr lang="en-US" altLang="ko-KR" dirty="0">
+                <a:solidFill>
+                  <a:schemeClr val="tx1">
+                    <a:lumMod val="50000"/>
+                    <a:lumOff val="50000"/>
+                  </a:schemeClr>
+                </a:solidFill>
+              </a:rPr>
+              <a:t>research</a:t>
+            </a:r>
+          </a:p>
+          <a:p>
+            <a:r>
+              <a:rPr lang="en-US" altLang="ko-KR" dirty="0">
+                <a:solidFill>
+                  <a:schemeClr val="tx1">
+                    <a:lumMod val="50000"/>
+                    <a:lumOff val="50000"/>
+                  </a:schemeClr>
+                </a:solidFill>
+              </a:rPr>
+              <a:t>  - Expected outcomes</a:t>
+            </a:r>
+          </a:p>
+          <a:p>
+            <a:endParaRPr lang="en-US" altLang="ko-KR" dirty="0">
+              <a:solidFill>
+                <a:srgbClr val="7D9FFD"/>
+              </a:solidFill>
+            </a:endParaRPr>
+          </a:p>
+          <a:p>
+            <a:pPr marL="285750" indent="-285750">
+              <a:buFont typeface="Arial" panose="020B0604020202020204" pitchFamily="34" charset="0"/>
+              <a:buChar char="•"/>
+            </a:pPr>
+            <a:r>
+              <a:rPr lang="en-US" altLang="ko-KR" sz="2000" b="1" dirty="0">
+                <a:solidFill>
+                  <a:srgbClr val="7D9FFD"/>
+                </a:solidFill>
+              </a:rPr>
+              <a:t>PROJECT SCOPE</a:t>
+            </a:r>
+          </a:p>
+          <a:p>
+            <a:r>
+              <a:rPr lang="en-US" altLang="ko-KR" dirty="0">
+                <a:solidFill>
+                  <a:schemeClr val="tx1">
+                    <a:lumMod val="50000"/>
+                    <a:lumOff val="50000"/>
+                  </a:schemeClr>
+                </a:solidFill>
+              </a:rPr>
+              <a:t>  - </a:t>
+            </a:r>
+            <a:r>
+              <a:rPr lang="en-US" altLang="ko-KR" sz="2000" dirty="0">
+                <a:solidFill>
+                  <a:schemeClr val="tx1">
+                    <a:lumMod val="50000"/>
+                    <a:lumOff val="50000"/>
+                  </a:schemeClr>
+                </a:solidFill>
+              </a:rPr>
+              <a:t>Statement of work</a:t>
+            </a:r>
+            <a:r>
+              <a:rPr lang="en-US" altLang="ko-KR" sz="1600" dirty="0">
+                <a:solidFill>
+                  <a:schemeClr val="tx1">
+                    <a:lumMod val="50000"/>
+                    <a:lumOff val="50000"/>
+                  </a:schemeClr>
+                </a:solidFill>
+              </a:rPr>
+              <a:t> </a:t>
+            </a:r>
+          </a:p>
+          <a:p>
+            <a:r>
+              <a:rPr lang="en-US" altLang="ko-KR" sz="1600" dirty="0">
+                <a:solidFill>
+                  <a:schemeClr val="bg1">
+                    <a:lumMod val="50000"/>
+                  </a:schemeClr>
+                </a:solidFill>
+              </a:rPr>
+              <a:t>    -&gt; H/W, S/W</a:t>
+            </a:r>
+          </a:p>
+          <a:p>
+            <a:r>
+              <a:rPr lang="en-US" altLang="ko-KR" sz="1600" dirty="0">
+                <a:solidFill>
+                  <a:schemeClr val="bg1">
+                    <a:lumMod val="50000"/>
+                  </a:schemeClr>
+                </a:solidFill>
+              </a:rPr>
+              <a:t>    -&gt; testing and stabilization</a:t>
+            </a:r>
+          </a:p>
+          <a:p>
+            <a:r>
+              <a:rPr lang="en-US" altLang="ko-KR" sz="1600" dirty="0">
+                <a:solidFill>
+                  <a:schemeClr val="bg1">
+                    <a:lumMod val="50000"/>
+                  </a:schemeClr>
+                </a:solidFill>
+              </a:rPr>
+              <a:t>    -&gt; parts list</a:t>
+            </a:r>
+            <a:endParaRPr lang="en-US" altLang="ko-KR" dirty="0">
+              <a:solidFill>
+                <a:schemeClr val="bg1">
+                  <a:lumMod val="50000"/>
+                </a:schemeClr>
+              </a:solidFill>
+            </a:endParaRPr>
+          </a:p>
+          <a:p>
+            <a:endParaRPr lang="en-US" altLang="ko-KR" b="1" dirty="0">
+              <a:solidFill>
+                <a:srgbClr val="7D9FFD"/>
+              </a:solidFill>
+            </a:endParaRPr>
+          </a:p>
+          <a:p>
+            <a:pPr marL="285750" indent="-285750">
+              <a:buFont typeface="Arial" panose="020B0604020202020204" pitchFamily="34" charset="0"/>
+              <a:buChar char="•"/>
+            </a:pPr>
+            <a:r>
+              <a:rPr lang="en-US" altLang="ko-KR" sz="2000" b="1" dirty="0">
+                <a:solidFill>
+                  <a:srgbClr val="7D9FFD"/>
+                </a:solidFill>
+              </a:rPr>
+              <a:t>SYSTEM BUILDING ENVIRONMENT</a:t>
+            </a:r>
+          </a:p>
+          <a:p>
+            <a:r>
+              <a:rPr lang="en-US" altLang="ko-KR" dirty="0">
+                <a:solidFill>
+                  <a:schemeClr val="tx1">
+                    <a:lumMod val="50000"/>
+                    <a:lumOff val="50000"/>
+                  </a:schemeClr>
+                </a:solidFill>
+              </a:rPr>
+              <a:t>  - H/W build</a:t>
+            </a:r>
+          </a:p>
+          <a:p>
+            <a:r>
+              <a:rPr lang="en-US" altLang="ko-KR" sz="1600" dirty="0">
+                <a:solidFill>
+                  <a:schemeClr val="bg1">
+                    <a:lumMod val="50000"/>
+                  </a:schemeClr>
+                </a:solidFill>
+              </a:rPr>
+              <a:t>    -&gt; H/W config</a:t>
+            </a:r>
+          </a:p>
+          <a:p>
+            <a:r>
+              <a:rPr lang="en-US" altLang="ko-KR" sz="1600" dirty="0">
+                <a:solidFill>
+                  <a:schemeClr val="tx1">
+                    <a:lumMod val="50000"/>
+                    <a:lumOff val="50000"/>
+                  </a:schemeClr>
+                </a:solidFill>
+              </a:rPr>
+              <a:t>  </a:t>
+            </a:r>
+            <a:r>
+              <a:rPr lang="en-US" altLang="ko-KR" dirty="0">
+                <a:solidFill>
+                  <a:schemeClr val="tx1">
+                    <a:lumMod val="50000"/>
+                    <a:lumOff val="50000"/>
+                  </a:schemeClr>
+                </a:solidFill>
+              </a:rPr>
+              <a:t>- S/W build </a:t>
+            </a:r>
+          </a:p>
+          <a:p>
+            <a:r>
+              <a:rPr lang="en-US" altLang="ko-KR" sz="1600" dirty="0">
+                <a:solidFill>
+                  <a:schemeClr val="bg1">
+                    <a:lumMod val="50000"/>
+                  </a:schemeClr>
+                </a:solidFill>
+              </a:rPr>
+              <a:t>    -&gt; S/W config</a:t>
+            </a:r>
+          </a:p>
+          <a:p>
+            <a:r>
+              <a:rPr lang="en-US" altLang="ko-KR" dirty="0">
+                <a:solidFill>
+                  <a:schemeClr val="tx1">
+                    <a:lumMod val="50000"/>
+                    <a:lumOff val="50000"/>
+                  </a:schemeClr>
+                </a:solidFill>
+              </a:rPr>
+              <a:t>  - Build a development environment</a:t>
+            </a:r>
+          </a:p>
+          <a:p>
+            <a:r>
+              <a:rPr lang="en-US" altLang="ko-KR" sz="1600" dirty="0">
+                <a:solidFill>
+                  <a:schemeClr val="bg1">
+                    <a:lumMod val="50000"/>
+                  </a:schemeClr>
+                </a:solidFill>
+              </a:rPr>
+              <a:t>    -&gt; development language</a:t>
+            </a:r>
+          </a:p>
+          <a:p>
+            <a:r>
+              <a:rPr lang="en-US" altLang="ko-KR" sz="1600" dirty="0">
+                <a:solidFill>
+                  <a:schemeClr val="bg1">
+                    <a:lumMod val="50000"/>
+                  </a:schemeClr>
+                </a:solidFill>
+              </a:rPr>
+              <a:t>    -&gt; development tool</a:t>
+            </a:r>
+          </a:p>
+          <a:p>
+            <a:r>
+              <a:rPr lang="en-US" altLang="ko-KR" sz="1600" dirty="0">
+                <a:solidFill>
+                  <a:schemeClr val="bg1">
+                    <a:lumMod val="50000"/>
+                  </a:schemeClr>
+                </a:solidFill>
+              </a:rPr>
+              <a:t>   </a:t>
+            </a:r>
+          </a:p>
+        </p:txBody>
+      </p:sp>
+      <p:grpSp>
+        <p:nvGrpSpPr>
+          <p:cNvPr id="3" name="그룹 1010">
+            <a:extLst>
+              <a:ext uri="{FF2B5EF4-FFF2-40B4-BE49-F238E27FC236}">
+                <a16:creationId xmlns:a16="http://schemas.microsoft.com/office/drawing/2014/main" id="{0A8998CE-EDAC-1AC7-6455-9AEDC66CFD25}"/>
+              </a:ext>
+            </a:extLst>
+          </p:cNvPr>
+          <p:cNvGrpSpPr/>
+          <p:nvPr/>
+        </p:nvGrpSpPr>
+        <p:grpSpPr>
+          <a:xfrm>
+            <a:off x="630611" y="4269106"/>
+            <a:ext cx="4574674" cy="45719"/>
+            <a:chOff x="8037029" y="2706752"/>
+            <a:chExt cx="2055156" cy="45165"/>
+          </a:xfrm>
+        </p:grpSpPr>
+        <p:pic>
+          <p:nvPicPr>
+            <p:cNvPr id="5" name="Object 36">
+              <a:extLst>
+                <a:ext uri="{FF2B5EF4-FFF2-40B4-BE49-F238E27FC236}">
+                  <a16:creationId xmlns:a16="http://schemas.microsoft.com/office/drawing/2014/main" id="{BF0A4141-9F9D-1337-F79A-08F66308E3A5}"/>
+                </a:ext>
+              </a:extLst>
+            </p:cNvPr>
+            <p:cNvPicPr>
+              <a:picLocks noChangeAspect="1"/>
+            </p:cNvPicPr>
+            <p:nvPr/>
+          </p:nvPicPr>
+          <p:blipFill>
+            <a:blip r:embed="rId3" cstate="print"/>
+            <a:stretch>
+              <a:fillRect/>
+            </a:stretch>
+          </p:blipFill>
+          <p:spPr>
+            <a:xfrm rot="-10800000">
+              <a:off x="8037029" y="2706752"/>
+              <a:ext cx="2055156" cy="45165"/>
+            </a:xfrm>
+            <a:prstGeom prst="rect">
+              <a:avLst/>
+            </a:prstGeom>
+          </p:spPr>
+        </p:pic>
+      </p:grpSp>
+      <p:grpSp>
+        <p:nvGrpSpPr>
+          <p:cNvPr id="9" name="그룹 1002">
+            <a:extLst>
+              <a:ext uri="{FF2B5EF4-FFF2-40B4-BE49-F238E27FC236}">
+                <a16:creationId xmlns:a16="http://schemas.microsoft.com/office/drawing/2014/main" id="{A80E790D-806E-9F65-D79D-661DAF882844}"/>
+              </a:ext>
+            </a:extLst>
+          </p:cNvPr>
+          <p:cNvGrpSpPr/>
+          <p:nvPr/>
+        </p:nvGrpSpPr>
+        <p:grpSpPr>
+          <a:xfrm>
+            <a:off x="5500687" y="1266825"/>
+            <a:ext cx="45719" cy="5822234"/>
+            <a:chOff x="3180972" y="785539"/>
+            <a:chExt cx="45165" cy="4256350"/>
+          </a:xfrm>
+        </p:grpSpPr>
+        <p:pic>
+          <p:nvPicPr>
+            <p:cNvPr id="10" name="Object 6">
+              <a:extLst>
+                <a:ext uri="{FF2B5EF4-FFF2-40B4-BE49-F238E27FC236}">
+                  <a16:creationId xmlns:a16="http://schemas.microsoft.com/office/drawing/2014/main" id="{28371BDF-94B9-3AE3-E871-F4C517A86ECE}"/>
+                </a:ext>
+              </a:extLst>
+            </p:cNvPr>
+            <p:cNvPicPr>
+              <a:picLocks noChangeAspect="1"/>
+            </p:cNvPicPr>
+            <p:nvPr/>
+          </p:nvPicPr>
+          <p:blipFill>
+            <a:blip r:embed="rId2" cstate="print"/>
+            <a:stretch>
+              <a:fillRect/>
+            </a:stretch>
+          </p:blipFill>
+          <p:spPr>
+            <a:xfrm rot="16200000">
+              <a:off x="1075380" y="2891131"/>
+              <a:ext cx="4256350" cy="45165"/>
+            </a:xfrm>
+            <a:prstGeom prst="rect">
+              <a:avLst/>
+            </a:prstGeom>
+          </p:spPr>
+        </p:pic>
+      </p:grpSp>
+      <p:sp>
+        <p:nvSpPr>
+          <p:cNvPr id="11" name="TextBox 10">
+            <a:extLst>
+              <a:ext uri="{FF2B5EF4-FFF2-40B4-BE49-F238E27FC236}">
+                <a16:creationId xmlns:a16="http://schemas.microsoft.com/office/drawing/2014/main" id="{4BD746CA-E5A8-7C78-83FC-11487DD38726}"/>
+              </a:ext>
+            </a:extLst>
+          </p:cNvPr>
+          <p:cNvSpPr txBox="1"/>
+          <p:nvPr/>
+        </p:nvSpPr>
+        <p:spPr>
+          <a:xfrm>
+            <a:off x="5684525" y="1317450"/>
+            <a:ext cx="4313873" cy="4708981"/>
+          </a:xfrm>
+          <a:prstGeom prst="rect">
+            <a:avLst/>
+          </a:prstGeom>
+          <a:noFill/>
+        </p:spPr>
+        <p:txBody>
+          <a:bodyPr wrap="none" rtlCol="0">
+            <a:spAutoFit/>
+          </a:bodyPr>
+          <a:lstStyle/>
+          <a:p>
+            <a:pPr marL="342900" indent="-342900">
+              <a:buFont typeface="Arial" panose="020B0604020202020204" pitchFamily="34" charset="0"/>
+              <a:buChar char="•"/>
+            </a:pPr>
+            <a:r>
+              <a:rPr lang="en-US" altLang="ko-KR" sz="2000" b="1" dirty="0">
+                <a:solidFill>
+                  <a:srgbClr val="7D9FFD"/>
+                </a:solidFill>
+                <a:ea typeface="Cambria" panose="02040503050406030204" pitchFamily="18" charset="0"/>
+                <a:cs typeface="Aldhabi" panose="01000000000000000000" pitchFamily="2" charset="-78"/>
+              </a:rPr>
+              <a:t>PROJECT</a:t>
+            </a:r>
+            <a:r>
+              <a:rPr lang="ko-KR" altLang="en-US" sz="2000" b="1" dirty="0">
+                <a:solidFill>
+                  <a:srgbClr val="7D9FFD"/>
+                </a:solidFill>
+                <a:cs typeface="Aldhabi" panose="01000000000000000000" pitchFamily="2" charset="-78"/>
+              </a:rPr>
+              <a:t> </a:t>
+            </a:r>
+            <a:r>
+              <a:rPr lang="en-US" altLang="ko-KR" sz="2000" b="1" dirty="0">
+                <a:solidFill>
+                  <a:srgbClr val="7D9FFD"/>
+                </a:solidFill>
+                <a:ea typeface="Cambria" panose="02040503050406030204" pitchFamily="18" charset="0"/>
+                <a:cs typeface="Aldhabi" panose="01000000000000000000" pitchFamily="2" charset="-78"/>
+              </a:rPr>
+              <a:t>PROMOTION SYSTEM</a:t>
+            </a:r>
+          </a:p>
+          <a:p>
+            <a:r>
+              <a:rPr lang="en-US" altLang="ko-KR" dirty="0">
+                <a:solidFill>
+                  <a:schemeClr val="tx1">
+                    <a:lumMod val="50000"/>
+                    <a:lumOff val="50000"/>
+                  </a:schemeClr>
+                </a:solidFill>
+              </a:rPr>
+              <a:t>  - Organization chart</a:t>
+            </a:r>
+          </a:p>
+          <a:p>
+            <a:r>
+              <a:rPr lang="en-US" altLang="ko-KR" dirty="0">
+                <a:solidFill>
+                  <a:schemeClr val="tx1">
+                    <a:lumMod val="50000"/>
+                    <a:lumOff val="50000"/>
+                  </a:schemeClr>
+                </a:solidFill>
+              </a:rPr>
+              <a:t>  - Organizational roles</a:t>
+            </a:r>
+          </a:p>
+          <a:p>
+            <a:endParaRPr lang="en-US" altLang="ko-KR" dirty="0">
+              <a:solidFill>
+                <a:srgbClr val="7D9FFD"/>
+              </a:solidFill>
+            </a:endParaRPr>
+          </a:p>
+          <a:p>
+            <a:endParaRPr lang="en-US" altLang="ko-KR" dirty="0">
+              <a:solidFill>
+                <a:srgbClr val="7D9FFD"/>
+              </a:solidFill>
+            </a:endParaRPr>
+          </a:p>
+          <a:p>
+            <a:pPr marL="285750" indent="-285750">
+              <a:buFont typeface="Arial" panose="020B0604020202020204" pitchFamily="34" charset="0"/>
+              <a:buChar char="•"/>
+            </a:pPr>
+            <a:r>
+              <a:rPr lang="en-US" altLang="ko-KR" sz="2000" b="1" dirty="0">
+                <a:solidFill>
+                  <a:srgbClr val="7D9FFD"/>
+                </a:solidFill>
+              </a:rPr>
+              <a:t>MANAGEMENT PROCESS PLANNING</a:t>
+            </a:r>
+          </a:p>
+          <a:p>
+            <a:r>
+              <a:rPr lang="en-US" altLang="ko-KR" dirty="0">
+                <a:solidFill>
+                  <a:schemeClr val="tx1">
+                    <a:lumMod val="50000"/>
+                    <a:lumOff val="50000"/>
+                  </a:schemeClr>
+                </a:solidFill>
+              </a:rPr>
+              <a:t>  - </a:t>
+            </a:r>
+            <a:r>
+              <a:rPr lang="en-US" altLang="ko-KR" sz="2000" dirty="0">
+                <a:solidFill>
+                  <a:schemeClr val="tx1">
+                    <a:lumMod val="50000"/>
+                    <a:lumOff val="50000"/>
+                  </a:schemeClr>
+                </a:solidFill>
+              </a:rPr>
+              <a:t>Detailed schedule</a:t>
+            </a:r>
+            <a:endParaRPr lang="en-US" altLang="ko-KR" sz="1600" dirty="0">
+              <a:solidFill>
+                <a:schemeClr val="tx1">
+                  <a:lumMod val="50000"/>
+                  <a:lumOff val="50000"/>
+                </a:schemeClr>
+              </a:solidFill>
+            </a:endParaRPr>
+          </a:p>
+          <a:p>
+            <a:r>
+              <a:rPr lang="en-US" altLang="ko-KR" sz="1600" dirty="0">
+                <a:solidFill>
+                  <a:schemeClr val="bg1">
+                    <a:lumMod val="50000"/>
+                  </a:schemeClr>
+                </a:solidFill>
+              </a:rPr>
+              <a:t>    -&gt; </a:t>
+            </a:r>
+            <a:r>
+              <a:rPr lang="en-US" altLang="ko-KR" sz="1600" dirty="0" err="1">
+                <a:solidFill>
+                  <a:schemeClr val="bg1">
+                    <a:lumMod val="50000"/>
+                  </a:schemeClr>
+                </a:solidFill>
+              </a:rPr>
+              <a:t>gantt</a:t>
+            </a:r>
+            <a:r>
+              <a:rPr lang="en-US" altLang="ko-KR" sz="1600" dirty="0">
+                <a:solidFill>
+                  <a:schemeClr val="bg1">
+                    <a:lumMod val="50000"/>
+                  </a:schemeClr>
+                </a:solidFill>
+              </a:rPr>
+              <a:t> chart</a:t>
+            </a:r>
+          </a:p>
+          <a:p>
+            <a:endParaRPr lang="en-US" altLang="ko-KR" sz="1600" dirty="0">
+              <a:solidFill>
+                <a:schemeClr val="bg1">
+                  <a:lumMod val="65000"/>
+                </a:schemeClr>
+              </a:solidFill>
+            </a:endParaRPr>
+          </a:p>
+          <a:p>
+            <a:endParaRPr lang="en-US" altLang="ko-KR" sz="1600" dirty="0">
+              <a:solidFill>
+                <a:schemeClr val="bg1">
+                  <a:lumMod val="65000"/>
+                </a:schemeClr>
+              </a:solidFill>
+            </a:endParaRPr>
+          </a:p>
+          <a:p>
+            <a:endParaRPr lang="en-US" altLang="ko-KR" b="1" dirty="0">
+              <a:solidFill>
+                <a:srgbClr val="7D9FFD"/>
+              </a:solidFill>
+            </a:endParaRPr>
+          </a:p>
+          <a:p>
+            <a:pPr marL="285750" indent="-285750">
+              <a:buFont typeface="Arial" panose="020B0604020202020204" pitchFamily="34" charset="0"/>
+              <a:buChar char="•"/>
+            </a:pPr>
+            <a:r>
+              <a:rPr lang="en-US" altLang="ko-KR" sz="2000" b="1" dirty="0">
+                <a:solidFill>
+                  <a:srgbClr val="7D9FFD"/>
+                </a:solidFill>
+              </a:rPr>
+              <a:t>PROJECT MANAGEMENT</a:t>
+            </a:r>
+          </a:p>
+          <a:p>
+            <a:r>
+              <a:rPr lang="en-US" altLang="ko-KR" dirty="0">
+                <a:solidFill>
+                  <a:schemeClr val="tx1">
+                    <a:lumMod val="50000"/>
+                    <a:lumOff val="50000"/>
+                  </a:schemeClr>
+                </a:solidFill>
+              </a:rPr>
+              <a:t>  - Project Details</a:t>
+            </a:r>
+          </a:p>
+          <a:p>
+            <a:r>
+              <a:rPr lang="en-US" altLang="ko-KR" sz="1600" dirty="0">
+                <a:solidFill>
+                  <a:schemeClr val="bg1">
+                    <a:lumMod val="50000"/>
+                  </a:schemeClr>
+                </a:solidFill>
+              </a:rPr>
+              <a:t>    -&gt; flow chart</a:t>
+            </a:r>
+          </a:p>
+          <a:p>
+            <a:r>
+              <a:rPr lang="en-US" altLang="ko-KR" sz="1600" dirty="0">
+                <a:solidFill>
+                  <a:schemeClr val="bg1">
+                    <a:lumMod val="50000"/>
+                  </a:schemeClr>
+                </a:solidFill>
+              </a:rPr>
+              <a:t>    -&gt; appearance</a:t>
+            </a:r>
+          </a:p>
+          <a:p>
+            <a:r>
+              <a:rPr lang="en-US" altLang="ko-KR" sz="1600" dirty="0">
+                <a:solidFill>
+                  <a:schemeClr val="bg1">
+                    <a:lumMod val="50000"/>
+                  </a:schemeClr>
+                </a:solidFill>
+              </a:rPr>
+              <a:t>    -&gt; demonstration in action</a:t>
+            </a:r>
+          </a:p>
+          <a:p>
+            <a:r>
+              <a:rPr lang="en-US" altLang="ko-KR" sz="1600" dirty="0">
+                <a:solidFill>
+                  <a:schemeClr val="bg1">
+                    <a:lumMod val="65000"/>
+                  </a:schemeClr>
+                </a:solidFill>
+              </a:rPr>
+              <a:t>   </a:t>
+            </a:r>
+            <a:endParaRPr lang="en-US" altLang="ko-KR" sz="1600" dirty="0">
+              <a:solidFill>
+                <a:srgbClr val="919191"/>
+              </a:solidFill>
+            </a:endParaRPr>
+          </a:p>
+        </p:txBody>
+      </p:sp>
+      <p:grpSp>
+        <p:nvGrpSpPr>
+          <p:cNvPr id="12" name="그룹 1010">
+            <a:extLst>
+              <a:ext uri="{FF2B5EF4-FFF2-40B4-BE49-F238E27FC236}">
+                <a16:creationId xmlns:a16="http://schemas.microsoft.com/office/drawing/2014/main" id="{CAE91F05-06A0-4E3C-9860-73F15D57EFA5}"/>
+              </a:ext>
+            </a:extLst>
+          </p:cNvPr>
+          <p:cNvGrpSpPr/>
+          <p:nvPr/>
+        </p:nvGrpSpPr>
+        <p:grpSpPr>
+          <a:xfrm>
+            <a:off x="5684525" y="2638425"/>
+            <a:ext cx="4574674" cy="45719"/>
+            <a:chOff x="8037029" y="2706752"/>
+            <a:chExt cx="2055156" cy="45165"/>
+          </a:xfrm>
+        </p:grpSpPr>
+        <p:pic>
+          <p:nvPicPr>
+            <p:cNvPr id="13" name="Object 36">
+              <a:extLst>
+                <a:ext uri="{FF2B5EF4-FFF2-40B4-BE49-F238E27FC236}">
+                  <a16:creationId xmlns:a16="http://schemas.microsoft.com/office/drawing/2014/main" id="{1DEA8DDF-D097-CC74-C7D8-9E50FC5D99B3}"/>
+                </a:ext>
+              </a:extLst>
+            </p:cNvPr>
+            <p:cNvPicPr>
+              <a:picLocks noChangeAspect="1"/>
+            </p:cNvPicPr>
+            <p:nvPr/>
+          </p:nvPicPr>
+          <p:blipFill>
+            <a:blip r:embed="rId3" cstate="print"/>
+            <a:stretch>
+              <a:fillRect/>
+            </a:stretch>
+          </p:blipFill>
+          <p:spPr>
+            <a:xfrm rot="-10800000">
+              <a:off x="8037029" y="2706752"/>
+              <a:ext cx="2055156" cy="45165"/>
+            </a:xfrm>
+            <a:prstGeom prst="rect">
+              <a:avLst/>
+            </a:prstGeom>
+          </p:spPr>
+        </p:pic>
+      </p:grpSp>
+      <p:grpSp>
+        <p:nvGrpSpPr>
+          <p:cNvPr id="15" name="그룹 1010">
+            <a:extLst>
+              <a:ext uri="{FF2B5EF4-FFF2-40B4-BE49-F238E27FC236}">
+                <a16:creationId xmlns:a16="http://schemas.microsoft.com/office/drawing/2014/main" id="{9311EDF7-A98E-A076-0530-19DA889356EB}"/>
+              </a:ext>
+            </a:extLst>
+          </p:cNvPr>
+          <p:cNvGrpSpPr/>
+          <p:nvPr/>
+        </p:nvGrpSpPr>
+        <p:grpSpPr>
+          <a:xfrm>
+            <a:off x="5684525" y="4269106"/>
+            <a:ext cx="4574674" cy="45719"/>
+            <a:chOff x="8037029" y="2706752"/>
+            <a:chExt cx="2055156" cy="45165"/>
+          </a:xfrm>
+        </p:grpSpPr>
+        <p:pic>
+          <p:nvPicPr>
+            <p:cNvPr id="17" name="Object 36">
+              <a:extLst>
+                <a:ext uri="{FF2B5EF4-FFF2-40B4-BE49-F238E27FC236}">
+                  <a16:creationId xmlns:a16="http://schemas.microsoft.com/office/drawing/2014/main" id="{D7DE49A2-1BDC-D54C-5B9E-31C29E63583F}"/>
+                </a:ext>
+              </a:extLst>
+            </p:cNvPr>
+            <p:cNvPicPr>
+              <a:picLocks noChangeAspect="1"/>
+            </p:cNvPicPr>
+            <p:nvPr/>
+          </p:nvPicPr>
+          <p:blipFill>
+            <a:blip r:embed="rId3" cstate="print"/>
+            <a:stretch>
+              <a:fillRect/>
+            </a:stretch>
+          </p:blipFill>
+          <p:spPr>
+            <a:xfrm rot="-10800000">
+              <a:off x="8037029" y="2706752"/>
+              <a:ext cx="2055156" cy="45165"/>
+            </a:xfrm>
+            <a:prstGeom prst="rect">
+              <a:avLst/>
+            </a:prstGeom>
+          </p:spPr>
+        </p:pic>
+      </p:grpSp>
+    </p:spTree>
+  </p:cSld>
+  <p:clrMapOvr>
+    <a:masterClrMapping/>
+  </p:clrMapOvr>
+</p:sld>
+</file>
+
+<file path=ppt/slides/slide20.xml><?xml version="1.0" encoding="utf-8"?>
+<p:sld xmlns:a="http://schemas.openxmlformats.org/drawingml/2006/main" xmlns:r="http://schemas.openxmlformats.org/officeDocument/2006/relationships" xmlns:p="http://schemas.openxmlformats.org/presentationml/2006/main">
+  <p:cSld name="Slide 12">
+    <p:bg>
+      <p:bgPr>
+        <a:solidFill>
+          <a:srgbClr val="668EFD"/>
+        </a:solidFill>
+        <a:effectLst/>
+      </p:bgPr>
+    </p:bg>
+    <p:spTree>
+      <p:nvGrpSpPr>
+        <p:cNvPr id="1" name=""/>
+        <p:cNvGrpSpPr/>
+        <p:nvPr/>
+      </p:nvGrpSpPr>
+      <p:grpSpPr>
+        <a:xfrm>
+          <a:off x="0" y="0"/>
+          <a:ext cx="0" cy="0"/>
+          <a:chOff x="0" y="0"/>
+          <a:chExt cx="0" cy="0"/>
+        </a:xfrm>
+      </p:grpSpPr>
+      <p:pic>
+        <p:nvPicPr>
+          <p:cNvPr id="2" name="Object 1"/>
+          <p:cNvPicPr>
+            <a:picLocks noChangeAspect="1"/>
+          </p:cNvPicPr>
+          <p:nvPr/>
+        </p:nvPicPr>
+        <p:blipFill>
+          <a:blip r:embed="rId2" cstate="print"/>
+          <a:stretch>
+            <a:fillRect/>
+          </a:stretch>
+        </p:blipFill>
+        <p:spPr>
+          <a:xfrm>
+            <a:off x="1090544" y="5321691"/>
+            <a:ext cx="1600502" cy="660053"/>
+          </a:xfrm>
+          <a:prstGeom prst="rect">
+            <a:avLst/>
+          </a:prstGeom>
+        </p:spPr>
+      </p:pic>
+      <p:grpSp>
+        <p:nvGrpSpPr>
+          <p:cNvPr id="1001" name="그룹 1001"/>
+          <p:cNvGrpSpPr/>
+          <p:nvPr/>
+        </p:nvGrpSpPr>
+        <p:grpSpPr>
+          <a:xfrm>
+            <a:off x="9424474" y="5321068"/>
+            <a:ext cx="479796" cy="642916"/>
+            <a:chOff x="9424474" y="5321068"/>
+            <a:chExt cx="479796" cy="642916"/>
+          </a:xfrm>
+        </p:grpSpPr>
+        <p:pic>
+          <p:nvPicPr>
+            <p:cNvPr id="4" name="Object 3"/>
+            <p:cNvPicPr>
+              <a:picLocks noChangeAspect="1"/>
+            </p:cNvPicPr>
+            <p:nvPr/>
+          </p:nvPicPr>
+          <p:blipFill>
+            <a:blip r:embed="rId3" cstate="print"/>
+            <a:stretch>
+              <a:fillRect/>
+            </a:stretch>
+          </p:blipFill>
+          <p:spPr>
+            <a:xfrm>
+              <a:off x="9424474" y="5321068"/>
+              <a:ext cx="479796" cy="642916"/>
+            </a:xfrm>
+            <a:prstGeom prst="rect">
+              <a:avLst/>
+            </a:prstGeom>
+          </p:spPr>
+        </p:pic>
+      </p:grpSp>
+      <p:pic>
+        <p:nvPicPr>
+          <p:cNvPr id="6" name="Object 5"/>
+          <p:cNvPicPr>
+            <a:picLocks noChangeAspect="1"/>
+          </p:cNvPicPr>
+          <p:nvPr/>
+        </p:nvPicPr>
+        <p:blipFill>
+          <a:blip r:embed="rId4" cstate="print"/>
+          <a:stretch>
+            <a:fillRect/>
+          </a:stretch>
+        </p:blipFill>
+        <p:spPr>
+          <a:xfrm>
+            <a:off x="951476" y="1743189"/>
+            <a:ext cx="4692854" cy="1999326"/>
+          </a:xfrm>
+          <a:prstGeom prst="rect">
+            <a:avLst/>
+          </a:prstGeom>
+        </p:spPr>
+      </p:pic>
+      <p:pic>
+        <p:nvPicPr>
+          <p:cNvPr id="7" name="Object 6"/>
+          <p:cNvPicPr>
+            <a:picLocks noChangeAspect="1"/>
+          </p:cNvPicPr>
+          <p:nvPr/>
+        </p:nvPicPr>
+        <p:blipFill>
+          <a:blip r:embed="rId5" cstate="print"/>
+          <a:stretch>
+            <a:fillRect/>
+          </a:stretch>
+        </p:blipFill>
+        <p:spPr>
+          <a:xfrm>
+            <a:off x="1083776" y="3779359"/>
+            <a:ext cx="2340129" cy="331123"/>
+          </a:xfrm>
+          <a:prstGeom prst="rect">
+            <a:avLst/>
+          </a:prstGeom>
+        </p:spPr>
+      </p:pic>
+    </p:spTree>
+  </p:cSld>
+  <p:clrMapOvr>
+    <a:masterClrMapping/>
+  </p:clrMapOvr>
+</p:sld>
+</file>
+
+<file path=ppt/slides/slide3.xml><?xml version="1.0" encoding="utf-8"?>
+<p:sld xmlns:a="http://schemas.openxmlformats.org/drawingml/2006/main" xmlns:r="http://schemas.openxmlformats.org/officeDocument/2006/relationships" xmlns:p="http://schemas.openxmlformats.org/presentationml/2006/main">
+  <p:cSld name="Slide 4">
+    <p:bg>
+      <p:bgPr>
+        <a:solidFill>
+          <a:srgbClr val="668EFD"/>
+        </a:solidFill>
+        <a:effectLst/>
+      </p:bgPr>
+    </p:bg>
+    <p:spTree>
+      <p:nvGrpSpPr>
+        <p:cNvPr id="1" name=""/>
+        <p:cNvGrpSpPr/>
+        <p:nvPr/>
+      </p:nvGrpSpPr>
+      <p:grpSpPr>
+        <a:xfrm>
+          <a:off x="0" y="0"/>
+          <a:ext cx="0" cy="0"/>
+          <a:chOff x="0" y="0"/>
+          <a:chExt cx="0" cy="0"/>
+        </a:xfrm>
+      </p:grpSpPr>
+      <p:pic>
+        <p:nvPicPr>
+          <p:cNvPr id="7" name="Object 6"/>
+          <p:cNvPicPr>
+            <a:picLocks noChangeAspect="1"/>
+          </p:cNvPicPr>
+          <p:nvPr/>
+        </p:nvPicPr>
+        <p:blipFill>
+          <a:blip r:embed="rId2" cstate="print"/>
+          <a:stretch>
+            <a:fillRect/>
+          </a:stretch>
+        </p:blipFill>
+        <p:spPr>
+          <a:xfrm>
+            <a:off x="6278057" y="1253813"/>
+            <a:ext cx="5177880" cy="4051612"/>
+          </a:xfrm>
+          <a:prstGeom prst="rect">
+            <a:avLst/>
+          </a:prstGeom>
+        </p:spPr>
+      </p:pic>
+      <p:sp>
+        <p:nvSpPr>
+          <p:cNvPr id="3" name="TextBox 2">
+            <a:extLst>
+              <a:ext uri="{FF2B5EF4-FFF2-40B4-BE49-F238E27FC236}">
+                <a16:creationId xmlns:a16="http://schemas.microsoft.com/office/drawing/2014/main" id="{2BD92EC0-FF6C-31A3-ED5F-1E9D065E0635}"/>
+              </a:ext>
+            </a:extLst>
+          </p:cNvPr>
+          <p:cNvSpPr txBox="1"/>
+          <p:nvPr/>
+        </p:nvSpPr>
+        <p:spPr>
+          <a:xfrm>
+            <a:off x="623887" y="2081467"/>
+            <a:ext cx="4892814" cy="861774"/>
+          </a:xfrm>
+          <a:prstGeom prst="rect">
+            <a:avLst/>
+          </a:prstGeom>
+          <a:noFill/>
+        </p:spPr>
+        <p:txBody>
+          <a:bodyPr wrap="none" rtlCol="0">
+            <a:spAutoFit/>
+          </a:bodyPr>
+          <a:lstStyle/>
+          <a:p>
+            <a:r>
+              <a:rPr lang="en-US" altLang="ko-KR" sz="5000" dirty="0">
+                <a:solidFill>
+                  <a:schemeClr val="bg1"/>
+                </a:solidFill>
+              </a:rPr>
+              <a:t>PROJECT OUTLINE</a:t>
+            </a:r>
+            <a:endParaRPr lang="ko-KR" altLang="en-US" sz="5000" dirty="0">
+              <a:solidFill>
+                <a:schemeClr val="bg1"/>
+              </a:solidFill>
+            </a:endParaRPr>
+          </a:p>
+        </p:txBody>
+      </p:sp>
+      <p:sp>
+        <p:nvSpPr>
+          <p:cNvPr id="5" name="TextBox 4">
+            <a:extLst>
+              <a:ext uri="{FF2B5EF4-FFF2-40B4-BE49-F238E27FC236}">
+                <a16:creationId xmlns:a16="http://schemas.microsoft.com/office/drawing/2014/main" id="{4219128E-6744-5F23-51FC-F704A009A1FC}"/>
+              </a:ext>
+            </a:extLst>
+          </p:cNvPr>
+          <p:cNvSpPr txBox="1"/>
+          <p:nvPr/>
+        </p:nvSpPr>
+        <p:spPr>
+          <a:xfrm>
+            <a:off x="776287" y="3020675"/>
+            <a:ext cx="2714974" cy="1785104"/>
+          </a:xfrm>
+          <a:prstGeom prst="rect">
+            <a:avLst/>
+          </a:prstGeom>
+          <a:noFill/>
+        </p:spPr>
+        <p:txBody>
+          <a:bodyPr wrap="none" rtlCol="0">
+            <a:spAutoFit/>
+          </a:bodyPr>
+          <a:lstStyle/>
+          <a:p>
+            <a:pPr marL="285750" indent="-285750">
+              <a:buFontTx/>
+              <a:buChar char="-"/>
+            </a:pPr>
+            <a:r>
+              <a:rPr lang="en-US" altLang="ko-KR" sz="2200" dirty="0">
+                <a:solidFill>
+                  <a:schemeClr val="bg1"/>
+                </a:solidFill>
+              </a:rPr>
+              <a:t>Name</a:t>
+            </a:r>
+          </a:p>
+          <a:p>
+            <a:pPr marL="285750" indent="-285750">
+              <a:buFontTx/>
+              <a:buChar char="-"/>
+            </a:pPr>
+            <a:r>
+              <a:rPr lang="en-US" altLang="ko-KR" sz="2200" dirty="0">
+                <a:solidFill>
+                  <a:schemeClr val="bg1"/>
+                </a:solidFill>
+              </a:rPr>
+              <a:t>Period</a:t>
+            </a:r>
+          </a:p>
+          <a:p>
+            <a:pPr marL="285750" indent="-285750">
+              <a:buFontTx/>
+              <a:buChar char="-"/>
+            </a:pPr>
+            <a:r>
+              <a:rPr lang="en-US" altLang="ko-KR" sz="2200" dirty="0">
+                <a:solidFill>
+                  <a:schemeClr val="bg1"/>
+                </a:solidFill>
+              </a:rPr>
+              <a:t>Purpose</a:t>
+            </a:r>
+          </a:p>
+          <a:p>
+            <a:pPr marL="285750" indent="-285750">
+              <a:buFontTx/>
+              <a:buChar char="-"/>
+            </a:pPr>
+            <a:r>
+              <a:rPr lang="en-US" altLang="ko-KR" sz="2200" dirty="0">
+                <a:solidFill>
+                  <a:schemeClr val="bg1"/>
+                </a:solidFill>
+              </a:rPr>
+              <a:t>Market research</a:t>
+            </a:r>
+          </a:p>
+          <a:p>
+            <a:pPr marL="285750" indent="-285750">
+              <a:buFontTx/>
+              <a:buChar char="-"/>
+            </a:pPr>
+            <a:r>
+              <a:rPr lang="en-US" altLang="ko-KR" sz="2200" dirty="0">
+                <a:solidFill>
+                  <a:schemeClr val="bg1"/>
+                </a:solidFill>
+              </a:rPr>
+              <a:t>Expected outcomes</a:t>
+            </a:r>
+            <a:endParaRPr lang="ko-KR" altLang="en-US" sz="2200" dirty="0">
+              <a:solidFill>
+                <a:schemeClr val="bg1"/>
+              </a:solidFill>
+            </a:endParaRPr>
+          </a:p>
+        </p:txBody>
+      </p:sp>
+      <p:cxnSp>
+        <p:nvCxnSpPr>
+          <p:cNvPr id="10" name="직선 연결선 9">
+            <a:extLst>
+              <a:ext uri="{FF2B5EF4-FFF2-40B4-BE49-F238E27FC236}">
+                <a16:creationId xmlns:a16="http://schemas.microsoft.com/office/drawing/2014/main" id="{BF3B258B-E08D-9E81-9E4E-2F0F54B75F25}"/>
+              </a:ext>
+            </a:extLst>
+          </p:cNvPr>
+          <p:cNvCxnSpPr/>
+          <p:nvPr/>
+        </p:nvCxnSpPr>
+        <p:spPr>
+          <a:xfrm>
+            <a:off x="684073" y="2943241"/>
+            <a:ext cx="4740414" cy="0"/>
+          </a:xfrm>
+          <a:prstGeom prst="line">
+            <a:avLst/>
+          </a:prstGeom>
+          <a:ln w="12700">
+            <a:solidFill>
+              <a:schemeClr val="bg1"/>
+            </a:solidFill>
+          </a:ln>
+        </p:spPr>
+        <p:style>
+          <a:lnRef idx="1">
+            <a:schemeClr val="accent1"/>
+          </a:lnRef>
+          <a:fillRef idx="0">
+            <a:schemeClr val="accent1"/>
+          </a:fillRef>
+          <a:effectRef idx="0">
+            <a:schemeClr val="accent1"/>
+          </a:effectRef>
+          <a:fontRef idx="minor">
+            <a:schemeClr val="tx1"/>
+          </a:fontRef>
+        </p:style>
+      </p:cxnSp>
+    </p:spTree>
+  </p:cSld>
+  <p:clrMapOvr>
+    <a:masterClrMapping/>
+  </p:clrMapOvr>
+</p:sld>
+</file>
+
+<file path=ppt/slides/slide4.xml><?xml version="1.0" encoding="utf-8"?>
+<p:sld xmlns:a="http://schemas.openxmlformats.org/drawingml/2006/main" xmlns:r="http://schemas.openxmlformats.org/officeDocument/2006/relationships" xmlns:p="http://schemas.openxmlformats.org/presentationml/2006/main">
+  <p:cSld>
+    <p:spTree>
+      <p:nvGrpSpPr>
+        <p:cNvPr id="1" name=""/>
+        <p:cNvGrpSpPr/>
+        <p:nvPr/>
+      </p:nvGrpSpPr>
+      <p:grpSpPr>
+        <a:xfrm>
+          <a:off x="0" y="0"/>
+          <a:ext cx="0" cy="0"/>
+          <a:chOff x="0" y="0"/>
+          <a:chExt cx="0" cy="0"/>
+        </a:xfrm>
+      </p:grpSpPr>
+      <p:grpSp>
+        <p:nvGrpSpPr>
+          <p:cNvPr id="1002" name="그룹 1002"/>
+          <p:cNvGrpSpPr/>
+          <p:nvPr/>
+        </p:nvGrpSpPr>
+        <p:grpSpPr>
+          <a:xfrm>
+            <a:off x="545052" y="1266825"/>
+            <a:ext cx="45719" cy="5822234"/>
+            <a:chOff x="3180972" y="785539"/>
+            <a:chExt cx="45165" cy="4256350"/>
+          </a:xfrm>
+        </p:grpSpPr>
+        <p:pic>
+          <p:nvPicPr>
+            <p:cNvPr id="7" name="Object 6"/>
+            <p:cNvPicPr>
+              <a:picLocks noChangeAspect="1"/>
+            </p:cNvPicPr>
+            <p:nvPr/>
+          </p:nvPicPr>
+          <p:blipFill>
+            <a:blip r:embed="rId2" cstate="print"/>
+            <a:stretch>
+              <a:fillRect/>
+            </a:stretch>
+          </p:blipFill>
+          <p:spPr>
+            <a:xfrm rot="16200000">
+              <a:off x="1075380" y="2891131"/>
+              <a:ext cx="4256350" cy="45165"/>
+            </a:xfrm>
+            <a:prstGeom prst="rect">
+              <a:avLst/>
+            </a:prstGeom>
+          </p:spPr>
+        </p:pic>
+      </p:grpSp>
+      <p:sp>
+        <p:nvSpPr>
+          <p:cNvPr id="2" name="TextBox 1">
+            <a:extLst>
+              <a:ext uri="{FF2B5EF4-FFF2-40B4-BE49-F238E27FC236}">
+                <a16:creationId xmlns:a16="http://schemas.microsoft.com/office/drawing/2014/main" id="{BAC651EF-B1AA-85ED-91A4-413C2122BA8B}"/>
+              </a:ext>
+            </a:extLst>
+          </p:cNvPr>
+          <p:cNvSpPr txBox="1"/>
+          <p:nvPr/>
+        </p:nvSpPr>
+        <p:spPr>
+          <a:xfrm>
+            <a:off x="395287" y="200025"/>
+            <a:ext cx="5750420" cy="861774"/>
+          </a:xfrm>
+          <a:prstGeom prst="rect">
+            <a:avLst/>
+          </a:prstGeom>
+          <a:noFill/>
+        </p:spPr>
+        <p:txBody>
+          <a:bodyPr wrap="none" rtlCol="0">
+            <a:spAutoFit/>
+          </a:bodyPr>
+          <a:lstStyle/>
+          <a:p>
+            <a:r>
+              <a:rPr lang="en-US" altLang="ko-KR" sz="5000" dirty="0">
+                <a:solidFill>
+                  <a:srgbClr val="7D9FFD"/>
+                </a:solidFill>
+                <a:latin typeface="+mj-lt"/>
+              </a:rPr>
+              <a:t>PROJECT OUTLINE (1)</a:t>
+            </a:r>
+            <a:endParaRPr lang="ko-KR" altLang="en-US" sz="5000" dirty="0">
+              <a:solidFill>
+                <a:srgbClr val="7D9FFD"/>
+              </a:solidFill>
+              <a:latin typeface="+mj-lt"/>
+            </a:endParaRPr>
+          </a:p>
+        </p:txBody>
+      </p:sp>
+      <p:sp>
+        <p:nvSpPr>
+          <p:cNvPr id="4" name="TextBox 3">
+            <a:extLst>
+              <a:ext uri="{FF2B5EF4-FFF2-40B4-BE49-F238E27FC236}">
+                <a16:creationId xmlns:a16="http://schemas.microsoft.com/office/drawing/2014/main" id="{29CCE29E-C2D8-7BA6-E4A0-FA55920AF409}"/>
+              </a:ext>
+            </a:extLst>
+          </p:cNvPr>
+          <p:cNvSpPr txBox="1"/>
+          <p:nvPr/>
+        </p:nvSpPr>
+        <p:spPr>
+          <a:xfrm>
+            <a:off x="715680" y="1317450"/>
+            <a:ext cx="9435596" cy="4461029"/>
+          </a:xfrm>
+          <a:prstGeom prst="rect">
+            <a:avLst/>
+          </a:prstGeom>
+          <a:noFill/>
+        </p:spPr>
+        <p:txBody>
+          <a:bodyPr wrap="none" rtlCol="0">
+            <a:spAutoFit/>
+          </a:bodyPr>
+          <a:lstStyle/>
+          <a:p>
+            <a:pPr marL="342900" indent="-342900">
+              <a:lnSpc>
+                <a:spcPct val="150000"/>
+              </a:lnSpc>
+              <a:buFont typeface="Arial" panose="020B0604020202020204" pitchFamily="34" charset="0"/>
+              <a:buChar char="•"/>
+            </a:pPr>
+            <a:r>
+              <a:rPr lang="en-US" altLang="ko-KR" sz="2500" b="1" dirty="0">
+                <a:solidFill>
+                  <a:srgbClr val="7D9FFD"/>
+                </a:solidFill>
+                <a:ea typeface="Cambria" panose="02040503050406030204" pitchFamily="18" charset="0"/>
+                <a:cs typeface="Aldhabi" panose="01000000000000000000" pitchFamily="2" charset="-78"/>
+              </a:rPr>
+              <a:t>Project name</a:t>
+            </a:r>
+          </a:p>
+          <a:p>
+            <a:pPr>
+              <a:lnSpc>
+                <a:spcPct val="150000"/>
+              </a:lnSpc>
+            </a:pPr>
+            <a:r>
+              <a:rPr lang="en-US" altLang="ko-KR" sz="1600" dirty="0">
+                <a:solidFill>
+                  <a:schemeClr val="bg1">
+                    <a:lumMod val="50000"/>
+                  </a:schemeClr>
+                </a:solidFill>
+              </a:rPr>
+              <a:t>  - </a:t>
+            </a:r>
+            <a:r>
+              <a:rPr lang="ko-KR" altLang="en-US" sz="1600" dirty="0">
+                <a:solidFill>
+                  <a:schemeClr val="bg1">
+                    <a:lumMod val="50000"/>
+                  </a:schemeClr>
+                </a:solidFill>
+              </a:rPr>
+              <a:t>위기상황 발생 시 도움을 주는 로봇 </a:t>
+            </a:r>
+            <a:r>
+              <a:rPr lang="en-US" altLang="ko-KR" sz="1600" dirty="0">
+                <a:solidFill>
+                  <a:schemeClr val="bg1">
+                    <a:lumMod val="50000"/>
+                  </a:schemeClr>
+                </a:solidFill>
+              </a:rPr>
+              <a:t>“Helper bot”</a:t>
+            </a:r>
+          </a:p>
+          <a:p>
+            <a:pPr>
+              <a:lnSpc>
+                <a:spcPct val="150000"/>
+              </a:lnSpc>
+            </a:pPr>
+            <a:endParaRPr lang="en-US" altLang="ko-KR" dirty="0">
+              <a:solidFill>
+                <a:srgbClr val="7D9FFD"/>
+              </a:solidFill>
+            </a:endParaRPr>
+          </a:p>
+          <a:p>
+            <a:pPr marL="342900" indent="-342900">
+              <a:lnSpc>
+                <a:spcPct val="150000"/>
+              </a:lnSpc>
+              <a:buFont typeface="Arial" panose="020B0604020202020204" pitchFamily="34" charset="0"/>
+              <a:buChar char="•"/>
+            </a:pPr>
+            <a:r>
+              <a:rPr lang="en-US" altLang="ko-KR" sz="2500" b="1" dirty="0">
+                <a:solidFill>
+                  <a:srgbClr val="7D9FFD"/>
+                </a:solidFill>
+                <a:ea typeface="Cambria" panose="02040503050406030204" pitchFamily="18" charset="0"/>
+                <a:cs typeface="Aldhabi" panose="01000000000000000000" pitchFamily="2" charset="-78"/>
+              </a:rPr>
+              <a:t>Project period</a:t>
+            </a:r>
+          </a:p>
+          <a:p>
+            <a:pPr>
+              <a:lnSpc>
+                <a:spcPct val="150000"/>
+              </a:lnSpc>
+            </a:pPr>
+            <a:r>
+              <a:rPr lang="en-US" altLang="ko-KR" sz="1600" dirty="0">
+                <a:solidFill>
+                  <a:schemeClr val="bg1">
+                    <a:lumMod val="50000"/>
+                  </a:schemeClr>
+                </a:solidFill>
+              </a:rPr>
+              <a:t> - 2022.</a:t>
+            </a:r>
+            <a:r>
+              <a:rPr lang="ko-KR" altLang="en-US" sz="1600" dirty="0">
+                <a:solidFill>
+                  <a:schemeClr val="bg1">
+                    <a:lumMod val="50000"/>
+                  </a:schemeClr>
+                </a:solidFill>
+              </a:rPr>
+              <a:t> </a:t>
+            </a:r>
+            <a:r>
+              <a:rPr lang="en-US" altLang="ko-KR" sz="1600" dirty="0">
+                <a:solidFill>
+                  <a:schemeClr val="bg1">
+                    <a:lumMod val="50000"/>
+                  </a:schemeClr>
+                </a:solidFill>
+              </a:rPr>
+              <a:t>06.</a:t>
+            </a:r>
+            <a:r>
+              <a:rPr lang="ko-KR" altLang="en-US" sz="1600" dirty="0">
+                <a:solidFill>
+                  <a:schemeClr val="bg1">
+                    <a:lumMod val="50000"/>
+                  </a:schemeClr>
+                </a:solidFill>
+              </a:rPr>
+              <a:t> </a:t>
+            </a:r>
+            <a:r>
+              <a:rPr lang="en-US" altLang="ko-KR" sz="1600" dirty="0">
+                <a:solidFill>
+                  <a:schemeClr val="bg1">
+                    <a:lumMod val="50000"/>
+                  </a:schemeClr>
+                </a:solidFill>
+              </a:rPr>
+              <a:t>23(</a:t>
+            </a:r>
+            <a:r>
+              <a:rPr lang="ko-KR" altLang="en-US" sz="1600" dirty="0">
+                <a:solidFill>
+                  <a:schemeClr val="bg1">
+                    <a:lumMod val="50000"/>
+                  </a:schemeClr>
+                </a:solidFill>
+              </a:rPr>
+              <a:t>목</a:t>
+            </a:r>
+            <a:r>
+              <a:rPr lang="en-US" altLang="ko-KR" sz="1600" dirty="0">
+                <a:solidFill>
+                  <a:schemeClr val="bg1">
+                    <a:lumMod val="50000"/>
+                  </a:schemeClr>
+                </a:solidFill>
+              </a:rPr>
+              <a:t>)</a:t>
+            </a:r>
+            <a:r>
+              <a:rPr lang="ko-KR" altLang="en-US" sz="1600" dirty="0">
+                <a:solidFill>
+                  <a:schemeClr val="bg1">
+                    <a:lumMod val="50000"/>
+                  </a:schemeClr>
+                </a:solidFill>
+              </a:rPr>
+              <a:t> </a:t>
+            </a:r>
+            <a:r>
+              <a:rPr lang="en-US" altLang="ko-KR" sz="1600" dirty="0">
+                <a:solidFill>
+                  <a:schemeClr val="bg1">
+                    <a:lumMod val="50000"/>
+                  </a:schemeClr>
+                </a:solidFill>
+              </a:rPr>
+              <a:t>~</a:t>
+            </a:r>
+            <a:r>
+              <a:rPr lang="ko-KR" altLang="en-US" sz="1600" dirty="0">
+                <a:solidFill>
+                  <a:schemeClr val="bg1">
+                    <a:lumMod val="50000"/>
+                  </a:schemeClr>
+                </a:solidFill>
+              </a:rPr>
+              <a:t> </a:t>
+            </a:r>
+            <a:r>
+              <a:rPr lang="en-US" altLang="ko-KR" sz="1600" dirty="0">
+                <a:solidFill>
+                  <a:schemeClr val="bg1">
+                    <a:lumMod val="50000"/>
+                  </a:schemeClr>
+                </a:solidFill>
+              </a:rPr>
+              <a:t>2022.</a:t>
+            </a:r>
+            <a:r>
+              <a:rPr lang="ko-KR" altLang="en-US" sz="1600" dirty="0">
+                <a:solidFill>
+                  <a:schemeClr val="bg1">
+                    <a:lumMod val="50000"/>
+                  </a:schemeClr>
+                </a:solidFill>
+              </a:rPr>
+              <a:t> </a:t>
+            </a:r>
+            <a:r>
+              <a:rPr lang="en-US" altLang="ko-KR" sz="1600" dirty="0">
+                <a:solidFill>
+                  <a:schemeClr val="bg1">
+                    <a:lumMod val="50000"/>
+                  </a:schemeClr>
+                </a:solidFill>
+              </a:rPr>
+              <a:t>09.</a:t>
+            </a:r>
+            <a:r>
+              <a:rPr lang="ko-KR" altLang="en-US" sz="1600" dirty="0">
+                <a:solidFill>
+                  <a:schemeClr val="bg1">
+                    <a:lumMod val="50000"/>
+                  </a:schemeClr>
+                </a:solidFill>
+              </a:rPr>
+              <a:t> </a:t>
+            </a:r>
+            <a:r>
+              <a:rPr lang="en-US" altLang="ko-KR" sz="1600" dirty="0">
+                <a:solidFill>
+                  <a:schemeClr val="bg1">
+                    <a:lumMod val="50000"/>
+                  </a:schemeClr>
+                </a:solidFill>
+              </a:rPr>
+              <a:t>08(</a:t>
+            </a:r>
+            <a:r>
+              <a:rPr lang="ko-KR" altLang="en-US" sz="1600" dirty="0">
+                <a:solidFill>
+                  <a:schemeClr val="bg1">
+                    <a:lumMod val="50000"/>
+                  </a:schemeClr>
+                </a:solidFill>
+              </a:rPr>
+              <a:t>목</a:t>
+            </a:r>
+            <a:r>
+              <a:rPr lang="en-US" altLang="ko-KR" sz="1600" dirty="0">
+                <a:solidFill>
+                  <a:schemeClr val="bg1">
+                    <a:lumMod val="50000"/>
+                  </a:schemeClr>
+                </a:solidFill>
+              </a:rPr>
+              <a:t>)</a:t>
+            </a:r>
+          </a:p>
+          <a:p>
+            <a:pPr>
+              <a:lnSpc>
+                <a:spcPct val="150000"/>
+              </a:lnSpc>
+            </a:pPr>
+            <a:endParaRPr lang="en-US" altLang="ko-KR" b="1" dirty="0">
+              <a:solidFill>
+                <a:srgbClr val="7D9FFD"/>
+              </a:solidFill>
+            </a:endParaRPr>
+          </a:p>
+          <a:p>
+            <a:pPr marL="285750" indent="-285750">
+              <a:lnSpc>
+                <a:spcPct val="150000"/>
+              </a:lnSpc>
+              <a:buFont typeface="Arial" panose="020B0604020202020204" pitchFamily="34" charset="0"/>
+              <a:buChar char="•"/>
+            </a:pPr>
+            <a:r>
+              <a:rPr lang="en-US" altLang="ko-KR" sz="2500" b="1" dirty="0">
+                <a:solidFill>
+                  <a:srgbClr val="7D9FFD"/>
+                </a:solidFill>
+              </a:rPr>
+              <a:t>Project</a:t>
+            </a:r>
+            <a:r>
+              <a:rPr lang="ko-KR" altLang="en-US" sz="2500" b="1" dirty="0">
+                <a:solidFill>
+                  <a:srgbClr val="7D9FFD"/>
+                </a:solidFill>
+              </a:rPr>
+              <a:t> </a:t>
+            </a:r>
+            <a:r>
+              <a:rPr lang="en-US" altLang="ko-KR" sz="2500" b="1" dirty="0">
+                <a:solidFill>
+                  <a:srgbClr val="7D9FFD"/>
+                </a:solidFill>
+              </a:rPr>
+              <a:t>purpose</a:t>
+            </a:r>
+          </a:p>
+          <a:p>
+            <a:pPr>
+              <a:lnSpc>
+                <a:spcPct val="150000"/>
+              </a:lnSpc>
+            </a:pPr>
+            <a:r>
+              <a:rPr lang="en-US" altLang="ko-KR" sz="1600" dirty="0">
+                <a:solidFill>
+                  <a:schemeClr val="bg1">
+                    <a:lumMod val="50000"/>
+                  </a:schemeClr>
+                </a:solidFill>
+              </a:rPr>
+              <a:t>  - </a:t>
+            </a:r>
+            <a:r>
+              <a:rPr lang="ko-KR" altLang="en-US" sz="1600" dirty="0">
+                <a:solidFill>
+                  <a:schemeClr val="bg1">
+                    <a:lumMod val="50000"/>
+                  </a:schemeClr>
+                </a:solidFill>
+              </a:rPr>
+              <a:t>응급 및 재난 상황 발생 시 패닉과 시야 확보가 어려워 응급 조치와 초기 대응을 하지 못하고</a:t>
+            </a:r>
+            <a:r>
+              <a:rPr lang="en-US" altLang="ko-KR" sz="1600" dirty="0">
+                <a:solidFill>
+                  <a:schemeClr val="bg1">
+                    <a:lumMod val="50000"/>
+                  </a:schemeClr>
+                </a:solidFill>
+              </a:rPr>
+              <a:t>, </a:t>
+            </a:r>
+            <a:r>
+              <a:rPr lang="ko-KR" altLang="en-US" sz="1600" dirty="0">
+                <a:solidFill>
+                  <a:schemeClr val="bg1">
+                    <a:lumMod val="50000"/>
+                  </a:schemeClr>
+                </a:solidFill>
+              </a:rPr>
+              <a:t>그로 인해</a:t>
+            </a:r>
+            <a:endParaRPr lang="en-US" altLang="ko-KR" sz="1600" dirty="0">
+              <a:solidFill>
+                <a:schemeClr val="bg1">
+                  <a:lumMod val="50000"/>
+                </a:schemeClr>
+              </a:solidFill>
+            </a:endParaRPr>
+          </a:p>
+          <a:p>
+            <a:pPr>
+              <a:lnSpc>
+                <a:spcPct val="150000"/>
+              </a:lnSpc>
+            </a:pPr>
+            <a:r>
+              <a:rPr lang="ko-KR" altLang="en-US" sz="1600" dirty="0">
+                <a:solidFill>
+                  <a:schemeClr val="bg1">
+                    <a:lumMod val="50000"/>
+                  </a:schemeClr>
+                </a:solidFill>
+              </a:rPr>
+              <a:t> 발생하는 안타까운 상황을 줄이고자 디스플레이를 통해 응급 처치 및 초동 조치 매뉴얼을 띄어 주고</a:t>
+            </a:r>
+            <a:endParaRPr lang="en-US" altLang="ko-KR" sz="1600" dirty="0">
+              <a:solidFill>
+                <a:schemeClr val="bg1">
+                  <a:lumMod val="50000"/>
+                </a:schemeClr>
+              </a:solidFill>
+            </a:endParaRPr>
+          </a:p>
+          <a:p>
+            <a:pPr>
+              <a:lnSpc>
+                <a:spcPct val="150000"/>
+              </a:lnSpc>
+            </a:pPr>
+            <a:r>
+              <a:rPr lang="en-US" altLang="ko-KR" sz="1600" dirty="0">
+                <a:solidFill>
+                  <a:schemeClr val="bg1">
+                    <a:lumMod val="50000"/>
+                  </a:schemeClr>
+                </a:solidFill>
+              </a:rPr>
+              <a:t> helper bot</a:t>
+            </a:r>
+            <a:r>
+              <a:rPr lang="ko-KR" altLang="en-US" sz="1600" dirty="0">
+                <a:solidFill>
+                  <a:schemeClr val="bg1">
+                    <a:lumMod val="50000"/>
+                  </a:schemeClr>
+                </a:solidFill>
+              </a:rPr>
+              <a:t>을 통하여 사람들을 탈출구까지  안전하게 이동할 수 있도록 </a:t>
+            </a:r>
+            <a:r>
+              <a:rPr lang="ko-KR" altLang="en-US" sz="1600" dirty="0" err="1">
+                <a:solidFill>
+                  <a:schemeClr val="bg1">
+                    <a:lumMod val="50000"/>
+                  </a:schemeClr>
+                </a:solidFill>
+              </a:rPr>
+              <a:t>도와줌</a:t>
+            </a:r>
+            <a:r>
+              <a:rPr lang="en-US" altLang="ko-KR" sz="1600" dirty="0">
+                <a:solidFill>
+                  <a:schemeClr val="bg1">
+                    <a:lumMod val="50000"/>
+                  </a:schemeClr>
+                </a:solidFill>
+              </a:rPr>
+              <a:t>.</a:t>
+            </a:r>
+          </a:p>
+        </p:txBody>
+      </p:sp>
+      <p:cxnSp>
+        <p:nvCxnSpPr>
+          <p:cNvPr id="8" name="직선 연결선 7">
+            <a:extLst>
+              <a:ext uri="{FF2B5EF4-FFF2-40B4-BE49-F238E27FC236}">
+                <a16:creationId xmlns:a16="http://schemas.microsoft.com/office/drawing/2014/main" id="{4E09D352-0290-E016-F5E8-13E40E18819F}"/>
+              </a:ext>
+            </a:extLst>
+          </p:cNvPr>
+          <p:cNvCxnSpPr/>
+          <p:nvPr/>
+        </p:nvCxnSpPr>
+        <p:spPr>
+          <a:xfrm>
+            <a:off x="242887" y="1061799"/>
+            <a:ext cx="10058400" cy="0"/>
+          </a:xfrm>
+          <a:prstGeom prst="line">
+            <a:avLst/>
+          </a:prstGeom>
+          <a:ln w="19050">
+            <a:solidFill>
+              <a:srgbClr val="7D9FFD"/>
+            </a:solidFill>
+          </a:ln>
+        </p:spPr>
+        <p:style>
+          <a:lnRef idx="1">
+            <a:schemeClr val="accent1"/>
+          </a:lnRef>
+          <a:fillRef idx="0">
+            <a:schemeClr val="accent1"/>
+          </a:fillRef>
+          <a:effectRef idx="0">
+            <a:schemeClr val="accent1"/>
+          </a:effectRef>
+          <a:fontRef idx="minor">
+            <a:schemeClr val="tx1"/>
+          </a:fontRef>
+        </p:style>
+      </p:cxnSp>
+    </p:spTree>
+    <p:extLst>
+      <p:ext uri="{BB962C8B-B14F-4D97-AF65-F5344CB8AC3E}">
+        <p14:creationId xmlns:p14="http://schemas.microsoft.com/office/powerpoint/2010/main" val="4027180176"/>
+      </p:ext>
+    </p:extLst>
+  </p:cSld>
+  <p:clrMapOvr>
+    <a:masterClrMapping/>
+  </p:clrMapOvr>
+</p:sld>
+</file>
+
+<file path=ppt/slides/slide5.xml><?xml version="1.0" encoding="utf-8"?>
+<p:sld xmlns:a="http://schemas.openxmlformats.org/drawingml/2006/main" xmlns:r="http://schemas.openxmlformats.org/officeDocument/2006/relationships" xmlns:p="http://schemas.openxmlformats.org/presentationml/2006/main">
+  <p:cSld>
+    <p:spTree>
+      <p:nvGrpSpPr>
+        <p:cNvPr id="1" name=""/>
+        <p:cNvGrpSpPr/>
+        <p:nvPr/>
+      </p:nvGrpSpPr>
+      <p:grpSpPr>
+        <a:xfrm>
+          <a:off x="0" y="0"/>
+          <a:ext cx="0" cy="0"/>
+          <a:chOff x="0" y="0"/>
+          <a:chExt cx="0" cy="0"/>
+        </a:xfrm>
+      </p:grpSpPr>
+      <p:pic>
+        <p:nvPicPr>
+          <p:cNvPr id="9" name="그림 8">
+            <a:extLst>
+              <a:ext uri="{FF2B5EF4-FFF2-40B4-BE49-F238E27FC236}">
+                <a16:creationId xmlns:a16="http://schemas.microsoft.com/office/drawing/2014/main" id="{10219886-2D59-9496-269E-48A43C9A6468}"/>
+              </a:ext>
+            </a:extLst>
+          </p:cNvPr>
+          <p:cNvPicPr>
+            <a:picLocks noChangeAspect="1"/>
+          </p:cNvPicPr>
+          <p:nvPr/>
+        </p:nvPicPr>
+        <p:blipFill>
+          <a:blip r:embed="rId2"/>
+          <a:stretch>
+            <a:fillRect/>
+          </a:stretch>
+        </p:blipFill>
+        <p:spPr>
+          <a:xfrm>
+            <a:off x="937576" y="1800225"/>
+            <a:ext cx="8553450" cy="3905249"/>
+          </a:xfrm>
+          <a:prstGeom prst="rect">
+            <a:avLst/>
+          </a:prstGeom>
+        </p:spPr>
+      </p:pic>
+      <p:pic>
+        <p:nvPicPr>
+          <p:cNvPr id="5" name="그림 4">
+            <a:extLst>
+              <a:ext uri="{FF2B5EF4-FFF2-40B4-BE49-F238E27FC236}">
+                <a16:creationId xmlns:a16="http://schemas.microsoft.com/office/drawing/2014/main" id="{11BD350D-4A14-5693-8445-4B759AFDF829}"/>
+              </a:ext>
+            </a:extLst>
+          </p:cNvPr>
+          <p:cNvPicPr>
+            <a:picLocks noChangeAspect="1"/>
+          </p:cNvPicPr>
+          <p:nvPr/>
+        </p:nvPicPr>
+        <p:blipFill>
+          <a:blip r:embed="rId3"/>
+          <a:stretch>
+            <a:fillRect/>
+          </a:stretch>
+        </p:blipFill>
+        <p:spPr>
+          <a:xfrm>
+            <a:off x="852487" y="1914525"/>
+            <a:ext cx="8553450" cy="571500"/>
+          </a:xfrm>
+          <a:prstGeom prst="rect">
+            <a:avLst/>
+          </a:prstGeom>
+        </p:spPr>
+      </p:pic>
+      <p:grpSp>
+        <p:nvGrpSpPr>
+          <p:cNvPr id="1002" name="그룹 1002"/>
+          <p:cNvGrpSpPr/>
+          <p:nvPr/>
+        </p:nvGrpSpPr>
+        <p:grpSpPr>
+          <a:xfrm>
+            <a:off x="545052" y="1266825"/>
+            <a:ext cx="45719" cy="5822234"/>
+            <a:chOff x="3180972" y="785539"/>
+            <a:chExt cx="45165" cy="4256350"/>
+          </a:xfrm>
+        </p:grpSpPr>
+        <p:pic>
+          <p:nvPicPr>
+            <p:cNvPr id="7" name="Object 6"/>
+            <p:cNvPicPr>
+              <a:picLocks noChangeAspect="1"/>
+            </p:cNvPicPr>
+            <p:nvPr/>
+          </p:nvPicPr>
+          <p:blipFill>
+            <a:blip r:embed="rId4" cstate="print"/>
+            <a:stretch>
+              <a:fillRect/>
+            </a:stretch>
+          </p:blipFill>
+          <p:spPr>
+            <a:xfrm rot="16200000">
+              <a:off x="1075380" y="2891131"/>
+              <a:ext cx="4256350" cy="45165"/>
+            </a:xfrm>
+            <a:prstGeom prst="rect">
+              <a:avLst/>
+            </a:prstGeom>
+          </p:spPr>
+        </p:pic>
+      </p:grpSp>
+      <p:sp>
+        <p:nvSpPr>
+          <p:cNvPr id="2" name="TextBox 1">
+            <a:extLst>
+              <a:ext uri="{FF2B5EF4-FFF2-40B4-BE49-F238E27FC236}">
+                <a16:creationId xmlns:a16="http://schemas.microsoft.com/office/drawing/2014/main" id="{BAC651EF-B1AA-85ED-91A4-413C2122BA8B}"/>
+              </a:ext>
+            </a:extLst>
+          </p:cNvPr>
+          <p:cNvSpPr txBox="1"/>
+          <p:nvPr/>
+        </p:nvSpPr>
+        <p:spPr>
+          <a:xfrm>
+            <a:off x="395287" y="200025"/>
+            <a:ext cx="5750420" cy="861774"/>
+          </a:xfrm>
+          <a:prstGeom prst="rect">
+            <a:avLst/>
+          </a:prstGeom>
+          <a:noFill/>
+        </p:spPr>
+        <p:txBody>
+          <a:bodyPr wrap="none" rtlCol="0">
+            <a:spAutoFit/>
+          </a:bodyPr>
+          <a:lstStyle/>
+          <a:p>
+            <a:r>
+              <a:rPr lang="en-US" altLang="ko-KR" sz="5000" dirty="0">
+                <a:solidFill>
+                  <a:srgbClr val="7D9FFD"/>
+                </a:solidFill>
+                <a:latin typeface="+mj-lt"/>
+              </a:rPr>
+              <a:t>PROJECT OUTLINE (2)</a:t>
+            </a:r>
+            <a:endParaRPr lang="ko-KR" altLang="en-US" sz="5000" dirty="0">
+              <a:solidFill>
+                <a:srgbClr val="7D9FFD"/>
+              </a:solidFill>
+              <a:latin typeface="+mj-lt"/>
+            </a:endParaRPr>
+          </a:p>
+        </p:txBody>
+      </p:sp>
+      <p:cxnSp>
+        <p:nvCxnSpPr>
+          <p:cNvPr id="8" name="직선 연결선 7">
+            <a:extLst>
+              <a:ext uri="{FF2B5EF4-FFF2-40B4-BE49-F238E27FC236}">
+                <a16:creationId xmlns:a16="http://schemas.microsoft.com/office/drawing/2014/main" id="{4E09D352-0290-E016-F5E8-13E40E18819F}"/>
+              </a:ext>
+            </a:extLst>
+          </p:cNvPr>
+          <p:cNvCxnSpPr/>
+          <p:nvPr/>
+        </p:nvCxnSpPr>
+        <p:spPr>
+          <a:xfrm>
+            <a:off x="242887" y="1061799"/>
+            <a:ext cx="10058400" cy="0"/>
+          </a:xfrm>
+          <a:prstGeom prst="line">
+            <a:avLst/>
+          </a:prstGeom>
+          <a:ln w="19050">
+            <a:solidFill>
+              <a:srgbClr val="7D9FFD"/>
+            </a:solidFill>
+          </a:ln>
+        </p:spPr>
+        <p:style>
+          <a:lnRef idx="1">
+            <a:schemeClr val="accent1"/>
+          </a:lnRef>
+          <a:fillRef idx="0">
+            <a:schemeClr val="accent1"/>
+          </a:fillRef>
+          <a:effectRef idx="0">
+            <a:schemeClr val="accent1"/>
+          </a:effectRef>
+          <a:fontRef idx="minor">
+            <a:schemeClr val="tx1"/>
+          </a:fontRef>
+        </p:style>
+      </p:cxnSp>
+      <p:pic>
+        <p:nvPicPr>
+          <p:cNvPr id="11" name="그림 10">
+            <a:extLst>
+              <a:ext uri="{FF2B5EF4-FFF2-40B4-BE49-F238E27FC236}">
+                <a16:creationId xmlns:a16="http://schemas.microsoft.com/office/drawing/2014/main" id="{82B8F688-73C0-4F7A-4619-44B1B7098343}"/>
+              </a:ext>
+            </a:extLst>
+          </p:cNvPr>
+          <p:cNvPicPr>
+            <a:picLocks noChangeAspect="1"/>
+          </p:cNvPicPr>
+          <p:nvPr/>
+        </p:nvPicPr>
+        <p:blipFill>
+          <a:blip r:embed="rId5"/>
+          <a:stretch>
+            <a:fillRect/>
+          </a:stretch>
+        </p:blipFill>
+        <p:spPr>
+          <a:xfrm>
+            <a:off x="941352" y="5534025"/>
+            <a:ext cx="8549673" cy="1644847"/>
+          </a:xfrm>
+          <a:prstGeom prst="rect">
+            <a:avLst/>
+          </a:prstGeom>
+        </p:spPr>
+      </p:pic>
+      <p:sp>
+        <p:nvSpPr>
+          <p:cNvPr id="12" name="TextBox 11">
+            <a:extLst>
+              <a:ext uri="{FF2B5EF4-FFF2-40B4-BE49-F238E27FC236}">
+                <a16:creationId xmlns:a16="http://schemas.microsoft.com/office/drawing/2014/main" id="{877DF6AB-23B5-4FB5-8CDF-C26D5ACA5D48}"/>
+              </a:ext>
+            </a:extLst>
+          </p:cNvPr>
+          <p:cNvSpPr txBox="1"/>
+          <p:nvPr/>
+        </p:nvSpPr>
+        <p:spPr>
+          <a:xfrm>
+            <a:off x="0" y="7255073"/>
+            <a:ext cx="6348789" cy="307777"/>
+          </a:xfrm>
+          <a:prstGeom prst="rect">
+            <a:avLst/>
+          </a:prstGeom>
+          <a:noFill/>
+        </p:spPr>
+        <p:txBody>
+          <a:bodyPr wrap="none" rtlCol="0">
+            <a:spAutoFit/>
+          </a:bodyPr>
+          <a:lstStyle/>
+          <a:p>
+            <a:r>
+              <a:rPr lang="en-US" altLang="ko-KR" sz="1400" dirty="0"/>
+              <a:t>※ </a:t>
+            </a:r>
+            <a:r>
+              <a:rPr lang="ko-KR" altLang="en-US" sz="1400" dirty="0"/>
+              <a:t>출처 </a:t>
+            </a:r>
+            <a:r>
+              <a:rPr lang="en-US" altLang="ko-KR" sz="1400" dirty="0"/>
+              <a:t>: </a:t>
+            </a:r>
+            <a:r>
+              <a:rPr lang="en-US" altLang="ko-KR" sz="1400" dirty="0">
+                <a:hlinkClick r:id="rId6"/>
+              </a:rPr>
+              <a:t>https://www.donga.com/news/Economy/article/all/20171031/87033751/1</a:t>
+            </a:r>
+            <a:endParaRPr lang="ko-KR" altLang="en-US" sz="1400" dirty="0"/>
+          </a:p>
+        </p:txBody>
+      </p:sp>
+      <p:sp>
+        <p:nvSpPr>
+          <p:cNvPr id="4" name="TextBox 3">
+            <a:extLst>
+              <a:ext uri="{FF2B5EF4-FFF2-40B4-BE49-F238E27FC236}">
+                <a16:creationId xmlns:a16="http://schemas.microsoft.com/office/drawing/2014/main" id="{29CCE29E-C2D8-7BA6-E4A0-FA55920AF409}"/>
+              </a:ext>
+            </a:extLst>
+          </p:cNvPr>
+          <p:cNvSpPr txBox="1"/>
+          <p:nvPr/>
+        </p:nvSpPr>
+        <p:spPr>
+          <a:xfrm>
+            <a:off x="715680" y="1317450"/>
+            <a:ext cx="2707921" cy="609782"/>
+          </a:xfrm>
+          <a:prstGeom prst="rect">
+            <a:avLst/>
+          </a:prstGeom>
+          <a:noFill/>
+        </p:spPr>
+        <p:txBody>
+          <a:bodyPr wrap="none" rtlCol="0">
+            <a:spAutoFit/>
+          </a:bodyPr>
+          <a:lstStyle/>
+          <a:p>
+            <a:pPr marL="342900" indent="-342900">
+              <a:lnSpc>
+                <a:spcPct val="150000"/>
+              </a:lnSpc>
+              <a:buFont typeface="Arial" panose="020B0604020202020204" pitchFamily="34" charset="0"/>
+              <a:buChar char="•"/>
+            </a:pPr>
+            <a:r>
+              <a:rPr lang="en-US" altLang="ko-KR" sz="2500" b="1" dirty="0">
+                <a:solidFill>
+                  <a:srgbClr val="7D9FFD"/>
+                </a:solidFill>
+                <a:ea typeface="Cambria" panose="02040503050406030204" pitchFamily="18" charset="0"/>
+                <a:cs typeface="Aldhabi" panose="01000000000000000000" pitchFamily="2" charset="-78"/>
+              </a:rPr>
+              <a:t>Market</a:t>
+            </a:r>
+            <a:r>
+              <a:rPr lang="ko-KR" altLang="en-US" sz="2500" b="1" dirty="0">
+                <a:solidFill>
+                  <a:srgbClr val="7D9FFD"/>
+                </a:solidFill>
+                <a:ea typeface="Cambria" panose="02040503050406030204" pitchFamily="18" charset="0"/>
+                <a:cs typeface="Aldhabi" panose="01000000000000000000" pitchFamily="2" charset="-78"/>
+              </a:rPr>
+              <a:t> </a:t>
+            </a:r>
+            <a:r>
+              <a:rPr lang="en-US" altLang="ko-KR" sz="2500" b="1" dirty="0">
+                <a:solidFill>
+                  <a:srgbClr val="7D9FFD"/>
+                </a:solidFill>
+                <a:ea typeface="Cambria" panose="02040503050406030204" pitchFamily="18" charset="0"/>
+                <a:cs typeface="Aldhabi" panose="01000000000000000000" pitchFamily="2" charset="-78"/>
+              </a:rPr>
+              <a:t>research</a:t>
+            </a:r>
+            <a:endParaRPr lang="en-US" altLang="ko-KR" sz="1600" dirty="0">
+              <a:solidFill>
+                <a:srgbClr val="919191"/>
+              </a:solidFill>
+            </a:endParaRPr>
+          </a:p>
+        </p:txBody>
+      </p:sp>
+    </p:spTree>
+    <p:extLst>
+      <p:ext uri="{BB962C8B-B14F-4D97-AF65-F5344CB8AC3E}">
+        <p14:creationId xmlns:p14="http://schemas.microsoft.com/office/powerpoint/2010/main" val="3292291973"/>
+      </p:ext>
+    </p:extLst>
+  </p:cSld>
+  <p:clrMapOvr>
+    <a:masterClrMapping/>
+  </p:clrMapOvr>
+</p:sld>
+</file>
+
+<file path=ppt/slides/slide6.xml><?xml version="1.0" encoding="utf-8"?>
+<p:sld xmlns:a="http://schemas.openxmlformats.org/drawingml/2006/main" xmlns:r="http://schemas.openxmlformats.org/officeDocument/2006/relationships" xmlns:p="http://schemas.openxmlformats.org/presentationml/2006/main">
+  <p:cSld>
+    <p:spTree>
+      <p:nvGrpSpPr>
+        <p:cNvPr id="1" name=""/>
+        <p:cNvGrpSpPr/>
+        <p:nvPr/>
+      </p:nvGrpSpPr>
+      <p:grpSpPr>
+        <a:xfrm>
+          <a:off x="0" y="0"/>
+          <a:ext cx="0" cy="0"/>
+          <a:chOff x="0" y="0"/>
+          <a:chExt cx="0" cy="0"/>
+        </a:xfrm>
+      </p:grpSpPr>
+      <p:grpSp>
+        <p:nvGrpSpPr>
+          <p:cNvPr id="1002" name="그룹 1002"/>
+          <p:cNvGrpSpPr/>
+          <p:nvPr/>
+        </p:nvGrpSpPr>
+        <p:grpSpPr>
+          <a:xfrm>
+            <a:off x="545052" y="1266825"/>
+            <a:ext cx="45719" cy="5822234"/>
+            <a:chOff x="3180972" y="785539"/>
+            <a:chExt cx="45165" cy="4256350"/>
+          </a:xfrm>
+        </p:grpSpPr>
+        <p:pic>
+          <p:nvPicPr>
+            <p:cNvPr id="7" name="Object 6"/>
+            <p:cNvPicPr>
+              <a:picLocks noChangeAspect="1"/>
+            </p:cNvPicPr>
+            <p:nvPr/>
+          </p:nvPicPr>
+          <p:blipFill>
+            <a:blip r:embed="rId2" cstate="print"/>
+            <a:stretch>
+              <a:fillRect/>
+            </a:stretch>
+          </p:blipFill>
+          <p:spPr>
+            <a:xfrm rot="16200000">
+              <a:off x="1075380" y="2891131"/>
+              <a:ext cx="4256350" cy="45165"/>
+            </a:xfrm>
+            <a:prstGeom prst="rect">
+              <a:avLst/>
+            </a:prstGeom>
+          </p:spPr>
+        </p:pic>
+      </p:grpSp>
+      <p:sp>
+        <p:nvSpPr>
+          <p:cNvPr id="2" name="TextBox 1">
+            <a:extLst>
+              <a:ext uri="{FF2B5EF4-FFF2-40B4-BE49-F238E27FC236}">
+                <a16:creationId xmlns:a16="http://schemas.microsoft.com/office/drawing/2014/main" id="{BAC651EF-B1AA-85ED-91A4-413C2122BA8B}"/>
+              </a:ext>
+            </a:extLst>
+          </p:cNvPr>
+          <p:cNvSpPr txBox="1"/>
+          <p:nvPr/>
+        </p:nvSpPr>
+        <p:spPr>
+          <a:xfrm>
+            <a:off x="395287" y="200025"/>
+            <a:ext cx="5750420" cy="861774"/>
+          </a:xfrm>
+          <a:prstGeom prst="rect">
+            <a:avLst/>
+          </a:prstGeom>
+          <a:noFill/>
+        </p:spPr>
+        <p:txBody>
+          <a:bodyPr wrap="none" rtlCol="0">
+            <a:spAutoFit/>
+          </a:bodyPr>
+          <a:lstStyle/>
+          <a:p>
+            <a:r>
+              <a:rPr lang="en-US" altLang="ko-KR" sz="5000" dirty="0">
+                <a:solidFill>
+                  <a:srgbClr val="7D9FFD"/>
+                </a:solidFill>
+                <a:latin typeface="+mj-lt"/>
+              </a:rPr>
+              <a:t>PROJECT OUTLINE (3)</a:t>
+            </a:r>
+            <a:endParaRPr lang="ko-KR" altLang="en-US" sz="5000" dirty="0">
+              <a:solidFill>
+                <a:srgbClr val="7D9FFD"/>
+              </a:solidFill>
+              <a:latin typeface="+mj-lt"/>
+            </a:endParaRPr>
+          </a:p>
+        </p:txBody>
+      </p:sp>
+      <p:sp>
+        <p:nvSpPr>
+          <p:cNvPr id="4" name="TextBox 3">
+            <a:extLst>
+              <a:ext uri="{FF2B5EF4-FFF2-40B4-BE49-F238E27FC236}">
+                <a16:creationId xmlns:a16="http://schemas.microsoft.com/office/drawing/2014/main" id="{29CCE29E-C2D8-7BA6-E4A0-FA55920AF409}"/>
+              </a:ext>
+            </a:extLst>
+          </p:cNvPr>
+          <p:cNvSpPr txBox="1"/>
+          <p:nvPr/>
+        </p:nvSpPr>
+        <p:spPr>
+          <a:xfrm>
+            <a:off x="715680" y="1317450"/>
+            <a:ext cx="3196644" cy="609782"/>
+          </a:xfrm>
+          <a:prstGeom prst="rect">
+            <a:avLst/>
+          </a:prstGeom>
+          <a:noFill/>
+        </p:spPr>
+        <p:txBody>
+          <a:bodyPr wrap="none" rtlCol="0">
+            <a:spAutoFit/>
+          </a:bodyPr>
+          <a:lstStyle/>
+          <a:p>
+            <a:pPr marL="342900" indent="-342900">
+              <a:lnSpc>
+                <a:spcPct val="150000"/>
+              </a:lnSpc>
+              <a:buFont typeface="Arial" panose="020B0604020202020204" pitchFamily="34" charset="0"/>
+              <a:buChar char="•"/>
+            </a:pPr>
+            <a:r>
+              <a:rPr lang="en-US" altLang="ko-KR" sz="2500" b="1" dirty="0">
+                <a:solidFill>
+                  <a:srgbClr val="7D9FFD"/>
+                </a:solidFill>
+                <a:ea typeface="Cambria" panose="02040503050406030204" pitchFamily="18" charset="0"/>
+                <a:cs typeface="Aldhabi" panose="01000000000000000000" pitchFamily="2" charset="-78"/>
+              </a:rPr>
+              <a:t>Expected outcomes </a:t>
+            </a:r>
+            <a:endParaRPr lang="en-US" altLang="ko-KR" sz="1600" dirty="0">
+              <a:solidFill>
+                <a:srgbClr val="919191"/>
+              </a:solidFill>
+            </a:endParaRPr>
+          </a:p>
+        </p:txBody>
+      </p:sp>
+      <p:cxnSp>
+        <p:nvCxnSpPr>
+          <p:cNvPr id="8" name="직선 연결선 7">
+            <a:extLst>
+              <a:ext uri="{FF2B5EF4-FFF2-40B4-BE49-F238E27FC236}">
+                <a16:creationId xmlns:a16="http://schemas.microsoft.com/office/drawing/2014/main" id="{4E09D352-0290-E016-F5E8-13E40E18819F}"/>
+              </a:ext>
+            </a:extLst>
+          </p:cNvPr>
+          <p:cNvCxnSpPr/>
+          <p:nvPr/>
+        </p:nvCxnSpPr>
+        <p:spPr>
+          <a:xfrm>
+            <a:off x="242887" y="1061799"/>
+            <a:ext cx="10058400" cy="0"/>
+          </a:xfrm>
+          <a:prstGeom prst="line">
+            <a:avLst/>
+          </a:prstGeom>
+          <a:ln w="19050">
+            <a:solidFill>
+              <a:srgbClr val="7D9FFD"/>
+            </a:solidFill>
+          </a:ln>
+        </p:spPr>
+        <p:style>
+          <a:lnRef idx="1">
+            <a:schemeClr val="accent1"/>
+          </a:lnRef>
+          <a:fillRef idx="0">
+            <a:schemeClr val="accent1"/>
+          </a:fillRef>
+          <a:effectRef idx="0">
+            <a:schemeClr val="accent1"/>
+          </a:effectRef>
+          <a:fontRef idx="minor">
+            <a:schemeClr val="tx1"/>
+          </a:fontRef>
+        </p:style>
+      </p:cxnSp>
+      <p:pic>
+        <p:nvPicPr>
+          <p:cNvPr id="6" name="그림 5">
+            <a:extLst>
+              <a:ext uri="{FF2B5EF4-FFF2-40B4-BE49-F238E27FC236}">
+                <a16:creationId xmlns:a16="http://schemas.microsoft.com/office/drawing/2014/main" id="{79E4BF55-4CB8-2337-8431-F95E336AA4E8}"/>
+              </a:ext>
+            </a:extLst>
+          </p:cNvPr>
+          <p:cNvPicPr>
+            <a:picLocks noChangeAspect="1"/>
+          </p:cNvPicPr>
+          <p:nvPr/>
+        </p:nvPicPr>
+        <p:blipFill>
+          <a:blip r:embed="rId3"/>
+          <a:stretch>
+            <a:fillRect/>
+          </a:stretch>
+        </p:blipFill>
+        <p:spPr>
+          <a:xfrm>
+            <a:off x="1385887" y="2028825"/>
+            <a:ext cx="7772400" cy="590550"/>
+          </a:xfrm>
+          <a:prstGeom prst="rect">
+            <a:avLst/>
+          </a:prstGeom>
+        </p:spPr>
+      </p:pic>
+      <p:pic>
+        <p:nvPicPr>
+          <p:cNvPr id="12" name="그림 11">
+            <a:extLst>
+              <a:ext uri="{FF2B5EF4-FFF2-40B4-BE49-F238E27FC236}">
+                <a16:creationId xmlns:a16="http://schemas.microsoft.com/office/drawing/2014/main" id="{0A87F423-69B8-3ADA-4639-33867DA47097}"/>
+              </a:ext>
+            </a:extLst>
+          </p:cNvPr>
+          <p:cNvPicPr>
+            <a:picLocks noChangeAspect="1"/>
+          </p:cNvPicPr>
+          <p:nvPr/>
+        </p:nvPicPr>
+        <p:blipFill>
+          <a:blip r:embed="rId4"/>
+          <a:stretch>
+            <a:fillRect/>
+          </a:stretch>
+        </p:blipFill>
+        <p:spPr>
+          <a:xfrm>
+            <a:off x="2928937" y="2619375"/>
+            <a:ext cx="4838700" cy="428625"/>
+          </a:xfrm>
+          <a:prstGeom prst="rect">
+            <a:avLst/>
+          </a:prstGeom>
+        </p:spPr>
+      </p:pic>
+      <p:pic>
+        <p:nvPicPr>
+          <p:cNvPr id="14" name="그림 13">
+            <a:extLst>
+              <a:ext uri="{FF2B5EF4-FFF2-40B4-BE49-F238E27FC236}">
+                <a16:creationId xmlns:a16="http://schemas.microsoft.com/office/drawing/2014/main" id="{81779E7D-D741-4E83-EA1A-8E44EE88B901}"/>
+              </a:ext>
+            </a:extLst>
+          </p:cNvPr>
+          <p:cNvPicPr>
+            <a:picLocks noChangeAspect="1"/>
+          </p:cNvPicPr>
+          <p:nvPr/>
+        </p:nvPicPr>
+        <p:blipFill>
+          <a:blip r:embed="rId5"/>
+          <a:stretch>
+            <a:fillRect/>
+          </a:stretch>
+        </p:blipFill>
+        <p:spPr>
+          <a:xfrm>
+            <a:off x="1004887" y="3176588"/>
+            <a:ext cx="5562600" cy="3533775"/>
+          </a:xfrm>
+          <a:prstGeom prst="rect">
+            <a:avLst/>
+          </a:prstGeom>
+        </p:spPr>
+      </p:pic>
+      <p:sp>
+        <p:nvSpPr>
+          <p:cNvPr id="15" name="TextBox 14">
+            <a:extLst>
+              <a:ext uri="{FF2B5EF4-FFF2-40B4-BE49-F238E27FC236}">
+                <a16:creationId xmlns:a16="http://schemas.microsoft.com/office/drawing/2014/main" id="{DC49D676-0256-DD2C-5ADB-2A29EAFE8466}"/>
+              </a:ext>
+            </a:extLst>
+          </p:cNvPr>
+          <p:cNvSpPr txBox="1"/>
+          <p:nvPr/>
+        </p:nvSpPr>
+        <p:spPr>
+          <a:xfrm>
+            <a:off x="6334483" y="3781425"/>
+            <a:ext cx="4362092" cy="2268121"/>
+          </a:xfrm>
+          <a:prstGeom prst="rect">
+            <a:avLst/>
+          </a:prstGeom>
+          <a:noFill/>
+        </p:spPr>
+        <p:txBody>
+          <a:bodyPr wrap="none" rtlCol="0">
+            <a:spAutoFit/>
+          </a:bodyPr>
+          <a:lstStyle/>
+          <a:p>
+            <a:pPr>
+              <a:lnSpc>
+                <a:spcPct val="150000"/>
+              </a:lnSpc>
+            </a:pPr>
+            <a:r>
+              <a:rPr lang="ko-KR" altLang="en-US" sz="1600" dirty="0">
+                <a:solidFill>
+                  <a:schemeClr val="tx1">
+                    <a:lumMod val="50000"/>
+                    <a:lumOff val="50000"/>
+                  </a:schemeClr>
+                </a:solidFill>
+              </a:rPr>
+              <a:t> </a:t>
+            </a:r>
+            <a:r>
+              <a:rPr lang="en-US" altLang="ko-KR" sz="1600" dirty="0">
+                <a:solidFill>
+                  <a:schemeClr val="tx1">
+                    <a:lumMod val="50000"/>
+                    <a:lumOff val="50000"/>
+                  </a:schemeClr>
+                </a:solidFill>
+              </a:rPr>
+              <a:t>“</a:t>
+            </a:r>
+            <a:r>
+              <a:rPr lang="ko-KR" altLang="en-US" sz="1600" dirty="0">
+                <a:solidFill>
+                  <a:schemeClr val="tx1">
+                    <a:lumMod val="50000"/>
+                    <a:lumOff val="50000"/>
+                  </a:schemeClr>
+                </a:solidFill>
+              </a:rPr>
+              <a:t>빠르게 성장하는 로봇 시장에 맞추어</a:t>
+            </a:r>
+            <a:endParaRPr lang="en-US" altLang="ko-KR" sz="1600" dirty="0">
+              <a:solidFill>
+                <a:schemeClr val="tx1">
+                  <a:lumMod val="50000"/>
+                  <a:lumOff val="50000"/>
+                </a:schemeClr>
+              </a:solidFill>
+            </a:endParaRPr>
+          </a:p>
+          <a:p>
+            <a:pPr>
+              <a:lnSpc>
+                <a:spcPct val="150000"/>
+              </a:lnSpc>
+            </a:pPr>
+            <a:r>
+              <a:rPr lang="ko-KR" altLang="en-US" sz="1600" dirty="0">
+                <a:solidFill>
+                  <a:schemeClr val="tx1">
+                    <a:lumMod val="50000"/>
+                    <a:lumOff val="50000"/>
+                  </a:schemeClr>
+                </a:solidFill>
+              </a:rPr>
+              <a:t> 서비스 로봇에 재난 </a:t>
+            </a:r>
+            <a:r>
+              <a:rPr lang="en-US" altLang="ko-KR" sz="1600" dirty="0">
+                <a:solidFill>
+                  <a:schemeClr val="tx1">
+                    <a:lumMod val="50000"/>
+                    <a:lumOff val="50000"/>
+                  </a:schemeClr>
+                </a:solidFill>
+              </a:rPr>
+              <a:t>IOT </a:t>
+            </a:r>
+            <a:r>
+              <a:rPr lang="ko-KR" altLang="en-US" sz="1600" dirty="0">
+                <a:solidFill>
+                  <a:schemeClr val="tx1">
+                    <a:lumMod val="50000"/>
+                    <a:lumOff val="50000"/>
+                  </a:schemeClr>
+                </a:solidFill>
+              </a:rPr>
+              <a:t>기능</a:t>
+            </a:r>
+            <a:r>
+              <a:rPr lang="en-US" altLang="ko-KR" sz="1600" dirty="0">
+                <a:solidFill>
+                  <a:schemeClr val="tx1">
+                    <a:lumMod val="50000"/>
+                    <a:lumOff val="50000"/>
+                  </a:schemeClr>
+                </a:solidFill>
+              </a:rPr>
+              <a:t>(</a:t>
+            </a:r>
+            <a:r>
+              <a:rPr lang="ko-KR" altLang="en-US" sz="1600" dirty="0">
+                <a:solidFill>
+                  <a:schemeClr val="tx1">
+                    <a:lumMod val="50000"/>
+                    <a:lumOff val="50000"/>
+                  </a:schemeClr>
+                </a:solidFill>
+              </a:rPr>
+              <a:t>탈출구 안내</a:t>
+            </a:r>
+            <a:r>
+              <a:rPr lang="en-US" altLang="ko-KR" sz="1600" dirty="0">
+                <a:solidFill>
+                  <a:schemeClr val="tx1">
+                    <a:lumMod val="50000"/>
+                    <a:lumOff val="50000"/>
+                  </a:schemeClr>
+                </a:solidFill>
+              </a:rPr>
+              <a:t>,</a:t>
+            </a:r>
+          </a:p>
+          <a:p>
+            <a:pPr>
+              <a:lnSpc>
+                <a:spcPct val="150000"/>
+              </a:lnSpc>
+            </a:pPr>
+            <a:r>
+              <a:rPr lang="en-US" altLang="ko-KR" sz="1600" dirty="0">
+                <a:solidFill>
+                  <a:schemeClr val="tx1">
+                    <a:lumMod val="50000"/>
+                    <a:lumOff val="50000"/>
+                  </a:schemeClr>
+                </a:solidFill>
+              </a:rPr>
+              <a:t> </a:t>
+            </a:r>
+            <a:r>
+              <a:rPr lang="ko-KR" altLang="en-US" sz="1600" dirty="0">
+                <a:solidFill>
+                  <a:schemeClr val="tx1">
+                    <a:lumMod val="50000"/>
+                    <a:lumOff val="50000"/>
+                  </a:schemeClr>
+                </a:solidFill>
+              </a:rPr>
+              <a:t>길 밝히기</a:t>
+            </a:r>
+            <a:r>
+              <a:rPr lang="en-US" altLang="ko-KR" sz="1600" dirty="0">
+                <a:solidFill>
+                  <a:schemeClr val="tx1">
+                    <a:lumMod val="50000"/>
+                    <a:lumOff val="50000"/>
+                  </a:schemeClr>
+                </a:solidFill>
+              </a:rPr>
+              <a:t>, </a:t>
+            </a:r>
+            <a:r>
+              <a:rPr lang="ko-KR" altLang="en-US" sz="1600" dirty="0">
+                <a:solidFill>
+                  <a:schemeClr val="tx1">
+                    <a:lumMod val="50000"/>
+                    <a:lumOff val="50000"/>
+                  </a:schemeClr>
+                </a:solidFill>
+              </a:rPr>
+              <a:t>응급 처치 매뉴얼</a:t>
+            </a:r>
+            <a:r>
+              <a:rPr lang="en-US" altLang="ko-KR" sz="1600" dirty="0">
+                <a:solidFill>
+                  <a:schemeClr val="tx1">
+                    <a:lumMod val="50000"/>
+                    <a:lumOff val="50000"/>
+                  </a:schemeClr>
+                </a:solidFill>
+              </a:rPr>
+              <a:t> </a:t>
+            </a:r>
+            <a:r>
+              <a:rPr lang="ko-KR" altLang="en-US" sz="1600" dirty="0">
+                <a:solidFill>
+                  <a:schemeClr val="tx1">
+                    <a:lumMod val="50000"/>
+                    <a:lumOff val="50000"/>
+                  </a:schemeClr>
+                </a:solidFill>
+              </a:rPr>
+              <a:t>제공 등</a:t>
+            </a:r>
+            <a:r>
+              <a:rPr lang="en-US" altLang="ko-KR" sz="1600" dirty="0">
+                <a:solidFill>
+                  <a:schemeClr val="tx1">
+                    <a:lumMod val="50000"/>
+                    <a:lumOff val="50000"/>
+                  </a:schemeClr>
+                </a:solidFill>
+              </a:rPr>
+              <a:t>)</a:t>
+            </a:r>
+            <a:r>
+              <a:rPr lang="ko-KR" altLang="en-US" sz="1600" dirty="0">
+                <a:solidFill>
+                  <a:schemeClr val="tx1">
+                    <a:lumMod val="50000"/>
+                    <a:lumOff val="50000"/>
+                  </a:schemeClr>
+                </a:solidFill>
+              </a:rPr>
+              <a:t>을 추가</a:t>
+            </a:r>
+            <a:endParaRPr lang="en-US" altLang="ko-KR" sz="1600" dirty="0">
+              <a:solidFill>
+                <a:schemeClr val="tx1">
+                  <a:lumMod val="50000"/>
+                  <a:lumOff val="50000"/>
+                </a:schemeClr>
+              </a:solidFill>
+            </a:endParaRPr>
+          </a:p>
+          <a:p>
+            <a:pPr>
+              <a:lnSpc>
+                <a:spcPct val="150000"/>
+              </a:lnSpc>
+            </a:pPr>
+            <a:r>
+              <a:rPr lang="en-US" altLang="ko-KR" sz="1600" dirty="0">
+                <a:solidFill>
+                  <a:schemeClr val="tx1">
+                    <a:lumMod val="50000"/>
+                    <a:lumOff val="50000"/>
+                  </a:schemeClr>
+                </a:solidFill>
+              </a:rPr>
+              <a:t> </a:t>
+            </a:r>
+            <a:r>
+              <a:rPr lang="ko-KR" altLang="en-US" sz="1600" dirty="0">
+                <a:solidFill>
+                  <a:schemeClr val="tx1">
+                    <a:lumMod val="50000"/>
+                    <a:lumOff val="50000"/>
+                  </a:schemeClr>
+                </a:solidFill>
+              </a:rPr>
+              <a:t>탑재한다면 서비스 뿐만이 아닌 구조가 가능한</a:t>
+            </a:r>
+            <a:endParaRPr lang="en-US" altLang="ko-KR" sz="1600" dirty="0">
+              <a:solidFill>
+                <a:schemeClr val="tx1">
+                  <a:lumMod val="50000"/>
+                  <a:lumOff val="50000"/>
+                </a:schemeClr>
+              </a:solidFill>
+            </a:endParaRPr>
+          </a:p>
+          <a:p>
+            <a:pPr>
+              <a:lnSpc>
+                <a:spcPct val="150000"/>
+              </a:lnSpc>
+            </a:pPr>
+            <a:r>
+              <a:rPr lang="en-US" altLang="ko-KR" sz="1600" dirty="0">
+                <a:solidFill>
+                  <a:schemeClr val="tx1">
+                    <a:lumMod val="50000"/>
+                    <a:lumOff val="50000"/>
+                  </a:schemeClr>
+                </a:solidFill>
+              </a:rPr>
+              <a:t> </a:t>
+            </a:r>
+            <a:r>
+              <a:rPr lang="ko-KR" altLang="en-US" sz="1600" dirty="0">
+                <a:solidFill>
+                  <a:schemeClr val="tx1">
+                    <a:lumMod val="50000"/>
+                    <a:lumOff val="50000"/>
+                  </a:schemeClr>
+                </a:solidFill>
+              </a:rPr>
+              <a:t>로봇으로 보다</a:t>
+            </a:r>
+            <a:r>
+              <a:rPr lang="en-US" altLang="ko-KR" sz="1600" dirty="0">
+                <a:solidFill>
+                  <a:schemeClr val="tx1">
+                    <a:lumMod val="50000"/>
+                    <a:lumOff val="50000"/>
+                  </a:schemeClr>
+                </a:solidFill>
+              </a:rPr>
+              <a:t> </a:t>
+            </a:r>
+            <a:r>
+              <a:rPr lang="ko-KR" altLang="en-US" sz="1600" dirty="0">
+                <a:solidFill>
+                  <a:schemeClr val="tx1">
+                    <a:lumMod val="50000"/>
+                    <a:lumOff val="50000"/>
+                  </a:schemeClr>
+                </a:solidFill>
+              </a:rPr>
+              <a:t>생산적이고 효과적인 가치를</a:t>
+            </a:r>
+            <a:endParaRPr lang="en-US" altLang="ko-KR" sz="1600" dirty="0">
+              <a:solidFill>
+                <a:schemeClr val="tx1">
+                  <a:lumMod val="50000"/>
+                  <a:lumOff val="50000"/>
+                </a:schemeClr>
+              </a:solidFill>
+            </a:endParaRPr>
+          </a:p>
+          <a:p>
+            <a:pPr>
+              <a:lnSpc>
+                <a:spcPct val="150000"/>
+              </a:lnSpc>
+            </a:pPr>
+            <a:r>
+              <a:rPr lang="ko-KR" altLang="en-US" sz="1600" dirty="0">
+                <a:solidFill>
+                  <a:schemeClr val="tx1">
+                    <a:lumMod val="50000"/>
+                    <a:lumOff val="50000"/>
+                  </a:schemeClr>
+                </a:solidFill>
+              </a:rPr>
+              <a:t> 창출 할 수</a:t>
+            </a:r>
+            <a:r>
+              <a:rPr lang="en-US" altLang="ko-KR" sz="1600" dirty="0">
+                <a:solidFill>
+                  <a:schemeClr val="tx1">
+                    <a:lumMod val="50000"/>
+                    <a:lumOff val="50000"/>
+                  </a:schemeClr>
+                </a:solidFill>
+              </a:rPr>
+              <a:t> </a:t>
+            </a:r>
+            <a:r>
+              <a:rPr lang="ko-KR" altLang="en-US" sz="1600" dirty="0">
+                <a:solidFill>
+                  <a:schemeClr val="tx1">
+                    <a:lumMod val="50000"/>
+                    <a:lumOff val="50000"/>
+                  </a:schemeClr>
+                </a:solidFill>
+              </a:rPr>
+              <a:t>있을 것으로 예상</a:t>
+            </a:r>
+            <a:r>
+              <a:rPr lang="en-US" altLang="ko-KR" sz="1600" dirty="0">
+                <a:solidFill>
+                  <a:schemeClr val="tx1">
+                    <a:lumMod val="50000"/>
+                    <a:lumOff val="50000"/>
+                  </a:schemeClr>
+                </a:solidFill>
+              </a:rPr>
+              <a:t>.”</a:t>
+            </a:r>
+          </a:p>
+        </p:txBody>
+      </p:sp>
+      <p:sp>
+        <p:nvSpPr>
+          <p:cNvPr id="17" name="TextBox 16">
+            <a:extLst>
+              <a:ext uri="{FF2B5EF4-FFF2-40B4-BE49-F238E27FC236}">
+                <a16:creationId xmlns:a16="http://schemas.microsoft.com/office/drawing/2014/main" id="{494F135D-D975-F25B-C16E-D3B18E873742}"/>
+              </a:ext>
+            </a:extLst>
+          </p:cNvPr>
+          <p:cNvSpPr txBox="1"/>
+          <p:nvPr/>
+        </p:nvSpPr>
+        <p:spPr>
+          <a:xfrm>
+            <a:off x="0" y="7255073"/>
+            <a:ext cx="5386924" cy="307777"/>
+          </a:xfrm>
+          <a:prstGeom prst="rect">
+            <a:avLst/>
+          </a:prstGeom>
+          <a:noFill/>
+        </p:spPr>
+        <p:txBody>
+          <a:bodyPr wrap="none" rtlCol="0">
+            <a:spAutoFit/>
+          </a:bodyPr>
+          <a:lstStyle/>
+          <a:p>
+            <a:r>
+              <a:rPr lang="en-US" altLang="ko-KR" sz="1400" dirty="0"/>
+              <a:t>※ </a:t>
+            </a:r>
+            <a:r>
+              <a:rPr lang="ko-KR" altLang="en-US" sz="1400" dirty="0"/>
+              <a:t>출처 </a:t>
+            </a:r>
+            <a:r>
+              <a:rPr lang="en-US" altLang="ko-KR" sz="1400" dirty="0"/>
+              <a:t>: </a:t>
+            </a:r>
+            <a:r>
+              <a:rPr lang="en-US" altLang="ko-KR" sz="1400" dirty="0">
+                <a:hlinkClick r:id="rId6"/>
+              </a:rPr>
+              <a:t>http://news.bizwatch.co.kr/article/industry/2022/08/17/0022</a:t>
+            </a:r>
+            <a:endParaRPr lang="ko-KR" altLang="en-US" sz="1400" dirty="0"/>
+          </a:p>
+        </p:txBody>
+      </p:sp>
+    </p:spTree>
+    <p:extLst>
+      <p:ext uri="{BB962C8B-B14F-4D97-AF65-F5344CB8AC3E}">
+        <p14:creationId xmlns:p14="http://schemas.microsoft.com/office/powerpoint/2010/main" val="474322717"/>
+      </p:ext>
+    </p:extLst>
+  </p:cSld>
+  <p:clrMapOvr>
+    <a:masterClrMapping/>
+  </p:clrMapOvr>
+</p:sld>
+</file>
+
+<file path=ppt/slides/slide7.xml><?xml version="1.0" encoding="utf-8"?>
+<p:sld xmlns:a="http://schemas.openxmlformats.org/drawingml/2006/main" xmlns:r="http://schemas.openxmlformats.org/officeDocument/2006/relationships" xmlns:p="http://schemas.openxmlformats.org/presentationml/2006/main">
+  <p:cSld name="Slide 7">
+    <p:bg>
+      <p:bgPr>
+        <a:solidFill>
+          <a:srgbClr val="668EFD"/>
+        </a:solidFill>
+        <a:effectLst/>
+      </p:bgPr>
+    </p:bg>
+    <p:spTree>
+      <p:nvGrpSpPr>
+        <p:cNvPr id="1" name=""/>
+        <p:cNvGrpSpPr/>
+        <p:nvPr/>
+      </p:nvGrpSpPr>
+      <p:grpSpPr>
+        <a:xfrm>
+          <a:off x="0" y="0"/>
+          <a:ext cx="0" cy="0"/>
+          <a:chOff x="0" y="0"/>
+          <a:chExt cx="0" cy="0"/>
+        </a:xfrm>
+      </p:grpSpPr>
+      <p:pic>
+        <p:nvPicPr>
+          <p:cNvPr id="2" name="Object 1"/>
+          <p:cNvPicPr>
+            <a:picLocks noChangeAspect="1"/>
+          </p:cNvPicPr>
+          <p:nvPr/>
+        </p:nvPicPr>
+        <p:blipFill>
+          <a:blip r:embed="rId2" cstate="print"/>
+          <a:stretch>
+            <a:fillRect/>
+          </a:stretch>
+        </p:blipFill>
+        <p:spPr>
+          <a:xfrm>
+            <a:off x="343166" y="1571625"/>
+            <a:ext cx="4159240" cy="4051612"/>
+          </a:xfrm>
+          <a:prstGeom prst="rect">
+            <a:avLst/>
+          </a:prstGeom>
+        </p:spPr>
+      </p:pic>
+      <p:sp>
+        <p:nvSpPr>
+          <p:cNvPr id="4" name="TextBox 3">
+            <a:extLst>
+              <a:ext uri="{FF2B5EF4-FFF2-40B4-BE49-F238E27FC236}">
+                <a16:creationId xmlns:a16="http://schemas.microsoft.com/office/drawing/2014/main" id="{D8153074-6FC9-B292-FF09-8762BFBFC13C}"/>
+              </a:ext>
+            </a:extLst>
+          </p:cNvPr>
+          <p:cNvSpPr txBox="1"/>
+          <p:nvPr/>
+        </p:nvSpPr>
+        <p:spPr>
+          <a:xfrm>
+            <a:off x="5329442" y="2354909"/>
+            <a:ext cx="4286045" cy="861774"/>
+          </a:xfrm>
+          <a:prstGeom prst="rect">
+            <a:avLst/>
+          </a:prstGeom>
+          <a:noFill/>
+        </p:spPr>
+        <p:txBody>
+          <a:bodyPr wrap="none" rtlCol="0">
+            <a:spAutoFit/>
+          </a:bodyPr>
+          <a:lstStyle/>
+          <a:p>
+            <a:r>
+              <a:rPr lang="en-US" altLang="ko-KR" sz="5000" dirty="0">
+                <a:solidFill>
+                  <a:schemeClr val="bg1"/>
+                </a:solidFill>
+              </a:rPr>
+              <a:t>PROJECT SCOPE</a:t>
+            </a:r>
+            <a:endParaRPr lang="ko-KR" altLang="en-US" sz="5000" dirty="0">
+              <a:solidFill>
+                <a:schemeClr val="bg1"/>
+              </a:solidFill>
+            </a:endParaRPr>
+          </a:p>
+        </p:txBody>
+      </p:sp>
+      <p:sp>
+        <p:nvSpPr>
+          <p:cNvPr id="6" name="TextBox 5">
+            <a:extLst>
+              <a:ext uri="{FF2B5EF4-FFF2-40B4-BE49-F238E27FC236}">
+                <a16:creationId xmlns:a16="http://schemas.microsoft.com/office/drawing/2014/main" id="{8FD2BF4A-5EFC-F6FA-22EF-F2E4FF9747B8}"/>
+              </a:ext>
+            </a:extLst>
+          </p:cNvPr>
+          <p:cNvSpPr txBox="1"/>
+          <p:nvPr/>
+        </p:nvSpPr>
+        <p:spPr>
+          <a:xfrm>
+            <a:off x="5481842" y="3294117"/>
+            <a:ext cx="2749086" cy="1261884"/>
+          </a:xfrm>
+          <a:prstGeom prst="rect">
+            <a:avLst/>
+          </a:prstGeom>
+          <a:noFill/>
+        </p:spPr>
+        <p:txBody>
+          <a:bodyPr wrap="none" rtlCol="0">
+            <a:spAutoFit/>
+          </a:bodyPr>
+          <a:lstStyle/>
+          <a:p>
+            <a:pPr marL="285750" indent="-285750">
+              <a:buFontTx/>
+              <a:buChar char="-"/>
+            </a:pPr>
+            <a:r>
+              <a:rPr lang="en-US" altLang="ko-KR" sz="2200" dirty="0">
+                <a:solidFill>
+                  <a:schemeClr val="bg1"/>
+                </a:solidFill>
+              </a:rPr>
+              <a:t>Statement of work</a:t>
+            </a:r>
+          </a:p>
+          <a:p>
+            <a:r>
+              <a:rPr lang="en-US" altLang="ko-KR" dirty="0">
+                <a:solidFill>
+                  <a:schemeClr val="bg1"/>
+                </a:solidFill>
+              </a:rPr>
+              <a:t>  -&gt; H/W, S/W</a:t>
+            </a:r>
+          </a:p>
+          <a:p>
+            <a:r>
+              <a:rPr lang="en-US" altLang="ko-KR" dirty="0">
+                <a:solidFill>
+                  <a:schemeClr val="bg1"/>
+                </a:solidFill>
+              </a:rPr>
+              <a:t>  -&gt; testing and stabilization</a:t>
+            </a:r>
+          </a:p>
+          <a:p>
+            <a:r>
+              <a:rPr lang="en-US" altLang="ko-KR" dirty="0">
+                <a:solidFill>
+                  <a:schemeClr val="bg1"/>
+                </a:solidFill>
+              </a:rPr>
+              <a:t>  -&gt; parts list</a:t>
+            </a:r>
+          </a:p>
+        </p:txBody>
+      </p:sp>
+      <p:cxnSp>
+        <p:nvCxnSpPr>
+          <p:cNvPr id="9" name="직선 연결선 8">
+            <a:extLst>
+              <a:ext uri="{FF2B5EF4-FFF2-40B4-BE49-F238E27FC236}">
+                <a16:creationId xmlns:a16="http://schemas.microsoft.com/office/drawing/2014/main" id="{3AC16169-3970-EFC0-AF00-5A5FD09E23A5}"/>
+              </a:ext>
+            </a:extLst>
+          </p:cNvPr>
+          <p:cNvCxnSpPr>
+            <a:cxnSpLocks/>
+          </p:cNvCxnSpPr>
+          <p:nvPr/>
+        </p:nvCxnSpPr>
+        <p:spPr>
+          <a:xfrm>
+            <a:off x="5389628" y="3216683"/>
+            <a:ext cx="4225859" cy="0"/>
+          </a:xfrm>
+          <a:prstGeom prst="line">
+            <a:avLst/>
+          </a:prstGeom>
+          <a:ln w="12700">
+            <a:solidFill>
+              <a:schemeClr val="bg1"/>
+            </a:solidFill>
+          </a:ln>
+        </p:spPr>
+        <p:style>
+          <a:lnRef idx="1">
+            <a:schemeClr val="accent1"/>
+          </a:lnRef>
+          <a:fillRef idx="0">
+            <a:schemeClr val="accent1"/>
+          </a:fillRef>
+          <a:effectRef idx="0">
+            <a:schemeClr val="accent1"/>
+          </a:effectRef>
+          <a:fontRef idx="minor">
+            <a:schemeClr val="tx1"/>
+          </a:fontRef>
+        </p:style>
+      </p:cxnSp>
+    </p:spTree>
+  </p:cSld>
+  <p:clrMapOvr>
+    <a:masterClrMapping/>
+  </p:clrMapOvr>
+</p:sld>
+</file>
+
+<file path=ppt/slides/slide8.xml><?xml version="1.0" encoding="utf-8"?>
+<p:sld xmlns:a="http://schemas.openxmlformats.org/drawingml/2006/main" xmlns:r="http://schemas.openxmlformats.org/officeDocument/2006/relationships" xmlns:p="http://schemas.openxmlformats.org/presentationml/2006/main">
+  <p:cSld>
+    <p:spTree>
+      <p:nvGrpSpPr>
+        <p:cNvPr id="1" name=""/>
+        <p:cNvGrpSpPr/>
+        <p:nvPr/>
+      </p:nvGrpSpPr>
+      <p:grpSpPr>
+        <a:xfrm>
+          <a:off x="0" y="0"/>
+          <a:ext cx="0" cy="0"/>
+          <a:chOff x="0" y="0"/>
+          <a:chExt cx="0" cy="0"/>
+        </a:xfrm>
+      </p:grpSpPr>
+      <p:grpSp>
+        <p:nvGrpSpPr>
+          <p:cNvPr id="1002" name="그룹 1002"/>
+          <p:cNvGrpSpPr/>
+          <p:nvPr/>
+        </p:nvGrpSpPr>
+        <p:grpSpPr>
+          <a:xfrm>
+            <a:off x="545052" y="1266825"/>
+            <a:ext cx="45719" cy="5822234"/>
+            <a:chOff x="3180972" y="785539"/>
+            <a:chExt cx="45165" cy="4256350"/>
+          </a:xfrm>
+        </p:grpSpPr>
+        <p:pic>
+          <p:nvPicPr>
+            <p:cNvPr id="7" name="Object 6"/>
+            <p:cNvPicPr>
+              <a:picLocks noChangeAspect="1"/>
+            </p:cNvPicPr>
+            <p:nvPr/>
+          </p:nvPicPr>
+          <p:blipFill>
+            <a:blip r:embed="rId2" cstate="print"/>
+            <a:stretch>
+              <a:fillRect/>
+            </a:stretch>
+          </p:blipFill>
+          <p:spPr>
+            <a:xfrm rot="16200000">
+              <a:off x="1075380" y="2891131"/>
+              <a:ext cx="4256350" cy="45165"/>
+            </a:xfrm>
+            <a:prstGeom prst="rect">
+              <a:avLst/>
+            </a:prstGeom>
+          </p:spPr>
+        </p:pic>
+      </p:grpSp>
+      <p:sp>
+        <p:nvSpPr>
+          <p:cNvPr id="2" name="TextBox 1">
+            <a:extLst>
+              <a:ext uri="{FF2B5EF4-FFF2-40B4-BE49-F238E27FC236}">
+                <a16:creationId xmlns:a16="http://schemas.microsoft.com/office/drawing/2014/main" id="{BAC651EF-B1AA-85ED-91A4-413C2122BA8B}"/>
+              </a:ext>
+            </a:extLst>
+          </p:cNvPr>
+          <p:cNvSpPr txBox="1"/>
+          <p:nvPr/>
+        </p:nvSpPr>
+        <p:spPr>
+          <a:xfrm>
+            <a:off x="395287" y="200025"/>
+            <a:ext cx="5143652" cy="861774"/>
+          </a:xfrm>
+          <a:prstGeom prst="rect">
+            <a:avLst/>
+          </a:prstGeom>
+          <a:noFill/>
+        </p:spPr>
+        <p:txBody>
+          <a:bodyPr wrap="none" rtlCol="0">
+            <a:spAutoFit/>
+          </a:bodyPr>
+          <a:lstStyle/>
+          <a:p>
+            <a:r>
+              <a:rPr lang="en-US" altLang="ko-KR" sz="5000" dirty="0">
+                <a:solidFill>
+                  <a:srgbClr val="7D9FFD"/>
+                </a:solidFill>
+                <a:latin typeface="+mj-lt"/>
+              </a:rPr>
+              <a:t>PROJECT SCOPE (1)</a:t>
+            </a:r>
+            <a:endParaRPr lang="ko-KR" altLang="en-US" sz="5000" dirty="0">
+              <a:solidFill>
+                <a:srgbClr val="7D9FFD"/>
+              </a:solidFill>
+              <a:latin typeface="+mj-lt"/>
+            </a:endParaRPr>
+          </a:p>
+        </p:txBody>
+      </p:sp>
+      <p:sp>
+        <p:nvSpPr>
+          <p:cNvPr id="4" name="TextBox 3">
+            <a:extLst>
+              <a:ext uri="{FF2B5EF4-FFF2-40B4-BE49-F238E27FC236}">
+                <a16:creationId xmlns:a16="http://schemas.microsoft.com/office/drawing/2014/main" id="{29CCE29E-C2D8-7BA6-E4A0-FA55920AF409}"/>
+              </a:ext>
+            </a:extLst>
+          </p:cNvPr>
+          <p:cNvSpPr txBox="1"/>
+          <p:nvPr/>
+        </p:nvSpPr>
+        <p:spPr>
+          <a:xfrm>
+            <a:off x="715680" y="1317450"/>
+            <a:ext cx="3012748" cy="998543"/>
+          </a:xfrm>
+          <a:prstGeom prst="rect">
+            <a:avLst/>
+          </a:prstGeom>
+          <a:noFill/>
+        </p:spPr>
+        <p:txBody>
+          <a:bodyPr wrap="none" rtlCol="0">
+            <a:spAutoFit/>
+          </a:bodyPr>
+          <a:lstStyle/>
+          <a:p>
+            <a:pPr marL="342900" indent="-342900">
+              <a:lnSpc>
+                <a:spcPct val="150000"/>
+              </a:lnSpc>
+              <a:buFont typeface="Arial" panose="020B0604020202020204" pitchFamily="34" charset="0"/>
+              <a:buChar char="•"/>
+            </a:pPr>
+            <a:r>
+              <a:rPr lang="en-US" altLang="ko-KR" sz="2500" b="1" dirty="0">
+                <a:solidFill>
+                  <a:srgbClr val="7D9FFD"/>
+                </a:solidFill>
+                <a:ea typeface="Cambria" panose="02040503050406030204" pitchFamily="18" charset="0"/>
+                <a:cs typeface="Aldhabi" panose="01000000000000000000" pitchFamily="2" charset="-78"/>
+              </a:rPr>
+              <a:t>Statement of work</a:t>
+            </a:r>
+          </a:p>
+          <a:p>
+            <a:pPr>
+              <a:lnSpc>
+                <a:spcPct val="150000"/>
+              </a:lnSpc>
+            </a:pPr>
+            <a:r>
+              <a:rPr lang="en-US" altLang="ko-KR" sz="1600" dirty="0">
+                <a:solidFill>
+                  <a:schemeClr val="bg1">
+                    <a:lumMod val="50000"/>
+                  </a:schemeClr>
+                </a:solidFill>
+              </a:rPr>
+              <a:t>  1. H/W</a:t>
+            </a:r>
+            <a:r>
+              <a:rPr lang="ko-KR" altLang="en-US" sz="1600" dirty="0">
+                <a:solidFill>
+                  <a:schemeClr val="bg1">
+                    <a:lumMod val="50000"/>
+                  </a:schemeClr>
+                </a:solidFill>
+              </a:rPr>
+              <a:t> 개발</a:t>
+            </a:r>
+            <a:endParaRPr lang="en-US" altLang="ko-KR" sz="1600" dirty="0">
+              <a:solidFill>
+                <a:schemeClr val="bg1">
+                  <a:lumMod val="50000"/>
+                </a:schemeClr>
+              </a:solidFill>
+            </a:endParaRPr>
+          </a:p>
+        </p:txBody>
+      </p:sp>
+      <p:cxnSp>
+        <p:nvCxnSpPr>
+          <p:cNvPr id="8" name="직선 연결선 7">
+            <a:extLst>
+              <a:ext uri="{FF2B5EF4-FFF2-40B4-BE49-F238E27FC236}">
+                <a16:creationId xmlns:a16="http://schemas.microsoft.com/office/drawing/2014/main" id="{4E09D352-0290-E016-F5E8-13E40E18819F}"/>
+              </a:ext>
+            </a:extLst>
+          </p:cNvPr>
+          <p:cNvCxnSpPr/>
+          <p:nvPr/>
+        </p:nvCxnSpPr>
+        <p:spPr>
+          <a:xfrm>
+            <a:off x="242887" y="1061799"/>
+            <a:ext cx="10058400" cy="0"/>
+          </a:xfrm>
+          <a:prstGeom prst="line">
+            <a:avLst/>
+          </a:prstGeom>
+          <a:ln w="19050">
+            <a:solidFill>
+              <a:srgbClr val="7D9FFD"/>
+            </a:solidFill>
+          </a:ln>
+        </p:spPr>
+        <p:style>
+          <a:lnRef idx="1">
+            <a:schemeClr val="accent1"/>
+          </a:lnRef>
+          <a:fillRef idx="0">
+            <a:schemeClr val="accent1"/>
+          </a:fillRef>
+          <a:effectRef idx="0">
+            <a:schemeClr val="accent1"/>
+          </a:effectRef>
+          <a:fontRef idx="minor">
+            <a:schemeClr val="tx1"/>
+          </a:fontRef>
+        </p:style>
+      </p:cxnSp>
+      <p:grpSp>
+        <p:nvGrpSpPr>
+          <p:cNvPr id="10" name="그룹 1003">
+            <a:extLst>
+              <a:ext uri="{FF2B5EF4-FFF2-40B4-BE49-F238E27FC236}">
+                <a16:creationId xmlns:a16="http://schemas.microsoft.com/office/drawing/2014/main" id="{097CB6F3-FC9A-4489-CEE7-3E80A3CD19E7}"/>
+              </a:ext>
+            </a:extLst>
+          </p:cNvPr>
+          <p:cNvGrpSpPr/>
+          <p:nvPr/>
+        </p:nvGrpSpPr>
+        <p:grpSpPr>
+          <a:xfrm>
+            <a:off x="1233639" y="3202306"/>
+            <a:ext cx="8610600" cy="45719"/>
+            <a:chOff x="4840240" y="3769812"/>
+            <a:chExt cx="5149435" cy="50865"/>
+          </a:xfrm>
+        </p:grpSpPr>
+        <p:pic>
+          <p:nvPicPr>
+            <p:cNvPr id="11" name="Object 12">
+              <a:extLst>
+                <a:ext uri="{FF2B5EF4-FFF2-40B4-BE49-F238E27FC236}">
+                  <a16:creationId xmlns:a16="http://schemas.microsoft.com/office/drawing/2014/main" id="{0214DC9B-2903-2011-2C02-84F9F74F3974}"/>
+                </a:ext>
+              </a:extLst>
+            </p:cNvPr>
+            <p:cNvPicPr>
+              <a:picLocks noChangeAspect="1"/>
+            </p:cNvPicPr>
+            <p:nvPr/>
+          </p:nvPicPr>
+          <p:blipFill>
+            <a:blip r:embed="rId3" cstate="print"/>
+            <a:stretch>
+              <a:fillRect/>
+            </a:stretch>
+          </p:blipFill>
+          <p:spPr>
+            <a:xfrm>
+              <a:off x="4840240" y="3769812"/>
+              <a:ext cx="5149435" cy="50865"/>
+            </a:xfrm>
+            <a:prstGeom prst="rect">
+              <a:avLst/>
+            </a:prstGeom>
+          </p:spPr>
+        </p:pic>
+      </p:grpSp>
+      <p:grpSp>
+        <p:nvGrpSpPr>
+          <p:cNvPr id="12" name="그룹 1001">
+            <a:extLst>
+              <a:ext uri="{FF2B5EF4-FFF2-40B4-BE49-F238E27FC236}">
+                <a16:creationId xmlns:a16="http://schemas.microsoft.com/office/drawing/2014/main" id="{2A54CF6E-4406-9729-DC1F-B77F1454B59D}"/>
+              </a:ext>
+            </a:extLst>
+          </p:cNvPr>
+          <p:cNvGrpSpPr/>
+          <p:nvPr/>
+        </p:nvGrpSpPr>
+        <p:grpSpPr>
+          <a:xfrm>
+            <a:off x="242887" y="4772025"/>
+            <a:ext cx="4256350" cy="45165"/>
+            <a:chOff x="2715395" y="3768437"/>
+            <a:chExt cx="4256350" cy="45165"/>
+          </a:xfrm>
+        </p:grpSpPr>
+        <p:pic>
+          <p:nvPicPr>
+            <p:cNvPr id="13" name="Object 3">
+              <a:extLst>
+                <a:ext uri="{FF2B5EF4-FFF2-40B4-BE49-F238E27FC236}">
+                  <a16:creationId xmlns:a16="http://schemas.microsoft.com/office/drawing/2014/main" id="{136BDF1A-3E21-78FE-EB61-5EB2F4573743}"/>
+                </a:ext>
+              </a:extLst>
+            </p:cNvPr>
+            <p:cNvPicPr>
+              <a:picLocks noChangeAspect="1"/>
+            </p:cNvPicPr>
+            <p:nvPr/>
+          </p:nvPicPr>
+          <p:blipFill>
+            <a:blip r:embed="rId2" cstate="print"/>
+            <a:stretch>
+              <a:fillRect/>
+            </a:stretch>
+          </p:blipFill>
+          <p:spPr>
+            <a:xfrm rot="-5400000">
+              <a:off x="2715395" y="3768437"/>
+              <a:ext cx="4256350" cy="45165"/>
+            </a:xfrm>
+            <a:prstGeom prst="rect">
+              <a:avLst/>
+            </a:prstGeom>
+          </p:spPr>
+        </p:pic>
+      </p:grpSp>
+      <p:sp>
+        <p:nvSpPr>
+          <p:cNvPr id="14" name="TextBox 13">
+            <a:extLst>
+              <a:ext uri="{FF2B5EF4-FFF2-40B4-BE49-F238E27FC236}">
+                <a16:creationId xmlns:a16="http://schemas.microsoft.com/office/drawing/2014/main" id="{0051E796-83A5-11AB-1D47-423DBC965A72}"/>
+              </a:ext>
+            </a:extLst>
+          </p:cNvPr>
+          <p:cNvSpPr txBox="1"/>
+          <p:nvPr/>
+        </p:nvSpPr>
+        <p:spPr>
+          <a:xfrm>
+            <a:off x="1441444" y="2754916"/>
+            <a:ext cx="699230" cy="369332"/>
+          </a:xfrm>
+          <a:prstGeom prst="rect">
+            <a:avLst/>
+          </a:prstGeom>
+          <a:noFill/>
+        </p:spPr>
+        <p:txBody>
+          <a:bodyPr wrap="none" rtlCol="0">
+            <a:spAutoFit/>
+          </a:bodyPr>
+          <a:lstStyle/>
+          <a:p>
+            <a:r>
+              <a:rPr lang="ko-KR" altLang="en-US" dirty="0">
+                <a:solidFill>
+                  <a:schemeClr val="tx1">
+                    <a:lumMod val="50000"/>
+                    <a:lumOff val="50000"/>
+                  </a:schemeClr>
+                </a:solidFill>
+              </a:rPr>
+              <a:t>업 무</a:t>
+            </a:r>
+          </a:p>
+        </p:txBody>
+      </p:sp>
+      <p:sp>
+        <p:nvSpPr>
+          <p:cNvPr id="16" name="TextBox 15">
+            <a:extLst>
+              <a:ext uri="{FF2B5EF4-FFF2-40B4-BE49-F238E27FC236}">
+                <a16:creationId xmlns:a16="http://schemas.microsoft.com/office/drawing/2014/main" id="{D58A5C8F-CD68-2501-14F5-51173CF09FC6}"/>
+              </a:ext>
+            </a:extLst>
+          </p:cNvPr>
+          <p:cNvSpPr txBox="1"/>
+          <p:nvPr/>
+        </p:nvSpPr>
+        <p:spPr>
+          <a:xfrm>
+            <a:off x="5375712" y="2754916"/>
+            <a:ext cx="1319592" cy="369332"/>
+          </a:xfrm>
+          <a:prstGeom prst="rect">
+            <a:avLst/>
+          </a:prstGeom>
+          <a:noFill/>
+        </p:spPr>
+        <p:txBody>
+          <a:bodyPr wrap="none" rtlCol="0">
+            <a:spAutoFit/>
+          </a:bodyPr>
+          <a:lstStyle/>
+          <a:p>
+            <a:r>
+              <a:rPr lang="ko-KR" altLang="en-US" dirty="0">
+                <a:solidFill>
+                  <a:schemeClr val="tx1">
+                    <a:lumMod val="50000"/>
+                    <a:lumOff val="50000"/>
+                  </a:schemeClr>
+                </a:solidFill>
+              </a:rPr>
+              <a:t>업 무  범 위</a:t>
+            </a:r>
+          </a:p>
+        </p:txBody>
+      </p:sp>
+      <p:grpSp>
+        <p:nvGrpSpPr>
+          <p:cNvPr id="17" name="그룹 1003">
+            <a:extLst>
+              <a:ext uri="{FF2B5EF4-FFF2-40B4-BE49-F238E27FC236}">
+                <a16:creationId xmlns:a16="http://schemas.microsoft.com/office/drawing/2014/main" id="{3236B572-8112-92DB-805A-BD7BB84A925F}"/>
+              </a:ext>
+            </a:extLst>
+          </p:cNvPr>
+          <p:cNvGrpSpPr/>
+          <p:nvPr/>
+        </p:nvGrpSpPr>
+        <p:grpSpPr>
+          <a:xfrm>
+            <a:off x="1233639" y="5076825"/>
+            <a:ext cx="8610600" cy="45719"/>
+            <a:chOff x="4840240" y="3769812"/>
+            <a:chExt cx="5149435" cy="50865"/>
+          </a:xfrm>
+        </p:grpSpPr>
+        <p:pic>
+          <p:nvPicPr>
+            <p:cNvPr id="18" name="Object 12">
+              <a:extLst>
+                <a:ext uri="{FF2B5EF4-FFF2-40B4-BE49-F238E27FC236}">
+                  <a16:creationId xmlns:a16="http://schemas.microsoft.com/office/drawing/2014/main" id="{C2CA534B-C41A-4009-FC4A-E48531203794}"/>
+                </a:ext>
+              </a:extLst>
+            </p:cNvPr>
+            <p:cNvPicPr>
+              <a:picLocks noChangeAspect="1"/>
+            </p:cNvPicPr>
+            <p:nvPr/>
+          </p:nvPicPr>
+          <p:blipFill>
+            <a:blip r:embed="rId3" cstate="print"/>
+            <a:stretch>
+              <a:fillRect/>
+            </a:stretch>
+          </p:blipFill>
+          <p:spPr>
+            <a:xfrm>
+              <a:off x="4840240" y="3769812"/>
+              <a:ext cx="5149435" cy="50865"/>
+            </a:xfrm>
+            <a:prstGeom prst="rect">
+              <a:avLst/>
+            </a:prstGeom>
+          </p:spPr>
+        </p:pic>
+      </p:grpSp>
+      <p:sp>
+        <p:nvSpPr>
+          <p:cNvPr id="19" name="TextBox 18">
+            <a:extLst>
+              <a:ext uri="{FF2B5EF4-FFF2-40B4-BE49-F238E27FC236}">
+                <a16:creationId xmlns:a16="http://schemas.microsoft.com/office/drawing/2014/main" id="{7157613D-4608-339C-C6D0-BB093F0A0B94}"/>
+              </a:ext>
+            </a:extLst>
+          </p:cNvPr>
+          <p:cNvSpPr txBox="1"/>
+          <p:nvPr/>
+        </p:nvSpPr>
+        <p:spPr>
+          <a:xfrm>
+            <a:off x="1441444" y="3993275"/>
+            <a:ext cx="747384" cy="369332"/>
+          </a:xfrm>
+          <a:prstGeom prst="rect">
+            <a:avLst/>
+          </a:prstGeom>
+          <a:noFill/>
+        </p:spPr>
+        <p:txBody>
+          <a:bodyPr wrap="none" rtlCol="0">
+            <a:spAutoFit/>
+          </a:bodyPr>
+          <a:lstStyle/>
+          <a:p>
+            <a:r>
+              <a:rPr lang="en-US" altLang="ko-KR" dirty="0">
+                <a:solidFill>
+                  <a:schemeClr val="tx1">
+                    <a:lumMod val="50000"/>
+                    <a:lumOff val="50000"/>
+                  </a:schemeClr>
+                </a:solidFill>
+              </a:rPr>
+              <a:t>Robot</a:t>
+            </a:r>
+            <a:endParaRPr lang="ko-KR" altLang="en-US" dirty="0">
+              <a:solidFill>
+                <a:schemeClr val="tx1">
+                  <a:lumMod val="50000"/>
+                  <a:lumOff val="50000"/>
+                </a:schemeClr>
+              </a:solidFill>
+            </a:endParaRPr>
+          </a:p>
+        </p:txBody>
+      </p:sp>
+      <p:sp>
+        <p:nvSpPr>
+          <p:cNvPr id="20" name="TextBox 19">
+            <a:extLst>
+              <a:ext uri="{FF2B5EF4-FFF2-40B4-BE49-F238E27FC236}">
+                <a16:creationId xmlns:a16="http://schemas.microsoft.com/office/drawing/2014/main" id="{C99E98C2-13F9-D37E-2D3A-D6337515E7EF}"/>
+              </a:ext>
+            </a:extLst>
+          </p:cNvPr>
+          <p:cNvSpPr txBox="1"/>
+          <p:nvPr/>
+        </p:nvSpPr>
+        <p:spPr>
+          <a:xfrm>
+            <a:off x="2553296" y="3500210"/>
+            <a:ext cx="4702121" cy="1295868"/>
+          </a:xfrm>
+          <a:prstGeom prst="rect">
+            <a:avLst/>
+          </a:prstGeom>
+          <a:noFill/>
+        </p:spPr>
+        <p:txBody>
+          <a:bodyPr wrap="none" rtlCol="0">
+            <a:spAutoFit/>
+          </a:bodyPr>
+          <a:lstStyle/>
+          <a:p>
+            <a:pPr>
+              <a:lnSpc>
+                <a:spcPct val="150000"/>
+              </a:lnSpc>
+            </a:pPr>
+            <a:r>
+              <a:rPr lang="en-US" altLang="ko-KR" dirty="0">
+                <a:solidFill>
+                  <a:schemeClr val="tx1">
+                    <a:lumMod val="50000"/>
+                    <a:lumOff val="50000"/>
+                  </a:schemeClr>
+                </a:solidFill>
+              </a:rPr>
+              <a:t>Raspberry Pi 4B (ROS, Lidar, IMU Sensor control)</a:t>
+            </a:r>
+          </a:p>
+          <a:p>
+            <a:pPr>
+              <a:lnSpc>
+                <a:spcPct val="150000"/>
+              </a:lnSpc>
+            </a:pPr>
+            <a:r>
+              <a:rPr lang="en-US" altLang="ko-KR" dirty="0">
+                <a:solidFill>
+                  <a:schemeClr val="tx1">
+                    <a:lumMod val="50000"/>
+                    <a:lumOff val="50000"/>
+                  </a:schemeClr>
+                </a:solidFill>
+              </a:rPr>
+              <a:t>Arduino Uno </a:t>
+            </a:r>
+            <a:r>
+              <a:rPr lang="ko-KR" altLang="en-US" dirty="0">
+                <a:solidFill>
+                  <a:schemeClr val="tx1">
+                    <a:lumMod val="50000"/>
+                    <a:lumOff val="50000"/>
+                  </a:schemeClr>
+                </a:solidFill>
+              </a:rPr>
+              <a:t>사용 </a:t>
+            </a:r>
+            <a:r>
+              <a:rPr lang="en-US" altLang="ko-KR" dirty="0">
+                <a:solidFill>
+                  <a:schemeClr val="tx1">
+                    <a:lumMod val="50000"/>
+                    <a:lumOff val="50000"/>
+                  </a:schemeClr>
+                </a:solidFill>
+              </a:rPr>
+              <a:t>(Motor control)</a:t>
+            </a:r>
+          </a:p>
+          <a:p>
+            <a:pPr>
+              <a:lnSpc>
+                <a:spcPct val="150000"/>
+              </a:lnSpc>
+            </a:pPr>
+            <a:r>
+              <a:rPr lang="en-US" altLang="ko-KR" dirty="0">
+                <a:solidFill>
+                  <a:schemeClr val="tx1">
+                    <a:lumMod val="50000"/>
+                    <a:lumOff val="50000"/>
+                  </a:schemeClr>
+                </a:solidFill>
+              </a:rPr>
+              <a:t>L298N module (Motor control)</a:t>
+            </a:r>
+            <a:endParaRPr lang="ko-KR" altLang="en-US" dirty="0">
+              <a:solidFill>
+                <a:schemeClr val="tx1">
+                  <a:lumMod val="50000"/>
+                  <a:lumOff val="50000"/>
+                </a:schemeClr>
+              </a:solidFill>
+            </a:endParaRPr>
+          </a:p>
+        </p:txBody>
+      </p:sp>
+      <p:sp>
+        <p:nvSpPr>
+          <p:cNvPr id="21" name="TextBox 20">
+            <a:extLst>
+              <a:ext uri="{FF2B5EF4-FFF2-40B4-BE49-F238E27FC236}">
+                <a16:creationId xmlns:a16="http://schemas.microsoft.com/office/drawing/2014/main" id="{181162C3-8743-FC4F-CB67-3B2E8EA5E36A}"/>
+              </a:ext>
+            </a:extLst>
+          </p:cNvPr>
+          <p:cNvSpPr txBox="1"/>
+          <p:nvPr/>
+        </p:nvSpPr>
+        <p:spPr>
+          <a:xfrm>
+            <a:off x="1441444" y="5831836"/>
+            <a:ext cx="676339" cy="369332"/>
+          </a:xfrm>
+          <a:prstGeom prst="rect">
+            <a:avLst/>
+          </a:prstGeom>
+          <a:noFill/>
+        </p:spPr>
+        <p:txBody>
+          <a:bodyPr wrap="none" rtlCol="0">
+            <a:spAutoFit/>
+          </a:bodyPr>
+          <a:lstStyle/>
+          <a:p>
+            <a:r>
+              <a:rPr lang="en-US" altLang="ko-KR" dirty="0">
+                <a:solidFill>
+                  <a:schemeClr val="tx1">
+                    <a:lumMod val="50000"/>
+                    <a:lumOff val="50000"/>
+                  </a:schemeClr>
+                </a:solidFill>
+              </a:rPr>
+              <a:t>CCTV</a:t>
+            </a:r>
+            <a:endParaRPr lang="ko-KR" altLang="en-US" dirty="0">
+              <a:solidFill>
+                <a:schemeClr val="tx1">
+                  <a:lumMod val="50000"/>
+                  <a:lumOff val="50000"/>
+                </a:schemeClr>
+              </a:solidFill>
+            </a:endParaRPr>
+          </a:p>
+        </p:txBody>
+      </p:sp>
+      <p:sp>
+        <p:nvSpPr>
+          <p:cNvPr id="22" name="TextBox 21">
+            <a:extLst>
+              <a:ext uri="{FF2B5EF4-FFF2-40B4-BE49-F238E27FC236}">
+                <a16:creationId xmlns:a16="http://schemas.microsoft.com/office/drawing/2014/main" id="{CB1D2BF4-6B2F-5BE0-87FB-E1928A0DA254}"/>
+              </a:ext>
+            </a:extLst>
+          </p:cNvPr>
+          <p:cNvSpPr txBox="1"/>
+          <p:nvPr/>
+        </p:nvSpPr>
+        <p:spPr>
+          <a:xfrm>
+            <a:off x="2553296" y="5736297"/>
+            <a:ext cx="5340180" cy="464871"/>
+          </a:xfrm>
+          <a:prstGeom prst="rect">
+            <a:avLst/>
+          </a:prstGeom>
+          <a:noFill/>
+        </p:spPr>
+        <p:txBody>
+          <a:bodyPr wrap="none" rtlCol="0">
+            <a:spAutoFit/>
+          </a:bodyPr>
+          <a:lstStyle/>
+          <a:p>
+            <a:pPr>
+              <a:lnSpc>
+                <a:spcPct val="150000"/>
+              </a:lnSpc>
+            </a:pPr>
+            <a:r>
+              <a:rPr lang="en-US" altLang="ko-KR" dirty="0">
+                <a:solidFill>
+                  <a:schemeClr val="tx1">
+                    <a:lumMod val="50000"/>
+                    <a:lumOff val="50000"/>
+                  </a:schemeClr>
+                </a:solidFill>
+              </a:rPr>
+              <a:t>Raspberry Pi 4B (LCD, Flame Sensor control, Web CAM)</a:t>
+            </a:r>
+          </a:p>
+        </p:txBody>
+      </p:sp>
+    </p:spTree>
+    <p:extLst>
+      <p:ext uri="{BB962C8B-B14F-4D97-AF65-F5344CB8AC3E}">
+        <p14:creationId xmlns:p14="http://schemas.microsoft.com/office/powerpoint/2010/main" val="842791426"/>
+      </p:ext>
+    </p:extLst>
+  </p:cSld>
+  <p:clrMapOvr>
+    <a:masterClrMapping/>
+  </p:clrMapOvr>
+</p:sld>
+</file>
+
+<file path=ppt/slides/slide9.xml><?xml version="1.0" encoding="utf-8"?>
+<p:sld xmlns:a="http://schemas.openxmlformats.org/drawingml/2006/main" xmlns:r="http://schemas.openxmlformats.org/officeDocument/2006/relationships" xmlns:p="http://schemas.openxmlformats.org/presentationml/2006/main">
+  <p:cSld>
+    <p:spTree>
+      <p:nvGrpSpPr>
+        <p:cNvPr id="1" name=""/>
+        <p:cNvGrpSpPr/>
+        <p:nvPr/>
+      </p:nvGrpSpPr>
+      <p:grpSpPr>
+        <a:xfrm>
+          <a:off x="0" y="0"/>
+          <a:ext cx="0" cy="0"/>
+          <a:chOff x="0" y="0"/>
+          <a:chExt cx="0" cy="0"/>
+        </a:xfrm>
+      </p:grpSpPr>
+      <p:grpSp>
+        <p:nvGrpSpPr>
+          <p:cNvPr id="1002" name="그룹 1002"/>
+          <p:cNvGrpSpPr/>
+          <p:nvPr/>
+        </p:nvGrpSpPr>
+        <p:grpSpPr>
+          <a:xfrm>
+            <a:off x="545052" y="1266825"/>
+            <a:ext cx="45719" cy="5822234"/>
+            <a:chOff x="3180972" y="785539"/>
+            <a:chExt cx="45165" cy="4256350"/>
+          </a:xfrm>
+        </p:grpSpPr>
+        <p:pic>
+          <p:nvPicPr>
+            <p:cNvPr id="7" name="Object 6"/>
+            <p:cNvPicPr>
+              <a:picLocks noChangeAspect="1"/>
+            </p:cNvPicPr>
+            <p:nvPr/>
+          </p:nvPicPr>
+          <p:blipFill>
+            <a:blip r:embed="rId2" cstate="print"/>
+            <a:stretch>
+              <a:fillRect/>
+            </a:stretch>
+          </p:blipFill>
+          <p:spPr>
+            <a:xfrm rot="16200000">
+              <a:off x="1075380" y="2891131"/>
+              <a:ext cx="4256350" cy="45165"/>
+            </a:xfrm>
+            <a:prstGeom prst="rect">
+              <a:avLst/>
+            </a:prstGeom>
+          </p:spPr>
+        </p:pic>
+      </p:grpSp>
+      <p:sp>
+        <p:nvSpPr>
+          <p:cNvPr id="2" name="TextBox 1">
+            <a:extLst>
+              <a:ext uri="{FF2B5EF4-FFF2-40B4-BE49-F238E27FC236}">
+                <a16:creationId xmlns:a16="http://schemas.microsoft.com/office/drawing/2014/main" id="{BAC651EF-B1AA-85ED-91A4-413C2122BA8B}"/>
+              </a:ext>
+            </a:extLst>
+          </p:cNvPr>
+          <p:cNvSpPr txBox="1"/>
+          <p:nvPr/>
+        </p:nvSpPr>
+        <p:spPr>
+          <a:xfrm>
+            <a:off x="395287" y="200025"/>
+            <a:ext cx="5143652" cy="861774"/>
+          </a:xfrm>
+          <a:prstGeom prst="rect">
+            <a:avLst/>
+          </a:prstGeom>
+          <a:noFill/>
+        </p:spPr>
+        <p:txBody>
+          <a:bodyPr wrap="none" rtlCol="0">
+            <a:spAutoFit/>
+          </a:bodyPr>
+          <a:lstStyle/>
+          <a:p>
+            <a:r>
+              <a:rPr lang="en-US" altLang="ko-KR" sz="5000" dirty="0">
+                <a:solidFill>
+                  <a:srgbClr val="7D9FFD"/>
+                </a:solidFill>
+                <a:latin typeface="+mj-lt"/>
+              </a:rPr>
+              <a:t>PROJECT SCOPE (2)</a:t>
+            </a:r>
+            <a:endParaRPr lang="ko-KR" altLang="en-US" sz="5000" dirty="0">
+              <a:solidFill>
+                <a:srgbClr val="7D9FFD"/>
+              </a:solidFill>
+              <a:latin typeface="+mj-lt"/>
+            </a:endParaRPr>
+          </a:p>
+        </p:txBody>
+      </p:sp>
+      <p:sp>
+        <p:nvSpPr>
+          <p:cNvPr id="4" name="TextBox 3">
+            <a:extLst>
+              <a:ext uri="{FF2B5EF4-FFF2-40B4-BE49-F238E27FC236}">
+                <a16:creationId xmlns:a16="http://schemas.microsoft.com/office/drawing/2014/main" id="{29CCE29E-C2D8-7BA6-E4A0-FA55920AF409}"/>
+              </a:ext>
+            </a:extLst>
+          </p:cNvPr>
+          <p:cNvSpPr txBox="1"/>
+          <p:nvPr/>
+        </p:nvSpPr>
+        <p:spPr>
+          <a:xfrm>
+            <a:off x="715680" y="1317450"/>
+            <a:ext cx="3012748" cy="998543"/>
+          </a:xfrm>
+          <a:prstGeom prst="rect">
+            <a:avLst/>
+          </a:prstGeom>
+          <a:noFill/>
+        </p:spPr>
+        <p:txBody>
+          <a:bodyPr wrap="none" rtlCol="0">
+            <a:spAutoFit/>
+          </a:bodyPr>
+          <a:lstStyle/>
+          <a:p>
+            <a:pPr marL="342900" indent="-342900">
+              <a:lnSpc>
+                <a:spcPct val="150000"/>
+              </a:lnSpc>
+              <a:buFont typeface="Arial" panose="020B0604020202020204" pitchFamily="34" charset="0"/>
+              <a:buChar char="•"/>
+            </a:pPr>
+            <a:r>
+              <a:rPr lang="en-US" altLang="ko-KR" sz="2500" b="1" dirty="0">
+                <a:solidFill>
+                  <a:srgbClr val="7D9FFD"/>
+                </a:solidFill>
+                <a:ea typeface="Cambria" panose="02040503050406030204" pitchFamily="18" charset="0"/>
+                <a:cs typeface="Aldhabi" panose="01000000000000000000" pitchFamily="2" charset="-78"/>
+              </a:rPr>
+              <a:t>Statement of work</a:t>
+            </a:r>
+          </a:p>
+          <a:p>
+            <a:pPr>
+              <a:lnSpc>
+                <a:spcPct val="150000"/>
+              </a:lnSpc>
+            </a:pPr>
+            <a:r>
+              <a:rPr lang="en-US" altLang="ko-KR" sz="1600" dirty="0">
+                <a:solidFill>
+                  <a:schemeClr val="bg1">
+                    <a:lumMod val="50000"/>
+                  </a:schemeClr>
+                </a:solidFill>
+              </a:rPr>
+              <a:t>  2-1. S/W</a:t>
+            </a:r>
+            <a:r>
+              <a:rPr lang="ko-KR" altLang="en-US" sz="1600" dirty="0">
+                <a:solidFill>
+                  <a:schemeClr val="bg1">
+                    <a:lumMod val="50000"/>
+                  </a:schemeClr>
+                </a:solidFill>
+              </a:rPr>
+              <a:t> 개발</a:t>
+            </a:r>
+            <a:endParaRPr lang="en-US" altLang="ko-KR" sz="1600" dirty="0">
+              <a:solidFill>
+                <a:schemeClr val="bg1">
+                  <a:lumMod val="50000"/>
+                </a:schemeClr>
+              </a:solidFill>
+            </a:endParaRPr>
+          </a:p>
+        </p:txBody>
+      </p:sp>
+      <p:cxnSp>
+        <p:nvCxnSpPr>
+          <p:cNvPr id="8" name="직선 연결선 7">
+            <a:extLst>
+              <a:ext uri="{FF2B5EF4-FFF2-40B4-BE49-F238E27FC236}">
+                <a16:creationId xmlns:a16="http://schemas.microsoft.com/office/drawing/2014/main" id="{4E09D352-0290-E016-F5E8-13E40E18819F}"/>
+              </a:ext>
+            </a:extLst>
+          </p:cNvPr>
+          <p:cNvCxnSpPr/>
+          <p:nvPr/>
+        </p:nvCxnSpPr>
+        <p:spPr>
+          <a:xfrm>
+            <a:off x="242887" y="1061799"/>
+            <a:ext cx="10058400" cy="0"/>
+          </a:xfrm>
+          <a:prstGeom prst="line">
+            <a:avLst/>
+          </a:prstGeom>
+          <a:ln w="19050">
+            <a:solidFill>
+              <a:srgbClr val="7D9FFD"/>
+            </a:solidFill>
+          </a:ln>
+        </p:spPr>
+        <p:style>
+          <a:lnRef idx="1">
+            <a:schemeClr val="accent1"/>
+          </a:lnRef>
+          <a:fillRef idx="0">
+            <a:schemeClr val="accent1"/>
+          </a:fillRef>
+          <a:effectRef idx="0">
+            <a:schemeClr val="accent1"/>
+          </a:effectRef>
+          <a:fontRef idx="minor">
+            <a:schemeClr val="tx1"/>
+          </a:fontRef>
+        </p:style>
+      </p:cxnSp>
+      <p:grpSp>
+        <p:nvGrpSpPr>
+          <p:cNvPr id="10" name="그룹 1003">
+            <a:extLst>
+              <a:ext uri="{FF2B5EF4-FFF2-40B4-BE49-F238E27FC236}">
+                <a16:creationId xmlns:a16="http://schemas.microsoft.com/office/drawing/2014/main" id="{097CB6F3-FC9A-4489-CEE7-3E80A3CD19E7}"/>
+              </a:ext>
+            </a:extLst>
+          </p:cNvPr>
+          <p:cNvGrpSpPr/>
+          <p:nvPr/>
+        </p:nvGrpSpPr>
+        <p:grpSpPr>
+          <a:xfrm>
+            <a:off x="1233639" y="3202306"/>
+            <a:ext cx="8610600" cy="45719"/>
+            <a:chOff x="4840240" y="3769812"/>
+            <a:chExt cx="5149435" cy="50865"/>
+          </a:xfrm>
+        </p:grpSpPr>
+        <p:pic>
+          <p:nvPicPr>
+            <p:cNvPr id="11" name="Object 12">
+              <a:extLst>
+                <a:ext uri="{FF2B5EF4-FFF2-40B4-BE49-F238E27FC236}">
+                  <a16:creationId xmlns:a16="http://schemas.microsoft.com/office/drawing/2014/main" id="{0214DC9B-2903-2011-2C02-84F9F74F3974}"/>
+                </a:ext>
+              </a:extLst>
+            </p:cNvPr>
+            <p:cNvPicPr>
+              <a:picLocks noChangeAspect="1"/>
+            </p:cNvPicPr>
+            <p:nvPr/>
+          </p:nvPicPr>
+          <p:blipFill>
+            <a:blip r:embed="rId3" cstate="print"/>
+            <a:stretch>
+              <a:fillRect/>
+            </a:stretch>
+          </p:blipFill>
+          <p:spPr>
+            <a:xfrm>
+              <a:off x="4840240" y="3769812"/>
+              <a:ext cx="5149435" cy="50865"/>
+            </a:xfrm>
+            <a:prstGeom prst="rect">
+              <a:avLst/>
+            </a:prstGeom>
+          </p:spPr>
+        </p:pic>
+      </p:grpSp>
+      <p:grpSp>
+        <p:nvGrpSpPr>
+          <p:cNvPr id="12" name="그룹 1001">
+            <a:extLst>
+              <a:ext uri="{FF2B5EF4-FFF2-40B4-BE49-F238E27FC236}">
+                <a16:creationId xmlns:a16="http://schemas.microsoft.com/office/drawing/2014/main" id="{2A54CF6E-4406-9729-DC1F-B77F1454B59D}"/>
+              </a:ext>
+            </a:extLst>
+          </p:cNvPr>
+          <p:cNvGrpSpPr/>
+          <p:nvPr/>
+        </p:nvGrpSpPr>
+        <p:grpSpPr>
+          <a:xfrm>
+            <a:off x="242887" y="4772025"/>
+            <a:ext cx="4256350" cy="45165"/>
+            <a:chOff x="2715395" y="3768437"/>
+            <a:chExt cx="4256350" cy="45165"/>
+          </a:xfrm>
+        </p:grpSpPr>
+        <p:pic>
+          <p:nvPicPr>
+            <p:cNvPr id="13" name="Object 3">
+              <a:extLst>
+                <a:ext uri="{FF2B5EF4-FFF2-40B4-BE49-F238E27FC236}">
+                  <a16:creationId xmlns:a16="http://schemas.microsoft.com/office/drawing/2014/main" id="{136BDF1A-3E21-78FE-EB61-5EB2F4573743}"/>
+                </a:ext>
+              </a:extLst>
+            </p:cNvPr>
+            <p:cNvPicPr>
+              <a:picLocks noChangeAspect="1"/>
+            </p:cNvPicPr>
+            <p:nvPr/>
+          </p:nvPicPr>
+          <p:blipFill>
+            <a:blip r:embed="rId2" cstate="print"/>
+            <a:stretch>
+              <a:fillRect/>
+            </a:stretch>
+          </p:blipFill>
+          <p:spPr>
+            <a:xfrm rot="-5400000">
+              <a:off x="2715395" y="3768437"/>
+              <a:ext cx="4256350" cy="45165"/>
+            </a:xfrm>
+            <a:prstGeom prst="rect">
+              <a:avLst/>
+            </a:prstGeom>
+          </p:spPr>
+        </p:pic>
+      </p:grpSp>
+      <p:sp>
+        <p:nvSpPr>
+          <p:cNvPr id="14" name="TextBox 13">
+            <a:extLst>
+              <a:ext uri="{FF2B5EF4-FFF2-40B4-BE49-F238E27FC236}">
+                <a16:creationId xmlns:a16="http://schemas.microsoft.com/office/drawing/2014/main" id="{0051E796-83A5-11AB-1D47-423DBC965A72}"/>
+              </a:ext>
+            </a:extLst>
+          </p:cNvPr>
+          <p:cNvSpPr txBox="1"/>
+          <p:nvPr/>
+        </p:nvSpPr>
+        <p:spPr>
+          <a:xfrm>
+            <a:off x="1441444" y="2754916"/>
+            <a:ext cx="699230" cy="369332"/>
+          </a:xfrm>
+          <a:prstGeom prst="rect">
+            <a:avLst/>
+          </a:prstGeom>
+          <a:noFill/>
+        </p:spPr>
+        <p:txBody>
+          <a:bodyPr wrap="none" rtlCol="0">
+            <a:spAutoFit/>
+          </a:bodyPr>
+          <a:lstStyle/>
+          <a:p>
+            <a:r>
+              <a:rPr lang="ko-KR" altLang="en-US" dirty="0">
+                <a:solidFill>
+                  <a:schemeClr val="tx1">
+                    <a:lumMod val="50000"/>
+                    <a:lumOff val="50000"/>
+                  </a:schemeClr>
+                </a:solidFill>
+              </a:rPr>
+              <a:t>업 무</a:t>
+            </a:r>
+          </a:p>
+        </p:txBody>
+      </p:sp>
+      <p:sp>
+        <p:nvSpPr>
+          <p:cNvPr id="16" name="TextBox 15">
+            <a:extLst>
+              <a:ext uri="{FF2B5EF4-FFF2-40B4-BE49-F238E27FC236}">
+                <a16:creationId xmlns:a16="http://schemas.microsoft.com/office/drawing/2014/main" id="{D58A5C8F-CD68-2501-14F5-51173CF09FC6}"/>
+              </a:ext>
+            </a:extLst>
+          </p:cNvPr>
+          <p:cNvSpPr txBox="1"/>
+          <p:nvPr/>
+        </p:nvSpPr>
+        <p:spPr>
+          <a:xfrm>
+            <a:off x="5375712" y="2754916"/>
+            <a:ext cx="1319592" cy="369332"/>
+          </a:xfrm>
+          <a:prstGeom prst="rect">
+            <a:avLst/>
+          </a:prstGeom>
+          <a:noFill/>
+        </p:spPr>
+        <p:txBody>
+          <a:bodyPr wrap="none" rtlCol="0">
+            <a:spAutoFit/>
+          </a:bodyPr>
+          <a:lstStyle/>
+          <a:p>
+            <a:r>
+              <a:rPr lang="ko-KR" altLang="en-US" dirty="0">
+                <a:solidFill>
+                  <a:schemeClr val="tx1">
+                    <a:lumMod val="50000"/>
+                    <a:lumOff val="50000"/>
+                  </a:schemeClr>
+                </a:solidFill>
+              </a:rPr>
+              <a:t>업 무  범 위</a:t>
+            </a:r>
+          </a:p>
+        </p:txBody>
+      </p:sp>
+      <p:grpSp>
+        <p:nvGrpSpPr>
+          <p:cNvPr id="17" name="그룹 1003">
+            <a:extLst>
+              <a:ext uri="{FF2B5EF4-FFF2-40B4-BE49-F238E27FC236}">
+                <a16:creationId xmlns:a16="http://schemas.microsoft.com/office/drawing/2014/main" id="{3236B572-8112-92DB-805A-BD7BB84A925F}"/>
+              </a:ext>
+            </a:extLst>
+          </p:cNvPr>
+          <p:cNvGrpSpPr/>
+          <p:nvPr/>
+        </p:nvGrpSpPr>
+        <p:grpSpPr>
+          <a:xfrm>
+            <a:off x="1233639" y="4391025"/>
+            <a:ext cx="8610600" cy="45719"/>
+            <a:chOff x="4840240" y="3769812"/>
+            <a:chExt cx="5149435" cy="50865"/>
+          </a:xfrm>
+        </p:grpSpPr>
+        <p:pic>
+          <p:nvPicPr>
+            <p:cNvPr id="18" name="Object 12">
+              <a:extLst>
+                <a:ext uri="{FF2B5EF4-FFF2-40B4-BE49-F238E27FC236}">
+                  <a16:creationId xmlns:a16="http://schemas.microsoft.com/office/drawing/2014/main" id="{C2CA534B-C41A-4009-FC4A-E48531203794}"/>
+                </a:ext>
+              </a:extLst>
+            </p:cNvPr>
+            <p:cNvPicPr>
+              <a:picLocks noChangeAspect="1"/>
+            </p:cNvPicPr>
+            <p:nvPr/>
+          </p:nvPicPr>
+          <p:blipFill>
+            <a:blip r:embed="rId3" cstate="print"/>
+            <a:stretch>
+              <a:fillRect/>
+            </a:stretch>
+          </p:blipFill>
+          <p:spPr>
+            <a:xfrm>
+              <a:off x="4840240" y="3769812"/>
+              <a:ext cx="5149435" cy="50865"/>
+            </a:xfrm>
+            <a:prstGeom prst="rect">
+              <a:avLst/>
+            </a:prstGeom>
+          </p:spPr>
+        </p:pic>
+      </p:grpSp>
+      <p:sp>
+        <p:nvSpPr>
+          <p:cNvPr id="19" name="TextBox 18">
+            <a:extLst>
+              <a:ext uri="{FF2B5EF4-FFF2-40B4-BE49-F238E27FC236}">
+                <a16:creationId xmlns:a16="http://schemas.microsoft.com/office/drawing/2014/main" id="{7157613D-4608-339C-C6D0-BB093F0A0B94}"/>
+              </a:ext>
+            </a:extLst>
+          </p:cNvPr>
+          <p:cNvSpPr txBox="1"/>
+          <p:nvPr/>
+        </p:nvSpPr>
+        <p:spPr>
+          <a:xfrm>
+            <a:off x="1441444" y="3579744"/>
+            <a:ext cx="747384" cy="369332"/>
+          </a:xfrm>
+          <a:prstGeom prst="rect">
+            <a:avLst/>
+          </a:prstGeom>
+          <a:noFill/>
+        </p:spPr>
+        <p:txBody>
+          <a:bodyPr wrap="none" rtlCol="0">
+            <a:spAutoFit/>
+          </a:bodyPr>
+          <a:lstStyle/>
+          <a:p>
+            <a:r>
+              <a:rPr lang="en-US" altLang="ko-KR" dirty="0">
+                <a:solidFill>
+                  <a:schemeClr val="tx1">
+                    <a:lumMod val="50000"/>
+                    <a:lumOff val="50000"/>
+                  </a:schemeClr>
+                </a:solidFill>
+              </a:rPr>
+              <a:t>Robot</a:t>
+            </a:r>
+            <a:endParaRPr lang="ko-KR" altLang="en-US" dirty="0">
+              <a:solidFill>
+                <a:schemeClr val="tx1">
+                  <a:lumMod val="50000"/>
+                  <a:lumOff val="50000"/>
+                </a:schemeClr>
+              </a:solidFill>
+            </a:endParaRPr>
+          </a:p>
+        </p:txBody>
+      </p:sp>
+      <p:sp>
+        <p:nvSpPr>
+          <p:cNvPr id="20" name="TextBox 19">
+            <a:extLst>
+              <a:ext uri="{FF2B5EF4-FFF2-40B4-BE49-F238E27FC236}">
+                <a16:creationId xmlns:a16="http://schemas.microsoft.com/office/drawing/2014/main" id="{C99E98C2-13F9-D37E-2D3A-D6337515E7EF}"/>
+              </a:ext>
+            </a:extLst>
+          </p:cNvPr>
+          <p:cNvSpPr txBox="1"/>
+          <p:nvPr/>
+        </p:nvSpPr>
+        <p:spPr>
+          <a:xfrm>
+            <a:off x="2553296" y="3324225"/>
+            <a:ext cx="1472967" cy="880369"/>
+          </a:xfrm>
+          <a:prstGeom prst="rect">
+            <a:avLst/>
+          </a:prstGeom>
+          <a:noFill/>
+        </p:spPr>
+        <p:txBody>
+          <a:bodyPr wrap="none" rtlCol="0">
+            <a:spAutoFit/>
+          </a:bodyPr>
+          <a:lstStyle/>
+          <a:p>
+            <a:pPr>
+              <a:lnSpc>
+                <a:spcPct val="150000"/>
+              </a:lnSpc>
+            </a:pPr>
+            <a:r>
+              <a:rPr lang="en-US" altLang="ko-KR" dirty="0">
+                <a:solidFill>
+                  <a:schemeClr val="tx1">
+                    <a:lumMod val="50000"/>
+                    <a:lumOff val="50000"/>
+                  </a:schemeClr>
+                </a:solidFill>
+              </a:rPr>
+              <a:t>Ubuntu 18.04</a:t>
+            </a:r>
+          </a:p>
+          <a:p>
+            <a:pPr>
+              <a:lnSpc>
+                <a:spcPct val="150000"/>
+              </a:lnSpc>
+            </a:pPr>
+            <a:r>
+              <a:rPr lang="en-US" altLang="ko-KR" dirty="0">
+                <a:solidFill>
+                  <a:schemeClr val="tx1">
+                    <a:lumMod val="50000"/>
+                    <a:lumOff val="50000"/>
+                  </a:schemeClr>
+                </a:solidFill>
+              </a:rPr>
+              <a:t>ROS(melodic)</a:t>
+            </a:r>
+            <a:endParaRPr lang="ko-KR" altLang="en-US" dirty="0">
+              <a:solidFill>
+                <a:schemeClr val="tx1">
+                  <a:lumMod val="50000"/>
+                  <a:lumOff val="50000"/>
+                </a:schemeClr>
+              </a:solidFill>
+            </a:endParaRPr>
+          </a:p>
+        </p:txBody>
+      </p:sp>
+      <p:sp>
+        <p:nvSpPr>
+          <p:cNvPr id="21" name="TextBox 20">
+            <a:extLst>
+              <a:ext uri="{FF2B5EF4-FFF2-40B4-BE49-F238E27FC236}">
+                <a16:creationId xmlns:a16="http://schemas.microsoft.com/office/drawing/2014/main" id="{181162C3-8743-FC4F-CB67-3B2E8EA5E36A}"/>
+              </a:ext>
+            </a:extLst>
+          </p:cNvPr>
+          <p:cNvSpPr txBox="1"/>
+          <p:nvPr/>
+        </p:nvSpPr>
+        <p:spPr>
+          <a:xfrm>
+            <a:off x="1441444" y="5164693"/>
+            <a:ext cx="676339" cy="369332"/>
+          </a:xfrm>
+          <a:prstGeom prst="rect">
+            <a:avLst/>
+          </a:prstGeom>
+          <a:noFill/>
+        </p:spPr>
+        <p:txBody>
+          <a:bodyPr wrap="none" rtlCol="0">
+            <a:spAutoFit/>
+          </a:bodyPr>
+          <a:lstStyle/>
+          <a:p>
+            <a:r>
+              <a:rPr lang="en-US" altLang="ko-KR" dirty="0">
+                <a:solidFill>
+                  <a:schemeClr val="tx1">
+                    <a:lumMod val="50000"/>
+                    <a:lumOff val="50000"/>
+                  </a:schemeClr>
+                </a:solidFill>
+              </a:rPr>
+              <a:t>CCTV</a:t>
+            </a:r>
+            <a:endParaRPr lang="ko-KR" altLang="en-US" dirty="0">
+              <a:solidFill>
+                <a:schemeClr val="tx1">
+                  <a:lumMod val="50000"/>
+                  <a:lumOff val="50000"/>
+                </a:schemeClr>
+              </a:solidFill>
+            </a:endParaRPr>
+          </a:p>
+        </p:txBody>
+      </p:sp>
+      <p:sp>
+        <p:nvSpPr>
+          <p:cNvPr id="22" name="TextBox 21">
+            <a:extLst>
+              <a:ext uri="{FF2B5EF4-FFF2-40B4-BE49-F238E27FC236}">
+                <a16:creationId xmlns:a16="http://schemas.microsoft.com/office/drawing/2014/main" id="{CB1D2BF4-6B2F-5BE0-87FB-E1928A0DA254}"/>
+              </a:ext>
+            </a:extLst>
+          </p:cNvPr>
+          <p:cNvSpPr txBox="1"/>
+          <p:nvPr/>
+        </p:nvSpPr>
+        <p:spPr>
+          <a:xfrm>
+            <a:off x="2553296" y="4543425"/>
+            <a:ext cx="1039067" cy="1711366"/>
+          </a:xfrm>
+          <a:prstGeom prst="rect">
+            <a:avLst/>
+          </a:prstGeom>
+          <a:noFill/>
+        </p:spPr>
+        <p:txBody>
+          <a:bodyPr wrap="none" rtlCol="0">
+            <a:spAutoFit/>
+          </a:bodyPr>
+          <a:lstStyle/>
+          <a:p>
+            <a:pPr>
+              <a:lnSpc>
+                <a:spcPct val="150000"/>
+              </a:lnSpc>
+            </a:pPr>
+            <a:r>
+              <a:rPr lang="en-US" altLang="ko-KR" dirty="0">
+                <a:solidFill>
+                  <a:schemeClr val="tx1">
+                    <a:lumMod val="50000"/>
+                    <a:lumOff val="50000"/>
+                  </a:schemeClr>
+                </a:solidFill>
+              </a:rPr>
+              <a:t>Raspbian</a:t>
+            </a:r>
+          </a:p>
+          <a:p>
+            <a:pPr>
+              <a:lnSpc>
+                <a:spcPct val="150000"/>
+              </a:lnSpc>
+            </a:pPr>
+            <a:r>
+              <a:rPr lang="en-US" altLang="ko-KR" dirty="0">
+                <a:solidFill>
+                  <a:schemeClr val="tx1">
+                    <a:lumMod val="50000"/>
+                    <a:lumOff val="50000"/>
+                  </a:schemeClr>
+                </a:solidFill>
+              </a:rPr>
+              <a:t>YOLOv5</a:t>
+            </a:r>
+          </a:p>
+          <a:p>
+            <a:pPr>
+              <a:lnSpc>
+                <a:spcPct val="150000"/>
+              </a:lnSpc>
+            </a:pPr>
+            <a:r>
+              <a:rPr lang="en-US" altLang="ko-KR" dirty="0">
+                <a:solidFill>
+                  <a:schemeClr val="tx1">
+                    <a:lumMod val="50000"/>
+                    <a:lumOff val="50000"/>
+                  </a:schemeClr>
+                </a:solidFill>
+              </a:rPr>
+              <a:t>OpenCV</a:t>
+            </a:r>
+          </a:p>
+          <a:p>
+            <a:pPr>
+              <a:lnSpc>
+                <a:spcPct val="150000"/>
+              </a:lnSpc>
+            </a:pPr>
+            <a:r>
+              <a:rPr lang="en-US" altLang="ko-KR" dirty="0">
+                <a:solidFill>
+                  <a:schemeClr val="tx1">
+                    <a:lumMod val="50000"/>
+                    <a:lumOff val="50000"/>
+                  </a:schemeClr>
+                </a:solidFill>
+              </a:rPr>
+              <a:t>MJPG</a:t>
+            </a:r>
+          </a:p>
+        </p:txBody>
+      </p:sp>
+      <p:grpSp>
+        <p:nvGrpSpPr>
+          <p:cNvPr id="3" name="그룹 1003">
+            <a:extLst>
+              <a:ext uri="{FF2B5EF4-FFF2-40B4-BE49-F238E27FC236}">
+                <a16:creationId xmlns:a16="http://schemas.microsoft.com/office/drawing/2014/main" id="{B86FC41A-CF08-572D-4EB7-C3206EDC78F5}"/>
+              </a:ext>
+            </a:extLst>
+          </p:cNvPr>
+          <p:cNvGrpSpPr/>
+          <p:nvPr/>
+        </p:nvGrpSpPr>
+        <p:grpSpPr>
+          <a:xfrm>
+            <a:off x="1233639" y="6348431"/>
+            <a:ext cx="8610600" cy="45719"/>
+            <a:chOff x="4840240" y="3769812"/>
+            <a:chExt cx="5149435" cy="50865"/>
+          </a:xfrm>
+        </p:grpSpPr>
+        <p:pic>
+          <p:nvPicPr>
+            <p:cNvPr id="5" name="Object 12">
+              <a:extLst>
+                <a:ext uri="{FF2B5EF4-FFF2-40B4-BE49-F238E27FC236}">
+                  <a16:creationId xmlns:a16="http://schemas.microsoft.com/office/drawing/2014/main" id="{07B6A623-17D0-6EBD-3657-34B1A99FBE57}"/>
+                </a:ext>
+              </a:extLst>
+            </p:cNvPr>
+            <p:cNvPicPr>
+              <a:picLocks noChangeAspect="1"/>
+            </p:cNvPicPr>
+            <p:nvPr/>
+          </p:nvPicPr>
+          <p:blipFill>
+            <a:blip r:embed="rId3" cstate="print"/>
+            <a:stretch>
+              <a:fillRect/>
+            </a:stretch>
+          </p:blipFill>
+          <p:spPr>
+            <a:xfrm>
+              <a:off x="4840240" y="3769812"/>
+              <a:ext cx="5149435" cy="50865"/>
+            </a:xfrm>
+            <a:prstGeom prst="rect">
+              <a:avLst/>
+            </a:prstGeom>
+          </p:spPr>
+        </p:pic>
+      </p:grpSp>
+    </p:spTree>
+    <p:extLst>
+      <p:ext uri="{BB962C8B-B14F-4D97-AF65-F5344CB8AC3E}">
+        <p14:creationId xmlns:p14="http://schemas.microsoft.com/office/powerpoint/2010/main" val="2548295489"/>
+      </p:ext>
+    </p:extLst>
   </p:cSld>
   <p:clrMapOvr>
     <a:masterClrMapping/>
